--- a/Data Wrangling with SQL.pptx
+++ b/Data Wrangling with SQL.pptx
@@ -47,28 +47,23 @@
       <p:regular r:id="rId21"/>
     </p:embeddedFont>
     <p:embeddedFont>
-      <p:font typeface="HK Grotesk Medium Bold" pitchFamily="2" charset="77"/>
+      <p:font typeface="Open Sans" panose="020B0606030504020204" pitchFamily="34" charset="0"/>
       <p:regular r:id="rId22"/>
       <p:bold r:id="rId23"/>
-    </p:embeddedFont>
-    <p:embeddedFont>
-      <p:font typeface="Open Sans" panose="020B0606030504020204" pitchFamily="34" charset="0"/>
-      <p:regular r:id="rId24"/>
-      <p:bold r:id="rId25"/>
-      <p:italic r:id="rId26"/>
-      <p:boldItalic r:id="rId27"/>
+      <p:italic r:id="rId24"/>
+      <p:boldItalic r:id="rId25"/>
     </p:embeddedFont>
     <p:embeddedFont>
       <p:font typeface="Open Sans Bold" panose="020B0806030504020204" pitchFamily="34" charset="0"/>
-      <p:regular r:id="rId28"/>
-      <p:bold r:id="rId29"/>
+      <p:regular r:id="rId26"/>
+      <p:bold r:id="rId27"/>
     </p:embeddedFont>
     <p:embeddedFont>
       <p:font typeface="Open Sans Bold Italics" panose="020B0806030504020204" pitchFamily="34" charset="0"/>
-      <p:regular r:id="rId30"/>
-      <p:bold r:id="rId31"/>
-      <p:italic r:id="rId32"/>
-      <p:boldItalic r:id="rId33"/>
+      <p:regular r:id="rId28"/>
+      <p:bold r:id="rId29"/>
+      <p:italic r:id="rId30"/>
+      <p:boldItalic r:id="rId31"/>
     </p:embeddedFont>
   </p:embeddedFontLst>
   <p:defaultTextStyle>
@@ -219,7 +214,7 @@
         </p:nvSpPr>
         <p:spPr>
           <a:xfrm>
-            <a:off x="0" y="0"/>
+            <a:off x="0" y="1"/>
             <a:ext cx="3962400" cy="342900"/>
           </a:xfrm>
           <a:prstGeom prst="rect">
@@ -250,7 +245,7 @@
         </p:nvSpPr>
         <p:spPr>
           <a:xfrm>
-            <a:off x="5180013" y="0"/>
+            <a:off x="5180013" y="1"/>
             <a:ext cx="3962400" cy="342900"/>
           </a:xfrm>
           <a:prstGeom prst="rect">
@@ -285,8 +280,8 @@
         </p:nvSpPr>
         <p:spPr>
           <a:xfrm>
-            <a:off x="2857500" y="512763"/>
-            <a:ext cx="3429000" cy="2566987"/>
+            <a:off x="2290763" y="512763"/>
+            <a:ext cx="4562475" cy="2566987"/>
           </a:xfrm>
           <a:prstGeom prst="rect">
             <a:avLst/>
@@ -319,7 +314,7 @@
         <p:spPr>
           <a:xfrm>
             <a:off x="914400" y="3251200"/>
-            <a:ext cx="7315200" cy="3081338"/>
+            <a:ext cx="7315200" cy="3081339"/>
           </a:xfrm>
           <a:prstGeom prst="rect">
             <a:avLst/>
@@ -378,7 +373,7 @@
         </p:nvSpPr>
         <p:spPr>
           <a:xfrm>
-            <a:off x="0" y="6502400"/>
+            <a:off x="0" y="6502401"/>
             <a:ext cx="3962400" cy="341313"/>
           </a:xfrm>
           <a:prstGeom prst="rect">
@@ -409,7 +404,7 @@
         </p:nvSpPr>
         <p:spPr>
           <a:xfrm>
-            <a:off x="5180013" y="6502400"/>
+            <a:off x="5180013" y="6502401"/>
             <a:ext cx="3962400" cy="341313"/>
           </a:xfrm>
           <a:prstGeom prst="rect">
@@ -554,184 +549,43 @@
       </p:grpSpPr>
       <p:sp>
         <p:nvSpPr>
-          <p:cNvPr id="2" name="Header Placeholder 1"/>
+          <p:cNvPr id="2" name="Slide Image Placeholder 1"/>
+          <p:cNvSpPr>
+            <a:spLocks noGrp="1" noRot="1" noChangeAspect="1"/>
+          </p:cNvSpPr>
+          <p:nvPr>
+            <p:ph type="sldImg"/>
+          </p:nvPr>
+        </p:nvSpPr>
+        <p:spPr>
+          <a:xfrm>
+            <a:off x="2290763" y="512763"/>
+            <a:ext cx="4562475" cy="2566987"/>
+          </a:xfrm>
+        </p:spPr>
+      </p:sp>
+      <p:sp>
+        <p:nvSpPr>
+          <p:cNvPr id="3" name="Notes Placeholder 2"/>
           <p:cNvSpPr>
             <a:spLocks noGrp="1"/>
           </p:cNvSpPr>
           <p:nvPr>
-            <p:ph type="hdr" sz="quarter"/>
+            <p:ph type="body" idx="1"/>
           </p:nvPr>
         </p:nvSpPr>
-        <p:spPr>
-          <a:xfrm>
-            <a:off x="0" y="0"/>
-            <a:ext cx="3962400" cy="342900"/>
-          </a:xfrm>
-          <a:prstGeom prst="rect">
-            <a:avLst/>
-          </a:prstGeom>
-        </p:spPr>
+        <p:spPr/>
         <p:txBody>
-          <a:bodyPr vert="horz" lIns="91440" tIns="45720" rIns="91440" bIns="45720" rtlCol="0"/>
-          <a:lstStyle>
-            <a:lvl1pPr algn="l">
-              <a:defRPr sz="1200"/>
-            </a:lvl1pPr>
-          </a:lstStyle>
-          <a:p>
-            <a:endParaRPr/>
+          <a:bodyPr/>
+          <a:lstStyle/>
+          <a:p>
+            <a:endParaRPr lang="en-US"/>
           </a:p>
         </p:txBody>
       </p:sp>
       <p:sp>
         <p:nvSpPr>
-          <p:cNvPr id="3" name="Date Placeholder 2"/>
-          <p:cNvSpPr>
-            <a:spLocks noGrp="1"/>
-          </p:cNvSpPr>
-          <p:nvPr>
-            <p:ph type="dt" idx="1"/>
-          </p:nvPr>
-        </p:nvSpPr>
-        <p:spPr>
-          <a:xfrm>
-            <a:off x="5180013" y="0"/>
-            <a:ext cx="3962400" cy="342900"/>
-          </a:xfrm>
-          <a:prstGeom prst="rect">
-            <a:avLst/>
-          </a:prstGeom>
-        </p:spPr>
-        <p:txBody>
-          <a:bodyPr vert="horz" lIns="91440" tIns="45720" rIns="91440" bIns="45720" rtlCol="0"/>
-          <a:lstStyle>
-            <a:lvl1pPr algn="r">
-              <a:defRPr sz="1200"/>
-            </a:lvl1pPr>
-          </a:lstStyle>
-          <a:p>
-            <a:r>
-              <a:rPr lang="cs-CZ"/>
-              <a:t>1.7.2013</a:t>
-            </a:r>
-          </a:p>
-        </p:txBody>
-      </p:sp>
-      <p:sp>
-        <p:nvSpPr>
-          <p:cNvPr id="4" name="Slide Image Placeholder 3"/>
-          <p:cNvSpPr>
-            <a:spLocks noGrp="1" noRot="1" noChangeAspect="1"/>
-          </p:cNvSpPr>
-          <p:nvPr>
-            <p:ph type="sldImg" idx="2"/>
-          </p:nvPr>
-        </p:nvSpPr>
-        <p:spPr>
-          <a:xfrm>
-            <a:off x="2857500" y="512763"/>
-            <a:ext cx="3429000" cy="2566987"/>
-          </a:xfrm>
-          <a:prstGeom prst="rect">
-            <a:avLst/>
-          </a:prstGeom>
-          <a:noFill/>
-          <a:ln w="12700">
-            <a:solidFill>
-              <a:prstClr val="black"/>
-            </a:solidFill>
-          </a:ln>
-        </p:spPr>
-        <p:txBody>
-          <a:bodyPr vert="horz" lIns="91440" tIns="45720" rIns="91440" bIns="45720" rtlCol="0" anchor="ctr"/>
-          <a:lstStyle/>
-          <a:p>
-            <a:endParaRPr/>
-          </a:p>
-        </p:txBody>
-      </p:sp>
-      <p:sp>
-        <p:nvSpPr>
-          <p:cNvPr id="5" name="Notes Placeholder 4"/>
-          <p:cNvSpPr>
-            <a:spLocks noGrp="1"/>
-          </p:cNvSpPr>
-          <p:nvPr>
-            <p:ph type="body" sz="quarter" idx="3"/>
-          </p:nvPr>
-        </p:nvSpPr>
-        <p:spPr>
-          <a:xfrm>
-            <a:off x="914400" y="3251200"/>
-            <a:ext cx="7315200" cy="3081338"/>
-          </a:xfrm>
-          <a:prstGeom prst="rect">
-            <a:avLst/>
-          </a:prstGeom>
-        </p:spPr>
-        <p:txBody>
-          <a:bodyPr vert="horz" lIns="91440" tIns="45720" rIns="91440" bIns="45720" rtlCol="0"/>
-          <a:lstStyle/>
-          <a:p>
-            <a:r>
-              <a:rPr lang="en-US"/>
-              <a:t>This will not be a live coding / follow along session </a:t>
-            </a:r>
-          </a:p>
-          <a:p>
-            <a:endParaRPr lang="en-US"/>
-          </a:p>
-          <a:p>
-            <a:r>
-              <a:rPr lang="en-US"/>
-              <a:t>You will have the datasets avaiable, along with the slides and the solutions to the exercises to practice later</a:t>
-            </a:r>
-          </a:p>
-          <a:p>
-            <a:endParaRPr lang="en-US"/>
-          </a:p>
-          <a:p>
-            <a:r>
-              <a:rPr lang="en-US"/>
-              <a:t>I will be doing this in DBeaver, which is a free mutli-platform database tool that I have used at multiple organizations (including Carter's)</a:t>
-            </a:r>
-          </a:p>
-        </p:txBody>
-      </p:sp>
-      <p:sp>
-        <p:nvSpPr>
-          <p:cNvPr id="6" name="Footer Placeholder 5"/>
-          <p:cNvSpPr>
-            <a:spLocks noGrp="1"/>
-          </p:cNvSpPr>
-          <p:nvPr>
-            <p:ph type="ftr" sz="quarter" idx="4"/>
-          </p:nvPr>
-        </p:nvSpPr>
-        <p:spPr>
-          <a:xfrm>
-            <a:off x="0" y="6502400"/>
-            <a:ext cx="3962400" cy="341313"/>
-          </a:xfrm>
-          <a:prstGeom prst="rect">
-            <a:avLst/>
-          </a:prstGeom>
-        </p:spPr>
-        <p:txBody>
-          <a:bodyPr vert="horz" lIns="91440" tIns="45720" rIns="91440" bIns="45720" rtlCol="0" anchor="b"/>
-          <a:lstStyle>
-            <a:lvl1pPr algn="l">
-              <a:defRPr sz="1200"/>
-            </a:lvl1pPr>
-          </a:lstStyle>
-          <a:p>
-            <a:endParaRPr/>
-          </a:p>
-        </p:txBody>
-      </p:sp>
-      <p:sp>
-        <p:nvSpPr>
-          <p:cNvPr id="7" name="Slide Number Placeholder 6"/>
+          <p:cNvPr id="4" name="Slide Number Placeholder 3"/>
           <p:cNvSpPr>
             <a:spLocks noGrp="1"/>
           </p:cNvSpPr>
@@ -739,31 +593,25 @@
             <p:ph type="sldNum" sz="quarter" idx="5"/>
           </p:nvPr>
         </p:nvSpPr>
-        <p:spPr>
-          <a:xfrm>
-            <a:off x="5180013" y="6502400"/>
-            <a:ext cx="3962400" cy="341313"/>
-          </a:xfrm>
-          <a:prstGeom prst="rect">
-            <a:avLst/>
-          </a:prstGeom>
-        </p:spPr>
+        <p:spPr/>
         <p:txBody>
-          <a:bodyPr vert="horz" lIns="91440" tIns="45720" rIns="91440" bIns="45720" rtlCol="0" anchor="b"/>
-          <a:lstStyle>
-            <a:lvl1pPr algn="r">
-              <a:defRPr sz="1200"/>
-            </a:lvl1pPr>
-          </a:lstStyle>
-          <a:p>
-            <a:r>
-              <a:rPr lang="cs-CZ"/>
-              <a:t>‹#›</a:t>
-            </a:r>
+          <a:bodyPr/>
+          <a:lstStyle/>
+          <a:p>
+            <a:fld id="{871B2431-D351-4C6E-A3CF-9DFAC0E3E050}" type="slidenum">
+              <a:rPr lang="cs-CZ" smtClean="0"/>
+              <a:t>1</a:t>
+            </a:fld>
+            <a:endParaRPr lang="cs-CZ"/>
           </a:p>
         </p:txBody>
       </p:sp>
     </p:spTree>
+    <p:extLst>
+      <p:ext uri="{BB962C8B-B14F-4D97-AF65-F5344CB8AC3E}">
+        <p14:creationId xmlns:p14="http://schemas.microsoft.com/office/powerpoint/2010/main" val="3058011162"/>
+      </p:ext>
+    </p:extLst>
   </p:cSld>
   <p:clrMapOvr>
     <a:masterClrMapping/>
@@ -771,7 +619,7 @@
 </p:notes>
 </file>
 
-<file path=ppt/notesSlides/notesSlide2.xml><?xml version="1.0" encoding="utf-8"?>
+<file path=ppt/notesSlides/notesSlide10.xml><?xml version="1.0" encoding="utf-8"?>
 <p:notes xmlns:a="http://schemas.openxmlformats.org/drawingml/2006/main" xmlns:r="http://schemas.openxmlformats.org/officeDocument/2006/relationships" xmlns:p="http://schemas.openxmlformats.org/presentationml/2006/main">
   <p:cSld>
     <p:spTree>
@@ -800,7 +648,7 @@
         </p:nvSpPr>
         <p:spPr>
           <a:xfrm>
-            <a:off x="0" y="0"/>
+            <a:off x="0" y="1"/>
             <a:ext cx="3962400" cy="342900"/>
           </a:xfrm>
           <a:prstGeom prst="rect">
@@ -831,7 +679,7 @@
         </p:nvSpPr>
         <p:spPr>
           <a:xfrm>
-            <a:off x="5180013" y="0"/>
+            <a:off x="5180013" y="1"/>
             <a:ext cx="3962400" cy="342900"/>
           </a:xfrm>
           <a:prstGeom prst="rect">
@@ -899,7 +747,7 @@
         <p:spPr>
           <a:xfrm>
             <a:off x="914400" y="3251200"/>
-            <a:ext cx="7315200" cy="3081338"/>
+            <a:ext cx="7315200" cy="3081339"/>
           </a:xfrm>
           <a:prstGeom prst="rect">
             <a:avLst/>
@@ -911,106 +759,7 @@
           <a:p>
             <a:r>
               <a:rPr lang="en-US"/>
-              <a:t>1. Let's take a peek at the orders table first: </a:t>
-            </a:r>
-          </a:p>
-          <a:p>
-            <a:endParaRPr lang="en-US"/>
-          </a:p>
-          <a:p>
-            <a:r>
-              <a:rPr lang="en-US"/>
-              <a:t>select * from orders limit 5</a:t>
-            </a:r>
-          </a:p>
-          <a:p>
-            <a:endParaRPr lang="en-US"/>
-          </a:p>
-          <a:p>
-            <a:r>
-              <a:rPr lang="en-US"/>
-              <a:t>This will give us a sense of the data in the table and each columns data type</a:t>
-            </a:r>
-          </a:p>
-          <a:p>
-            <a:endParaRPr lang="en-US"/>
-          </a:p>
-          <a:p>
-            <a:r>
-              <a:rPr lang="en-US"/>
-              <a:t>2. Let's look at our first exercise "What was our historical annual profit?"</a:t>
-            </a:r>
-          </a:p>
-          <a:p>
-            <a:endParaRPr lang="en-US"/>
-          </a:p>
-          <a:p>
-            <a:r>
-              <a:rPr lang="en-US"/>
-              <a:t>Let's just start by querying the information we need to derive the answer - i.e. order_date and profit</a:t>
-            </a:r>
-          </a:p>
-          <a:p>
-            <a:endParaRPr lang="en-US"/>
-          </a:p>
-          <a:p>
-            <a:r>
-              <a:rPr lang="en-US"/>
-              <a:t>select order_date, profit from orders</a:t>
-            </a:r>
-          </a:p>
-          <a:p>
-            <a:endParaRPr lang="en-US"/>
-          </a:p>
-          <a:p>
-            <a:r>
-              <a:rPr lang="en-US"/>
-              <a:t>This will give us the same level of granularity as select * but we're excluding columns...we don't want this. We need to aggregate to a level higher..from order level to date. </a:t>
-            </a:r>
-          </a:p>
-          <a:p>
-            <a:endParaRPr lang="en-US"/>
-          </a:p>
-          <a:p>
-            <a:r>
-              <a:rPr lang="en-US"/>
-              <a:t>select order_date, sum(profit) from orders group by order_date</a:t>
-            </a:r>
-          </a:p>
-          <a:p>
-            <a:endParaRPr lang="en-US"/>
-          </a:p>
-          <a:p>
-            <a:r>
-              <a:rPr lang="en-US"/>
-              <a:t>This is close, but we need to group at the year level not date. </a:t>
-            </a:r>
-          </a:p>
-          <a:p>
-            <a:endParaRPr lang="en-US"/>
-          </a:p>
-          <a:p>
-            <a:r>
-              <a:rPr lang="en-US"/>
-              <a:t>select DATE_PART('year', order_date), sum(profit) from orders group by DATE_PART('year', order_date) </a:t>
-            </a:r>
-          </a:p>
-          <a:p>
-            <a:endParaRPr lang="en-US"/>
-          </a:p>
-          <a:p>
-            <a:r>
-              <a:rPr lang="en-US"/>
-              <a:t>or </a:t>
-            </a:r>
-          </a:p>
-          <a:p>
-            <a:endParaRPr lang="en-US"/>
-          </a:p>
-          <a:p>
-            <a:r>
-              <a:rPr lang="en-US"/>
-              <a:t>select extract(year from order_date) yr, sum(profit) from orders group by order_date</a:t>
+              <a:t>Send links to Fatima</a:t>
             </a:r>
           </a:p>
         </p:txBody>
@@ -1027,7 +776,7 @@
         </p:nvSpPr>
         <p:spPr>
           <a:xfrm>
-            <a:off x="0" y="6502400"/>
+            <a:off x="0" y="6502401"/>
             <a:ext cx="3962400" cy="341313"/>
           </a:xfrm>
           <a:prstGeom prst="rect">
@@ -1058,7 +807,7 @@
         </p:nvSpPr>
         <p:spPr>
           <a:xfrm>
-            <a:off x="5180013" y="6502400"/>
+            <a:off x="5180013" y="6502401"/>
             <a:ext cx="3962400" cy="341313"/>
           </a:xfrm>
           <a:prstGeom prst="rect">
@@ -1081,6 +830,184 @@
         </p:txBody>
       </p:sp>
     </p:spTree>
+  </p:cSld>
+  <p:clrMapOvr>
+    <a:masterClrMapping/>
+  </p:clrMapOvr>
+</p:notes>
+</file>
+
+<file path=ppt/notesSlides/notesSlide11.xml><?xml version="1.0" encoding="utf-8"?>
+<p:notes xmlns:a="http://schemas.openxmlformats.org/drawingml/2006/main" xmlns:r="http://schemas.openxmlformats.org/officeDocument/2006/relationships" xmlns:p="http://schemas.openxmlformats.org/presentationml/2006/main">
+  <p:cSld>
+    <p:spTree>
+      <p:nvGrpSpPr>
+        <p:cNvPr id="1" name=""/>
+        <p:cNvGrpSpPr/>
+        <p:nvPr/>
+      </p:nvGrpSpPr>
+      <p:grpSpPr>
+        <a:xfrm>
+          <a:off x="0" y="0"/>
+          <a:ext cx="0" cy="0"/>
+          <a:chOff x="0" y="0"/>
+          <a:chExt cx="0" cy="0"/>
+        </a:xfrm>
+      </p:grpSpPr>
+      <p:sp>
+        <p:nvSpPr>
+          <p:cNvPr id="2" name="Slide Image Placeholder 1"/>
+          <p:cNvSpPr>
+            <a:spLocks noGrp="1" noRot="1" noChangeAspect="1"/>
+          </p:cNvSpPr>
+          <p:nvPr>
+            <p:ph type="sldImg"/>
+          </p:nvPr>
+        </p:nvSpPr>
+        <p:spPr>
+          <a:xfrm>
+            <a:off x="2290763" y="512763"/>
+            <a:ext cx="4562475" cy="2566987"/>
+          </a:xfrm>
+        </p:spPr>
+      </p:sp>
+      <p:sp>
+        <p:nvSpPr>
+          <p:cNvPr id="3" name="Notes Placeholder 2"/>
+          <p:cNvSpPr>
+            <a:spLocks noGrp="1"/>
+          </p:cNvSpPr>
+          <p:nvPr>
+            <p:ph type="body" idx="1"/>
+          </p:nvPr>
+        </p:nvSpPr>
+        <p:spPr/>
+        <p:txBody>
+          <a:bodyPr/>
+          <a:lstStyle/>
+          <a:p>
+            <a:endParaRPr lang="en-US"/>
+          </a:p>
+        </p:txBody>
+      </p:sp>
+      <p:sp>
+        <p:nvSpPr>
+          <p:cNvPr id="4" name="Slide Number Placeholder 3"/>
+          <p:cNvSpPr>
+            <a:spLocks noGrp="1"/>
+          </p:cNvSpPr>
+          <p:nvPr>
+            <p:ph type="sldNum" sz="quarter" idx="5"/>
+          </p:nvPr>
+        </p:nvSpPr>
+        <p:spPr/>
+        <p:txBody>
+          <a:bodyPr/>
+          <a:lstStyle/>
+          <a:p>
+            <a:fld id="{871B2431-D351-4C6E-A3CF-9DFAC0E3E050}" type="slidenum">
+              <a:rPr lang="cs-CZ" smtClean="0"/>
+              <a:t>11</a:t>
+            </a:fld>
+            <a:endParaRPr lang="cs-CZ"/>
+          </a:p>
+        </p:txBody>
+      </p:sp>
+    </p:spTree>
+    <p:extLst>
+      <p:ext uri="{BB962C8B-B14F-4D97-AF65-F5344CB8AC3E}">
+        <p14:creationId xmlns:p14="http://schemas.microsoft.com/office/powerpoint/2010/main" val="751540318"/>
+      </p:ext>
+    </p:extLst>
+  </p:cSld>
+  <p:clrMapOvr>
+    <a:masterClrMapping/>
+  </p:clrMapOvr>
+</p:notes>
+</file>
+
+<file path=ppt/notesSlides/notesSlide2.xml><?xml version="1.0" encoding="utf-8"?>
+<p:notes xmlns:a="http://schemas.openxmlformats.org/drawingml/2006/main" xmlns:r="http://schemas.openxmlformats.org/officeDocument/2006/relationships" xmlns:p="http://schemas.openxmlformats.org/presentationml/2006/main">
+  <p:cSld>
+    <p:spTree>
+      <p:nvGrpSpPr>
+        <p:cNvPr id="1" name=""/>
+        <p:cNvGrpSpPr/>
+        <p:nvPr/>
+      </p:nvGrpSpPr>
+      <p:grpSpPr>
+        <a:xfrm>
+          <a:off x="0" y="0"/>
+          <a:ext cx="0" cy="0"/>
+          <a:chOff x="0" y="0"/>
+          <a:chExt cx="0" cy="0"/>
+        </a:xfrm>
+      </p:grpSpPr>
+      <p:sp>
+        <p:nvSpPr>
+          <p:cNvPr id="2" name="Slide Image Placeholder 1"/>
+          <p:cNvSpPr>
+            <a:spLocks noGrp="1" noRot="1" noChangeAspect="1"/>
+          </p:cNvSpPr>
+          <p:nvPr>
+            <p:ph type="sldImg"/>
+          </p:nvPr>
+        </p:nvSpPr>
+        <p:spPr>
+          <a:xfrm>
+            <a:off x="2290763" y="512763"/>
+            <a:ext cx="4562475" cy="2566987"/>
+          </a:xfrm>
+        </p:spPr>
+      </p:sp>
+      <p:sp>
+        <p:nvSpPr>
+          <p:cNvPr id="3" name="Notes Placeholder 2"/>
+          <p:cNvSpPr>
+            <a:spLocks noGrp="1"/>
+          </p:cNvSpPr>
+          <p:nvPr>
+            <p:ph type="body" idx="1"/>
+          </p:nvPr>
+        </p:nvSpPr>
+        <p:spPr/>
+        <p:txBody>
+          <a:bodyPr/>
+          <a:lstStyle/>
+          <a:p>
+            <a:endParaRPr lang="en-US"/>
+          </a:p>
+        </p:txBody>
+      </p:sp>
+      <p:sp>
+        <p:nvSpPr>
+          <p:cNvPr id="4" name="Slide Number Placeholder 3"/>
+          <p:cNvSpPr>
+            <a:spLocks noGrp="1"/>
+          </p:cNvSpPr>
+          <p:nvPr>
+            <p:ph type="sldNum" sz="quarter" idx="5"/>
+          </p:nvPr>
+        </p:nvSpPr>
+        <p:spPr/>
+        <p:txBody>
+          <a:bodyPr/>
+          <a:lstStyle/>
+          <a:p>
+            <a:fld id="{871B2431-D351-4C6E-A3CF-9DFAC0E3E050}" type="slidenum">
+              <a:rPr lang="cs-CZ" smtClean="0"/>
+              <a:t>2</a:t>
+            </a:fld>
+            <a:endParaRPr lang="cs-CZ"/>
+          </a:p>
+        </p:txBody>
+      </p:sp>
+    </p:spTree>
+    <p:extLst>
+      <p:ext uri="{BB962C8B-B14F-4D97-AF65-F5344CB8AC3E}">
+        <p14:creationId xmlns:p14="http://schemas.microsoft.com/office/powerpoint/2010/main" val="3111366126"/>
+      </p:ext>
+    </p:extLst>
   </p:cSld>
   <p:clrMapOvr>
     <a:masterClrMapping/>
@@ -1117,7 +1044,7 @@
         </p:nvSpPr>
         <p:spPr>
           <a:xfrm>
-            <a:off x="0" y="0"/>
+            <a:off x="0" y="1"/>
             <a:ext cx="3962400" cy="342900"/>
           </a:xfrm>
           <a:prstGeom prst="rect">
@@ -1148,7 +1075,7 @@
         </p:nvSpPr>
         <p:spPr>
           <a:xfrm>
-            <a:off x="5180013" y="0"/>
+            <a:off x="5180013" y="1"/>
             <a:ext cx="3962400" cy="342900"/>
           </a:xfrm>
           <a:prstGeom prst="rect">
@@ -1216,7 +1143,7 @@
         <p:spPr>
           <a:xfrm>
             <a:off x="914400" y="3251200"/>
-            <a:ext cx="7315200" cy="3081338"/>
+            <a:ext cx="7315200" cy="3081339"/>
           </a:xfrm>
           <a:prstGeom prst="rect">
             <a:avLst/>
@@ -1227,35 +1154,42 @@
           <a:lstStyle/>
           <a:p>
             <a:r>
-              <a:rPr lang="en-US"/>
-              <a:t>Left and right are most often determined by granularity - choose the join type to the most granular table that you need. </a:t>
-            </a:r>
-          </a:p>
-          <a:p>
-            <a:endParaRPr lang="en-US"/>
-          </a:p>
-          <a:p>
-            <a:r>
-              <a:rPr lang="en-US"/>
-              <a:t>In this example I am only showing region, but I need profit from my orders table which is more granular. So I left join to orders table and group by region. </a:t>
-            </a:r>
-          </a:p>
-          <a:p>
-            <a:endParaRPr lang="en-US"/>
-          </a:p>
-          <a:p>
-            <a:r>
-              <a:rPr lang="en-US"/>
-              <a:t>Same with category. </a:t>
-            </a:r>
-          </a:p>
-          <a:p>
-            <a:endParaRPr lang="en-US"/>
-          </a:p>
-          <a:p>
-            <a:r>
-              <a:rPr lang="en-US"/>
-              <a:t>This could become a right join if orders was my right table. </a:t>
+              <a:rPr lang="en-US" dirty="0"/>
+              <a:t>This will not be a live coding / follow along session </a:t>
+            </a:r>
+          </a:p>
+          <a:p>
+            <a:endParaRPr lang="en-US" dirty="0"/>
+          </a:p>
+          <a:p>
+            <a:r>
+              <a:rPr lang="en-US" dirty="0"/>
+              <a:t>You will have the datasets available, along with the slides and the solutions to the exercises to practice later</a:t>
+            </a:r>
+          </a:p>
+          <a:p>
+            <a:endParaRPr lang="en-US" dirty="0"/>
+          </a:p>
+          <a:p>
+            <a:r>
+              <a:rPr lang="en-US" dirty="0"/>
+              <a:t>I will be doing this in </a:t>
+            </a:r>
+            <a:r>
+              <a:rPr lang="en-US" dirty="0" err="1"/>
+              <a:t>DBeaver</a:t>
+            </a:r>
+            <a:r>
+              <a:rPr lang="en-US" dirty="0"/>
+              <a:t>, which is a free </a:t>
+            </a:r>
+            <a:r>
+              <a:rPr lang="en-US" dirty="0" err="1"/>
+              <a:t>mutli</a:t>
+            </a:r>
+            <a:r>
+              <a:rPr lang="en-US" dirty="0"/>
+              <a:t>-platform database tool that I have used at multiple organizations (including Carter's)</a:t>
             </a:r>
           </a:p>
         </p:txBody>
@@ -1272,7 +1206,7 @@
         </p:nvSpPr>
         <p:spPr>
           <a:xfrm>
-            <a:off x="0" y="6502400"/>
+            <a:off x="0" y="6502401"/>
             <a:ext cx="3962400" cy="341313"/>
           </a:xfrm>
           <a:prstGeom prst="rect">
@@ -1303,7 +1237,7 @@
         </p:nvSpPr>
         <p:spPr>
           <a:xfrm>
-            <a:off x="5180013" y="6502400"/>
+            <a:off x="5180013" y="6502401"/>
             <a:ext cx="3962400" cy="341313"/>
           </a:xfrm>
           <a:prstGeom prst="rect">
@@ -1352,6 +1286,211 @@
       </p:grpSpPr>
       <p:sp>
         <p:nvSpPr>
+          <p:cNvPr id="2" name="Slide Image Placeholder 1"/>
+          <p:cNvSpPr>
+            <a:spLocks noGrp="1" noRot="1" noChangeAspect="1"/>
+          </p:cNvSpPr>
+          <p:nvPr>
+            <p:ph type="sldImg"/>
+          </p:nvPr>
+        </p:nvSpPr>
+        <p:spPr>
+          <a:xfrm>
+            <a:off x="2290763" y="512763"/>
+            <a:ext cx="4562475" cy="2566987"/>
+          </a:xfrm>
+        </p:spPr>
+      </p:sp>
+      <p:sp>
+        <p:nvSpPr>
+          <p:cNvPr id="3" name="Notes Placeholder 2"/>
+          <p:cNvSpPr>
+            <a:spLocks noGrp="1"/>
+          </p:cNvSpPr>
+          <p:nvPr>
+            <p:ph type="body" idx="1"/>
+          </p:nvPr>
+        </p:nvSpPr>
+        <p:spPr/>
+        <p:txBody>
+          <a:bodyPr/>
+          <a:lstStyle/>
+          <a:p>
+            <a:endParaRPr lang="en-US"/>
+          </a:p>
+        </p:txBody>
+      </p:sp>
+      <p:sp>
+        <p:nvSpPr>
+          <p:cNvPr id="4" name="Slide Number Placeholder 3"/>
+          <p:cNvSpPr>
+            <a:spLocks noGrp="1"/>
+          </p:cNvSpPr>
+          <p:nvPr>
+            <p:ph type="sldNum" sz="quarter" idx="5"/>
+          </p:nvPr>
+        </p:nvSpPr>
+        <p:spPr/>
+        <p:txBody>
+          <a:bodyPr/>
+          <a:lstStyle/>
+          <a:p>
+            <a:fld id="{871B2431-D351-4C6E-A3CF-9DFAC0E3E050}" type="slidenum">
+              <a:rPr lang="cs-CZ" smtClean="0"/>
+              <a:t>4</a:t>
+            </a:fld>
+            <a:endParaRPr lang="cs-CZ"/>
+          </a:p>
+        </p:txBody>
+      </p:sp>
+    </p:spTree>
+    <p:extLst>
+      <p:ext uri="{BB962C8B-B14F-4D97-AF65-F5344CB8AC3E}">
+        <p14:creationId xmlns:p14="http://schemas.microsoft.com/office/powerpoint/2010/main" val="4236675626"/>
+      </p:ext>
+    </p:extLst>
+  </p:cSld>
+  <p:clrMapOvr>
+    <a:masterClrMapping/>
+  </p:clrMapOvr>
+</p:notes>
+</file>
+
+<file path=ppt/notesSlides/notesSlide5.xml><?xml version="1.0" encoding="utf-8"?>
+<p:notes xmlns:a="http://schemas.openxmlformats.org/drawingml/2006/main" xmlns:r="http://schemas.openxmlformats.org/officeDocument/2006/relationships" xmlns:p="http://schemas.openxmlformats.org/presentationml/2006/main">
+  <p:cSld>
+    <p:spTree>
+      <p:nvGrpSpPr>
+        <p:cNvPr id="1" name=""/>
+        <p:cNvGrpSpPr/>
+        <p:nvPr/>
+      </p:nvGrpSpPr>
+      <p:grpSpPr>
+        <a:xfrm>
+          <a:off x="0" y="0"/>
+          <a:ext cx="0" cy="0"/>
+          <a:chOff x="0" y="0"/>
+          <a:chExt cx="0" cy="0"/>
+        </a:xfrm>
+      </p:grpSpPr>
+      <p:sp>
+        <p:nvSpPr>
+          <p:cNvPr id="2" name="Slide Image Placeholder 1"/>
+          <p:cNvSpPr>
+            <a:spLocks noGrp="1" noRot="1" noChangeAspect="1"/>
+          </p:cNvSpPr>
+          <p:nvPr>
+            <p:ph type="sldImg"/>
+          </p:nvPr>
+        </p:nvSpPr>
+        <p:spPr>
+          <a:xfrm>
+            <a:off x="2290763" y="512763"/>
+            <a:ext cx="4562475" cy="2566987"/>
+          </a:xfrm>
+        </p:spPr>
+      </p:sp>
+      <p:sp>
+        <p:nvSpPr>
+          <p:cNvPr id="3" name="Notes Placeholder 2"/>
+          <p:cNvSpPr>
+            <a:spLocks noGrp="1"/>
+          </p:cNvSpPr>
+          <p:nvPr>
+            <p:ph type="body" idx="1"/>
+          </p:nvPr>
+        </p:nvSpPr>
+        <p:spPr/>
+        <p:txBody>
+          <a:bodyPr/>
+          <a:lstStyle/>
+          <a:p>
+            <a:pPr marL="171450" indent="-171450">
+              <a:buFont typeface="Arial" panose="020B0604020202020204" pitchFamily="34" charset="0"/>
+              <a:buChar char="•"/>
+            </a:pPr>
+            <a:r>
+              <a:rPr lang="en-US" dirty="0"/>
+              <a:t>Most of these exercises will aggregate the base tables to very high levels – in practice you will likely want to pull more granular result sets for data analysis and modeling. </a:t>
+            </a:r>
+          </a:p>
+          <a:p>
+            <a:pPr marL="171450" indent="-171450">
+              <a:buFont typeface="Arial" panose="020B0604020202020204" pitchFamily="34" charset="0"/>
+              <a:buChar char="•"/>
+            </a:pPr>
+            <a:r>
+              <a:rPr lang="en-US" dirty="0"/>
+              <a:t>You can always update the select clause that we create to include more detail. </a:t>
+            </a:r>
+          </a:p>
+          <a:p>
+            <a:pPr marL="171450" indent="-171450">
+              <a:buFont typeface="Arial" panose="020B0604020202020204" pitchFamily="34" charset="0"/>
+              <a:buChar char="•"/>
+            </a:pPr>
+            <a:r>
+              <a:rPr lang="en-US" dirty="0"/>
+              <a:t>You can also combine exercises to develop a more comprehensive data frame for analysis</a:t>
+            </a:r>
+          </a:p>
+        </p:txBody>
+      </p:sp>
+      <p:sp>
+        <p:nvSpPr>
+          <p:cNvPr id="4" name="Slide Number Placeholder 3"/>
+          <p:cNvSpPr>
+            <a:spLocks noGrp="1"/>
+          </p:cNvSpPr>
+          <p:nvPr>
+            <p:ph type="sldNum" sz="quarter" idx="5"/>
+          </p:nvPr>
+        </p:nvSpPr>
+        <p:spPr/>
+        <p:txBody>
+          <a:bodyPr/>
+          <a:lstStyle/>
+          <a:p>
+            <a:fld id="{871B2431-D351-4C6E-A3CF-9DFAC0E3E050}" type="slidenum">
+              <a:rPr lang="cs-CZ" smtClean="0"/>
+              <a:t>5</a:t>
+            </a:fld>
+            <a:endParaRPr lang="cs-CZ"/>
+          </a:p>
+        </p:txBody>
+      </p:sp>
+    </p:spTree>
+    <p:extLst>
+      <p:ext uri="{BB962C8B-B14F-4D97-AF65-F5344CB8AC3E}">
+        <p14:creationId xmlns:p14="http://schemas.microsoft.com/office/powerpoint/2010/main" val="3869203762"/>
+      </p:ext>
+    </p:extLst>
+  </p:cSld>
+  <p:clrMapOvr>
+    <a:masterClrMapping/>
+  </p:clrMapOvr>
+</p:notes>
+</file>
+
+<file path=ppt/notesSlides/notesSlide6.xml><?xml version="1.0" encoding="utf-8"?>
+<p:notes xmlns:a="http://schemas.openxmlformats.org/drawingml/2006/main" xmlns:r="http://schemas.openxmlformats.org/officeDocument/2006/relationships" xmlns:p="http://schemas.openxmlformats.org/presentationml/2006/main">
+  <p:cSld>
+    <p:spTree>
+      <p:nvGrpSpPr>
+        <p:cNvPr id="1" name=""/>
+        <p:cNvGrpSpPr/>
+        <p:nvPr/>
+      </p:nvGrpSpPr>
+      <p:grpSpPr>
+        <a:xfrm>
+          <a:off x="0" y="0"/>
+          <a:ext cx="0" cy="0"/>
+          <a:chOff x="0" y="0"/>
+          <a:chExt cx="0" cy="0"/>
+        </a:xfrm>
+      </p:grpSpPr>
+      <p:sp>
+        <p:nvSpPr>
           <p:cNvPr id="2" name="Header Placeholder 1"/>
           <p:cNvSpPr>
             <a:spLocks noGrp="1"/>
@@ -1362,7 +1501,7 @@
         </p:nvSpPr>
         <p:spPr>
           <a:xfrm>
-            <a:off x="0" y="0"/>
+            <a:off x="0" y="1"/>
             <a:ext cx="3962400" cy="342900"/>
           </a:xfrm>
           <a:prstGeom prst="rect">
@@ -1393,7 +1532,7 @@
         </p:nvSpPr>
         <p:spPr>
           <a:xfrm>
-            <a:off x="5180013" y="0"/>
+            <a:off x="5180013" y="1"/>
             <a:ext cx="3962400" cy="342900"/>
           </a:xfrm>
           <a:prstGeom prst="rect">
@@ -1461,7 +1600,7 @@
         <p:spPr>
           <a:xfrm>
             <a:off x="914400" y="3251200"/>
-            <a:ext cx="7315200" cy="3081338"/>
+            <a:ext cx="7315200" cy="3081339"/>
           </a:xfrm>
           <a:prstGeom prst="rect">
             <a:avLst/>
@@ -1471,10 +1610,295 @@
           <a:bodyPr vert="horz" lIns="91440" tIns="45720" rIns="91440" bIns="45720" rtlCol="0"/>
           <a:lstStyle/>
           <a:p>
-            <a:r>
-              <a:rPr lang="en-US"/>
-              <a:t>Send links to Fatima</a:t>
-            </a:r>
+            <a:pPr marL="171450" indent="-171450">
+              <a:buFont typeface="Arial" panose="020B0604020202020204" pitchFamily="34" charset="0"/>
+              <a:buChar char="•"/>
+            </a:pPr>
+            <a:r>
+              <a:rPr lang="en-US" dirty="0"/>
+              <a:t>Let's take a peak at the orders table first. </a:t>
+            </a:r>
+          </a:p>
+          <a:p>
+            <a:pPr marL="171450" indent="-171450">
+              <a:buFont typeface="Arial" panose="020B0604020202020204" pitchFamily="34" charset="0"/>
+              <a:buChar char="•"/>
+            </a:pPr>
+            <a:r>
+              <a:rPr lang="en-US" dirty="0"/>
+              <a:t>This will give us a sense of the data in the table and each columns data type</a:t>
+            </a:r>
+          </a:p>
+          <a:p>
+            <a:endParaRPr lang="en-US" dirty="0">
+              <a:latin typeface="Courier New" panose="02070309020205020404" pitchFamily="49" charset="0"/>
+              <a:cs typeface="Courier New" panose="02070309020205020404" pitchFamily="49" charset="0"/>
+            </a:endParaRPr>
+          </a:p>
+          <a:p>
+            <a:pPr lvl="1"/>
+            <a:r>
+              <a:rPr lang="en-US" b="1" dirty="0">
+                <a:latin typeface="Courier New" panose="02070309020205020404" pitchFamily="49" charset="0"/>
+                <a:cs typeface="Courier New" panose="02070309020205020404" pitchFamily="49" charset="0"/>
+              </a:rPr>
+              <a:t>select * from orders limit 5</a:t>
+            </a:r>
+          </a:p>
+          <a:p>
+            <a:endParaRPr lang="en-US" dirty="0"/>
+          </a:p>
+          <a:p>
+            <a:pPr marL="171450" indent="-171450">
+              <a:buFont typeface="Arial" panose="020B0604020202020204" pitchFamily="34" charset="0"/>
+              <a:buChar char="•"/>
+            </a:pPr>
+            <a:r>
+              <a:rPr lang="en-US" dirty="0"/>
+              <a:t>Let's look at our first exercise "What was our historical annual profit?"</a:t>
+            </a:r>
+          </a:p>
+          <a:p>
+            <a:pPr marL="171450" indent="-171450">
+              <a:buFont typeface="Arial" panose="020B0604020202020204" pitchFamily="34" charset="0"/>
+              <a:buChar char="•"/>
+            </a:pPr>
+            <a:r>
+              <a:rPr lang="en-US" dirty="0"/>
+              <a:t>Let's just start by querying the information we need to derive the answer - i.e. </a:t>
+            </a:r>
+            <a:r>
+              <a:rPr lang="en-US" dirty="0" err="1"/>
+              <a:t>order_date</a:t>
+            </a:r>
+            <a:r>
+              <a:rPr lang="en-US" dirty="0"/>
+              <a:t> and profit</a:t>
+            </a:r>
+          </a:p>
+          <a:p>
+            <a:endParaRPr lang="en-US" dirty="0"/>
+          </a:p>
+          <a:p>
+            <a:pPr lvl="1"/>
+            <a:r>
+              <a:rPr lang="en-US" b="1" dirty="0"/>
+              <a:t>select </a:t>
+            </a:r>
+            <a:r>
+              <a:rPr lang="en-US" b="1" dirty="0" err="1"/>
+              <a:t>order_date</a:t>
+            </a:r>
+            <a:r>
+              <a:rPr lang="en-US" b="1" dirty="0"/>
+              <a:t>, profit from orders</a:t>
+            </a:r>
+          </a:p>
+          <a:p>
+            <a:endParaRPr lang="en-US" dirty="0"/>
+          </a:p>
+          <a:p>
+            <a:pPr marL="171450" indent="-171450">
+              <a:buFont typeface="Arial" panose="020B0604020202020204" pitchFamily="34" charset="0"/>
+              <a:buChar char="•"/>
+            </a:pPr>
+            <a:r>
+              <a:rPr lang="en-US" dirty="0"/>
+              <a:t>This will give us the same level of granularity as select * but we're excluding columns...we don't want this. We need to aggregate to a level </a:t>
+            </a:r>
+            <a:r>
+              <a:rPr lang="en-US" dirty="0" err="1"/>
+              <a:t>higher..from</a:t>
+            </a:r>
+            <a:r>
+              <a:rPr lang="en-US" dirty="0"/>
+              <a:t> order level to date. </a:t>
+            </a:r>
+          </a:p>
+          <a:p>
+            <a:pPr lvl="1"/>
+            <a:endParaRPr lang="en-US" b="1" dirty="0"/>
+          </a:p>
+          <a:p>
+            <a:pPr lvl="1"/>
+            <a:r>
+              <a:rPr lang="en-US" b="1" dirty="0"/>
+              <a:t>select </a:t>
+            </a:r>
+            <a:r>
+              <a:rPr lang="en-US" b="1" dirty="0" err="1"/>
+              <a:t>order_date</a:t>
+            </a:r>
+            <a:r>
+              <a:rPr lang="en-US" b="1" dirty="0"/>
+              <a:t>, sum(profit) from orders group by </a:t>
+            </a:r>
+            <a:r>
+              <a:rPr lang="en-US" b="1" dirty="0" err="1"/>
+              <a:t>order_date</a:t>
+            </a:r>
+            <a:endParaRPr lang="en-US" b="1" dirty="0"/>
+          </a:p>
+          <a:p>
+            <a:endParaRPr lang="en-US" dirty="0"/>
+          </a:p>
+          <a:p>
+            <a:pPr marL="171450" indent="-171450">
+              <a:buFont typeface="Arial" panose="020B0604020202020204" pitchFamily="34" charset="0"/>
+              <a:buChar char="•"/>
+            </a:pPr>
+            <a:r>
+              <a:rPr lang="en-US" dirty="0"/>
+              <a:t>This is close, but we need to group at the year level not date. </a:t>
+            </a:r>
+          </a:p>
+          <a:p>
+            <a:endParaRPr lang="en-US" dirty="0"/>
+          </a:p>
+          <a:p>
+            <a:pPr lvl="1"/>
+            <a:r>
+              <a:rPr lang="en-US" b="1" dirty="0"/>
+              <a:t>select DATE_PART('year', </a:t>
+            </a:r>
+            <a:r>
+              <a:rPr lang="en-US" b="1" dirty="0" err="1"/>
+              <a:t>order_date</a:t>
+            </a:r>
+            <a:r>
+              <a:rPr lang="en-US" b="1" dirty="0"/>
+              <a:t>), sum(profit) from orders group by DATE_PART('year', </a:t>
+            </a:r>
+            <a:r>
+              <a:rPr lang="en-US" b="1" dirty="0" err="1"/>
+              <a:t>order_date</a:t>
+            </a:r>
+            <a:r>
+              <a:rPr lang="en-US" b="1" dirty="0"/>
+              <a:t>) </a:t>
+            </a:r>
+          </a:p>
+          <a:p>
+            <a:endParaRPr lang="en-US" dirty="0"/>
+          </a:p>
+          <a:p>
+            <a:r>
+              <a:rPr lang="en-US" i="1" dirty="0"/>
+              <a:t>or </a:t>
+            </a:r>
+          </a:p>
+          <a:p>
+            <a:r>
+              <a:rPr lang="en-US" dirty="0"/>
+              <a:t> In Redshift SQL you can extract year - which is what I prefer and what I will stick to </a:t>
+            </a:r>
+          </a:p>
+          <a:p>
+            <a:endParaRPr lang="en-US" dirty="0"/>
+          </a:p>
+          <a:p>
+            <a:pPr lvl="1"/>
+            <a:r>
+              <a:rPr lang="en-US" b="1" dirty="0"/>
+              <a:t>select extract(year from </a:t>
+            </a:r>
+            <a:r>
+              <a:rPr lang="en-US" b="1" dirty="0" err="1"/>
+              <a:t>order_date</a:t>
+            </a:r>
+            <a:r>
+              <a:rPr lang="en-US" b="1" dirty="0"/>
+              <a:t>) </a:t>
+            </a:r>
+            <a:r>
+              <a:rPr lang="en-US" b="1" dirty="0" err="1"/>
+              <a:t>yr</a:t>
+            </a:r>
+            <a:r>
+              <a:rPr lang="en-US" b="1" dirty="0"/>
+              <a:t>, sum(profit) from orders group by </a:t>
+            </a:r>
+            <a:r>
+              <a:rPr lang="en-US" b="1" dirty="0" err="1"/>
+              <a:t>order_date</a:t>
+            </a:r>
+            <a:endParaRPr lang="en-US" b="1" dirty="0"/>
+          </a:p>
+          <a:p>
+            <a:endParaRPr lang="en-US" dirty="0"/>
+          </a:p>
+          <a:p>
+            <a:pPr marL="171450" indent="-171450">
+              <a:buFont typeface="Arial" panose="020B0604020202020204" pitchFamily="34" charset="0"/>
+              <a:buChar char="•"/>
+            </a:pPr>
+            <a:r>
+              <a:rPr lang="en-US" dirty="0"/>
+              <a:t>I’m going to alias my columns and my table name. This will help us in the next exercise as we look to join tables. </a:t>
+            </a:r>
+          </a:p>
+          <a:p>
+            <a:endParaRPr lang="en-US" dirty="0"/>
+          </a:p>
+          <a:p>
+            <a:pPr marL="457200" marR="0" lvl="1" indent="0" algn="l" defTabSz="914400" rtl="0" eaLnBrk="1" fontAlgn="auto" latinLnBrk="0" hangingPunct="1">
+              <a:lnSpc>
+                <a:spcPct val="100000"/>
+              </a:lnSpc>
+              <a:spcBef>
+                <a:spcPts val="0"/>
+              </a:spcBef>
+              <a:spcAft>
+                <a:spcPts val="0"/>
+              </a:spcAft>
+              <a:buClrTx/>
+              <a:buSzTx/>
+              <a:buFontTx/>
+              <a:buNone/>
+              <a:tabLst/>
+              <a:defRPr/>
+            </a:pPr>
+            <a:r>
+              <a:rPr lang="en-US" b="1" dirty="0"/>
+              <a:t>select extract(year from </a:t>
+            </a:r>
+            <a:r>
+              <a:rPr lang="en-US" b="1" dirty="0" err="1"/>
+              <a:t>o.order_date</a:t>
+            </a:r>
+            <a:r>
+              <a:rPr lang="en-US" b="1" dirty="0"/>
+              <a:t>) </a:t>
+            </a:r>
+            <a:r>
+              <a:rPr lang="en-US" b="1" dirty="0" err="1"/>
+              <a:t>yr</a:t>
+            </a:r>
+            <a:r>
+              <a:rPr lang="en-US" b="1" dirty="0"/>
+              <a:t>, sum(</a:t>
+            </a:r>
+            <a:r>
+              <a:rPr lang="en-US" b="1" dirty="0" err="1"/>
+              <a:t>o.profit</a:t>
+            </a:r>
+            <a:r>
+              <a:rPr lang="en-US" b="1" dirty="0"/>
+              <a:t>) </a:t>
+            </a:r>
+            <a:r>
+              <a:rPr lang="en-US" b="1" dirty="0" err="1"/>
+              <a:t>proft</a:t>
+            </a:r>
+            <a:r>
+              <a:rPr lang="en-US" b="1" dirty="0"/>
+              <a:t> from orders o group by </a:t>
+            </a:r>
+            <a:r>
+              <a:rPr lang="en-US" b="1" dirty="0" err="1"/>
+              <a:t>order_date</a:t>
+            </a:r>
+            <a:endParaRPr lang="en-US" b="1" dirty="0"/>
           </a:p>
         </p:txBody>
       </p:sp>
@@ -1490,7 +1914,7 @@
         </p:nvSpPr>
         <p:spPr>
           <a:xfrm>
-            <a:off x="0" y="6502400"/>
+            <a:off x="0" y="6502401"/>
             <a:ext cx="3962400" cy="341313"/>
           </a:xfrm>
           <a:prstGeom prst="rect">
@@ -1521,7 +1945,7 @@
         </p:nvSpPr>
         <p:spPr>
           <a:xfrm>
-            <a:off x="5180013" y="6502400"/>
+            <a:off x="5180013" y="6502401"/>
             <a:ext cx="3962400" cy="341313"/>
           </a:xfrm>
           <a:prstGeom prst="rect">
@@ -1544,6 +1968,5116 @@
         </p:txBody>
       </p:sp>
     </p:spTree>
+  </p:cSld>
+  <p:clrMapOvr>
+    <a:masterClrMapping/>
+  </p:clrMapOvr>
+</p:notes>
+</file>
+
+<file path=ppt/notesSlides/notesSlide7.xml><?xml version="1.0" encoding="utf-8"?>
+<p:notes xmlns:a="http://schemas.openxmlformats.org/drawingml/2006/main" xmlns:r="http://schemas.openxmlformats.org/officeDocument/2006/relationships" xmlns:p="http://schemas.openxmlformats.org/presentationml/2006/main">
+  <p:cSld>
+    <p:spTree>
+      <p:nvGrpSpPr>
+        <p:cNvPr id="1" name=""/>
+        <p:cNvGrpSpPr/>
+        <p:nvPr/>
+      </p:nvGrpSpPr>
+      <p:grpSpPr>
+        <a:xfrm>
+          <a:off x="0" y="0"/>
+          <a:ext cx="0" cy="0"/>
+          <a:chOff x="0" y="0"/>
+          <a:chExt cx="0" cy="0"/>
+        </a:xfrm>
+      </p:grpSpPr>
+      <p:sp>
+        <p:nvSpPr>
+          <p:cNvPr id="2" name="Header Placeholder 1"/>
+          <p:cNvSpPr>
+            <a:spLocks noGrp="1"/>
+          </p:cNvSpPr>
+          <p:nvPr>
+            <p:ph type="hdr" sz="quarter"/>
+          </p:nvPr>
+        </p:nvSpPr>
+        <p:spPr>
+          <a:xfrm>
+            <a:off x="0" y="1"/>
+            <a:ext cx="3962400" cy="342900"/>
+          </a:xfrm>
+          <a:prstGeom prst="rect">
+            <a:avLst/>
+          </a:prstGeom>
+        </p:spPr>
+        <p:txBody>
+          <a:bodyPr vert="horz" lIns="91440" tIns="45720" rIns="91440" bIns="45720" rtlCol="0"/>
+          <a:lstStyle>
+            <a:lvl1pPr algn="l">
+              <a:defRPr sz="1200"/>
+            </a:lvl1pPr>
+          </a:lstStyle>
+          <a:p>
+            <a:endParaRPr/>
+          </a:p>
+        </p:txBody>
+      </p:sp>
+      <p:sp>
+        <p:nvSpPr>
+          <p:cNvPr id="3" name="Date Placeholder 2"/>
+          <p:cNvSpPr>
+            <a:spLocks noGrp="1"/>
+          </p:cNvSpPr>
+          <p:nvPr>
+            <p:ph type="dt" idx="1"/>
+          </p:nvPr>
+        </p:nvSpPr>
+        <p:spPr>
+          <a:xfrm>
+            <a:off x="5180013" y="1"/>
+            <a:ext cx="3962400" cy="342900"/>
+          </a:xfrm>
+          <a:prstGeom prst="rect">
+            <a:avLst/>
+          </a:prstGeom>
+        </p:spPr>
+        <p:txBody>
+          <a:bodyPr vert="horz" lIns="91440" tIns="45720" rIns="91440" bIns="45720" rtlCol="0"/>
+          <a:lstStyle>
+            <a:lvl1pPr algn="r">
+              <a:defRPr sz="1200"/>
+            </a:lvl1pPr>
+          </a:lstStyle>
+          <a:p>
+            <a:r>
+              <a:rPr lang="cs-CZ"/>
+              <a:t>1.7.2013</a:t>
+            </a:r>
+          </a:p>
+        </p:txBody>
+      </p:sp>
+      <p:sp>
+        <p:nvSpPr>
+          <p:cNvPr id="4" name="Slide Image Placeholder 3"/>
+          <p:cNvSpPr>
+            <a:spLocks noGrp="1" noRot="1" noChangeAspect="1"/>
+          </p:cNvSpPr>
+          <p:nvPr>
+            <p:ph type="sldImg" idx="2"/>
+          </p:nvPr>
+        </p:nvSpPr>
+        <p:spPr>
+          <a:xfrm>
+            <a:off x="2290763" y="512763"/>
+            <a:ext cx="4562475" cy="2566987"/>
+          </a:xfrm>
+          <a:prstGeom prst="rect">
+            <a:avLst/>
+          </a:prstGeom>
+          <a:noFill/>
+          <a:ln w="12700">
+            <a:solidFill>
+              <a:prstClr val="black"/>
+            </a:solidFill>
+          </a:ln>
+        </p:spPr>
+        <p:txBody>
+          <a:bodyPr vert="horz" lIns="91440" tIns="45720" rIns="91440" bIns="45720" rtlCol="0" anchor="ctr"/>
+          <a:lstStyle/>
+          <a:p>
+            <a:endParaRPr/>
+          </a:p>
+        </p:txBody>
+      </p:sp>
+      <p:sp>
+        <p:nvSpPr>
+          <p:cNvPr id="5" name="Notes Placeholder 4"/>
+          <p:cNvSpPr>
+            <a:spLocks noGrp="1"/>
+          </p:cNvSpPr>
+          <p:nvPr>
+            <p:ph type="body" sz="quarter" idx="3"/>
+          </p:nvPr>
+        </p:nvSpPr>
+        <p:spPr>
+          <a:xfrm>
+            <a:off x="914400" y="3251200"/>
+            <a:ext cx="7315200" cy="3081339"/>
+          </a:xfrm>
+          <a:prstGeom prst="rect">
+            <a:avLst/>
+          </a:prstGeom>
+        </p:spPr>
+        <p:txBody>
+          <a:bodyPr vert="horz" lIns="91440" tIns="45720" rIns="91440" bIns="45720" rtlCol="0"/>
+          <a:lstStyle/>
+          <a:p>
+            <a:pPr marL="171450" indent="-171450">
+              <a:buFont typeface="Arial" panose="020B0604020202020204" pitchFamily="34" charset="0"/>
+              <a:buChar char="•"/>
+            </a:pPr>
+            <a:r>
+              <a:rPr lang="en-US" dirty="0"/>
+              <a:t>Left and right are most often determined by granularity - choose the join type to the most granular table that you need. </a:t>
+            </a:r>
+          </a:p>
+          <a:p>
+            <a:pPr marL="171450" marR="0" lvl="0" indent="-171450" algn="l" defTabSz="914400" rtl="0" eaLnBrk="1" fontAlgn="auto" latinLnBrk="0" hangingPunct="1">
+              <a:lnSpc>
+                <a:spcPct val="100000"/>
+              </a:lnSpc>
+              <a:spcBef>
+                <a:spcPts val="0"/>
+              </a:spcBef>
+              <a:spcAft>
+                <a:spcPts val="0"/>
+              </a:spcAft>
+              <a:buClrTx/>
+              <a:buSzTx/>
+              <a:buFont typeface="Arial" panose="020B0604020202020204" pitchFamily="34" charset="0"/>
+              <a:buChar char="•"/>
+              <a:tabLst/>
+              <a:defRPr/>
+            </a:pPr>
+            <a:r>
+              <a:rPr lang="en-US" dirty="0"/>
+              <a:t>Let’s take a peek at the customers table: </a:t>
+            </a:r>
+          </a:p>
+          <a:p>
+            <a:pPr marL="0" marR="0" lvl="0" indent="0" algn="l" defTabSz="914400" rtl="0" eaLnBrk="1" fontAlgn="auto" latinLnBrk="0" hangingPunct="1">
+              <a:lnSpc>
+                <a:spcPct val="100000"/>
+              </a:lnSpc>
+              <a:spcBef>
+                <a:spcPts val="0"/>
+              </a:spcBef>
+              <a:spcAft>
+                <a:spcPts val="0"/>
+              </a:spcAft>
+              <a:buClrTx/>
+              <a:buSzTx/>
+              <a:buFontTx/>
+              <a:buNone/>
+              <a:tabLst/>
+              <a:defRPr/>
+            </a:pPr>
+            <a:endParaRPr lang="en-US" b="1" dirty="0">
+              <a:solidFill>
+                <a:srgbClr val="800000"/>
+              </a:solidFill>
+              <a:effectLst/>
+              <a:highlight>
+                <a:srgbClr val="FFFF00"/>
+              </a:highlight>
+              <a:latin typeface="Helvetica" pitchFamily="2" charset="0"/>
+            </a:endParaRPr>
+          </a:p>
+          <a:p>
+            <a:pPr marL="457200" marR="0" lvl="1" indent="0" algn="l" defTabSz="914400" rtl="0" eaLnBrk="1" fontAlgn="auto" latinLnBrk="0" hangingPunct="1">
+              <a:lnSpc>
+                <a:spcPct val="100000"/>
+              </a:lnSpc>
+              <a:spcBef>
+                <a:spcPts val="0"/>
+              </a:spcBef>
+              <a:spcAft>
+                <a:spcPts val="0"/>
+              </a:spcAft>
+              <a:buClrTx/>
+              <a:buSzTx/>
+              <a:buFontTx/>
+              <a:buNone/>
+              <a:tabLst/>
+              <a:defRPr/>
+            </a:pPr>
+            <a:r>
+              <a:rPr lang="en-US" b="1" dirty="0">
+                <a:solidFill>
+                  <a:schemeClr val="accent1"/>
+                </a:solidFill>
+                <a:effectLst/>
+                <a:highlight>
+                  <a:srgbClr val="FFFF00"/>
+                </a:highlight>
+                <a:latin typeface="Helvetica" pitchFamily="2" charset="0"/>
+              </a:rPr>
+              <a:t>select * from customers limit 5</a:t>
+            </a:r>
+          </a:p>
+          <a:p>
+            <a:endParaRPr lang="en-US" dirty="0"/>
+          </a:p>
+          <a:p>
+            <a:pPr marL="171450" indent="-171450">
+              <a:buFont typeface="Arial" panose="020B0604020202020204" pitchFamily="34" charset="0"/>
+              <a:buChar char="•"/>
+            </a:pPr>
+            <a:r>
+              <a:rPr lang="en-US" dirty="0"/>
+              <a:t>I see that my two tables share a </a:t>
+            </a:r>
+            <a:r>
+              <a:rPr lang="en-US" dirty="0" err="1"/>
+              <a:t>customer_id</a:t>
+            </a:r>
+            <a:r>
+              <a:rPr lang="en-US" dirty="0"/>
+              <a:t> – I will use this as the primary key. </a:t>
+            </a:r>
+          </a:p>
+          <a:p>
+            <a:endParaRPr lang="en-US" b="1" dirty="0"/>
+          </a:p>
+          <a:p>
+            <a:pPr marL="457200" marR="0" lvl="1" indent="0" algn="l" defTabSz="914400" rtl="0" eaLnBrk="1" fontAlgn="auto" latinLnBrk="0" hangingPunct="1">
+              <a:lnSpc>
+                <a:spcPct val="100000"/>
+              </a:lnSpc>
+              <a:spcBef>
+                <a:spcPts val="0"/>
+              </a:spcBef>
+              <a:spcAft>
+                <a:spcPts val="0"/>
+              </a:spcAft>
+              <a:buClrTx/>
+              <a:buSzTx/>
+              <a:buFontTx/>
+              <a:buNone/>
+              <a:tabLst/>
+              <a:defRPr/>
+            </a:pPr>
+            <a:r>
+              <a:rPr lang="en-US" b="1" dirty="0">
+                <a:solidFill>
+                  <a:srgbClr val="800000"/>
+                </a:solidFill>
+                <a:effectLst/>
+                <a:latin typeface="Helvetica" pitchFamily="2" charset="0"/>
+              </a:rPr>
+              <a:t>select</a:t>
+            </a:r>
+            <a:r>
+              <a:rPr lang="en-US" b="1" dirty="0">
+                <a:effectLst/>
+                <a:latin typeface="Helvetica" pitchFamily="2" charset="0"/>
+              </a:rPr>
+              <a:t> o.*, </a:t>
+            </a:r>
+            <a:r>
+              <a:rPr lang="en-US" b="1" dirty="0" err="1">
+                <a:effectLst/>
+                <a:latin typeface="Helvetica" pitchFamily="2" charset="0"/>
+              </a:rPr>
+              <a:t>c.region</a:t>
+            </a:r>
+            <a:r>
+              <a:rPr lang="en-US" b="1" dirty="0">
+                <a:effectLst/>
+                <a:latin typeface="Helvetica" pitchFamily="2" charset="0"/>
+              </a:rPr>
+              <a:t> </a:t>
+            </a:r>
+            <a:r>
+              <a:rPr lang="en-US" b="1" dirty="0">
+                <a:solidFill>
+                  <a:srgbClr val="800000"/>
+                </a:solidFill>
+                <a:effectLst/>
+                <a:latin typeface="Helvetica" pitchFamily="2" charset="0"/>
+              </a:rPr>
+              <a:t>from</a:t>
+            </a:r>
+            <a:r>
+              <a:rPr lang="en-US" b="1" dirty="0">
+                <a:effectLst/>
+                <a:latin typeface="Helvetica" pitchFamily="2" charset="0"/>
+              </a:rPr>
+              <a:t> orders o </a:t>
+            </a:r>
+            <a:r>
+              <a:rPr lang="en-US" b="1" dirty="0">
+                <a:solidFill>
+                  <a:srgbClr val="000080"/>
+                </a:solidFill>
+                <a:effectLst/>
+                <a:latin typeface="Helvetica" pitchFamily="2" charset="0"/>
+              </a:rPr>
+              <a:t>left</a:t>
+            </a:r>
+            <a:r>
+              <a:rPr lang="en-US" b="1" dirty="0">
+                <a:effectLst/>
+                <a:latin typeface="Helvetica" pitchFamily="2" charset="0"/>
+              </a:rPr>
+              <a:t> </a:t>
+            </a:r>
+            <a:r>
+              <a:rPr lang="en-US" b="1" dirty="0">
+                <a:solidFill>
+                  <a:srgbClr val="800000"/>
+                </a:solidFill>
+                <a:effectLst/>
+                <a:latin typeface="Helvetica" pitchFamily="2" charset="0"/>
+              </a:rPr>
+              <a:t>join</a:t>
+            </a:r>
+            <a:r>
+              <a:rPr lang="en-US" b="1" dirty="0">
+                <a:effectLst/>
+                <a:latin typeface="Helvetica" pitchFamily="2" charset="0"/>
+              </a:rPr>
+              <a:t> customers c </a:t>
+            </a:r>
+            <a:r>
+              <a:rPr lang="en-US" b="1" dirty="0">
+                <a:solidFill>
+                  <a:srgbClr val="800000"/>
+                </a:solidFill>
+                <a:effectLst/>
+                <a:latin typeface="Helvetica" pitchFamily="2" charset="0"/>
+              </a:rPr>
+              <a:t>on</a:t>
+            </a:r>
+            <a:r>
+              <a:rPr lang="en-US" b="1" dirty="0">
+                <a:effectLst/>
+                <a:latin typeface="Helvetica" pitchFamily="2" charset="0"/>
+              </a:rPr>
+              <a:t> </a:t>
+            </a:r>
+            <a:r>
+              <a:rPr lang="en-US" b="1" dirty="0" err="1">
+                <a:effectLst/>
+                <a:latin typeface="Helvetica" pitchFamily="2" charset="0"/>
+              </a:rPr>
+              <a:t>o.customer_id</a:t>
+            </a:r>
+            <a:r>
+              <a:rPr lang="en-US" b="1" dirty="0">
+                <a:effectLst/>
+                <a:latin typeface="Helvetica" pitchFamily="2" charset="0"/>
+              </a:rPr>
+              <a:t> = </a:t>
+            </a:r>
+            <a:r>
+              <a:rPr lang="en-US" b="1" dirty="0" err="1">
+                <a:effectLst/>
+                <a:latin typeface="Helvetica" pitchFamily="2" charset="0"/>
+              </a:rPr>
+              <a:t>c.customer_id</a:t>
+            </a:r>
+            <a:r>
+              <a:rPr lang="en-US" b="1" dirty="0">
+                <a:effectLst/>
+                <a:latin typeface="Helvetica" pitchFamily="2" charset="0"/>
+              </a:rPr>
+              <a:t> </a:t>
+            </a:r>
+          </a:p>
+          <a:p>
+            <a:endParaRPr lang="en-US" b="0" dirty="0"/>
+          </a:p>
+          <a:p>
+            <a:pPr marL="171450" indent="-171450">
+              <a:buFont typeface="Arial" panose="020B0604020202020204" pitchFamily="34" charset="0"/>
+              <a:buChar char="•"/>
+            </a:pPr>
+            <a:r>
+              <a:rPr lang="en-US" dirty="0"/>
+              <a:t>In this example I am only showing region so I could choose either table as my left join. </a:t>
+            </a:r>
+          </a:p>
+          <a:p>
+            <a:pPr marL="171450" indent="-171450">
+              <a:buFont typeface="Arial" panose="020B0604020202020204" pitchFamily="34" charset="0"/>
+              <a:buChar char="•"/>
+            </a:pPr>
+            <a:r>
+              <a:rPr lang="en-US" dirty="0"/>
+              <a:t>I prefer to keep orders as my left table. So I left join to orders table and group by region. </a:t>
+            </a:r>
+          </a:p>
+          <a:p>
+            <a:pPr marL="171450" indent="-171450">
+              <a:buFont typeface="Arial" panose="020B0604020202020204" pitchFamily="34" charset="0"/>
+              <a:buChar char="•"/>
+            </a:pPr>
+            <a:endParaRPr lang="en-US" dirty="0"/>
+          </a:p>
+          <a:p>
+            <a:pPr marL="457200" marR="0" lvl="1" indent="0" algn="l" defTabSz="914400" rtl="0" eaLnBrk="1" fontAlgn="auto" latinLnBrk="0" hangingPunct="1">
+              <a:lnSpc>
+                <a:spcPct val="100000"/>
+              </a:lnSpc>
+              <a:spcBef>
+                <a:spcPts val="0"/>
+              </a:spcBef>
+              <a:spcAft>
+                <a:spcPts val="0"/>
+              </a:spcAft>
+              <a:buClrTx/>
+              <a:buSzTx/>
+              <a:buFontTx/>
+              <a:buNone/>
+              <a:tabLst/>
+              <a:defRPr/>
+            </a:pPr>
+            <a:r>
+              <a:rPr lang="en-US" b="1" dirty="0">
+                <a:solidFill>
+                  <a:srgbClr val="800000"/>
+                </a:solidFill>
+                <a:effectLst/>
+                <a:latin typeface="Helvetica" pitchFamily="2" charset="0"/>
+              </a:rPr>
+              <a:t>select</a:t>
+            </a:r>
+            <a:r>
+              <a:rPr lang="en-US" b="1" dirty="0">
+                <a:effectLst/>
+                <a:latin typeface="Helvetica" pitchFamily="2" charset="0"/>
+              </a:rPr>
+              <a:t> </a:t>
+            </a:r>
+            <a:r>
+              <a:rPr lang="en-US" b="1" dirty="0" err="1">
+                <a:effectLst/>
+                <a:latin typeface="Helvetica" pitchFamily="2" charset="0"/>
+              </a:rPr>
+              <a:t>c.region</a:t>
+            </a:r>
+            <a:r>
+              <a:rPr lang="en-US" b="1" dirty="0">
+                <a:effectLst/>
+                <a:latin typeface="Helvetica" pitchFamily="2" charset="0"/>
+              </a:rPr>
+              <a:t>, </a:t>
+            </a:r>
+            <a:r>
+              <a:rPr lang="en-US" b="1" dirty="0">
+                <a:solidFill>
+                  <a:srgbClr val="000080"/>
+                </a:solidFill>
+                <a:effectLst/>
+                <a:latin typeface="Helvetica" pitchFamily="2" charset="0"/>
+              </a:rPr>
+              <a:t>sum</a:t>
+            </a:r>
+            <a:r>
+              <a:rPr lang="en-US" b="1" dirty="0">
+                <a:effectLst/>
+                <a:latin typeface="Helvetica" pitchFamily="2" charset="0"/>
+              </a:rPr>
+              <a:t>(</a:t>
+            </a:r>
+            <a:r>
+              <a:rPr lang="en-US" b="1" dirty="0" err="1">
+                <a:effectLst/>
+                <a:latin typeface="Helvetica" pitchFamily="2" charset="0"/>
+              </a:rPr>
+              <a:t>o.profit</a:t>
+            </a:r>
+            <a:r>
+              <a:rPr lang="en-US" b="1" dirty="0">
+                <a:effectLst/>
+                <a:latin typeface="Helvetica" pitchFamily="2" charset="0"/>
+              </a:rPr>
+              <a:t>) </a:t>
+            </a:r>
+            <a:r>
+              <a:rPr lang="en-US" b="1" dirty="0">
+                <a:solidFill>
+                  <a:srgbClr val="800000"/>
+                </a:solidFill>
+                <a:effectLst/>
+                <a:latin typeface="Helvetica" pitchFamily="2" charset="0"/>
+              </a:rPr>
+              <a:t>from</a:t>
+            </a:r>
+            <a:r>
+              <a:rPr lang="en-US" b="1" dirty="0">
+                <a:effectLst/>
+                <a:latin typeface="Helvetica" pitchFamily="2" charset="0"/>
+              </a:rPr>
+              <a:t> orders o </a:t>
+            </a:r>
+            <a:r>
+              <a:rPr lang="en-US" b="1" dirty="0">
+                <a:solidFill>
+                  <a:srgbClr val="000080"/>
+                </a:solidFill>
+                <a:effectLst/>
+                <a:latin typeface="Helvetica" pitchFamily="2" charset="0"/>
+              </a:rPr>
+              <a:t>left</a:t>
+            </a:r>
+            <a:r>
+              <a:rPr lang="en-US" b="1" dirty="0">
+                <a:effectLst/>
+                <a:latin typeface="Helvetica" pitchFamily="2" charset="0"/>
+              </a:rPr>
+              <a:t> </a:t>
+            </a:r>
+            <a:r>
+              <a:rPr lang="en-US" b="1" dirty="0">
+                <a:solidFill>
+                  <a:srgbClr val="800000"/>
+                </a:solidFill>
+                <a:effectLst/>
+                <a:latin typeface="Helvetica" pitchFamily="2" charset="0"/>
+              </a:rPr>
+              <a:t>join</a:t>
+            </a:r>
+            <a:r>
+              <a:rPr lang="en-US" b="1" dirty="0">
+                <a:effectLst/>
+                <a:latin typeface="Helvetica" pitchFamily="2" charset="0"/>
+              </a:rPr>
+              <a:t> customers c </a:t>
+            </a:r>
+            <a:r>
+              <a:rPr lang="en-US" b="1" dirty="0">
+                <a:solidFill>
+                  <a:srgbClr val="800000"/>
+                </a:solidFill>
+                <a:effectLst/>
+                <a:latin typeface="Helvetica" pitchFamily="2" charset="0"/>
+              </a:rPr>
+              <a:t>on</a:t>
+            </a:r>
+            <a:r>
+              <a:rPr lang="en-US" b="1" dirty="0">
+                <a:effectLst/>
+                <a:latin typeface="Helvetica" pitchFamily="2" charset="0"/>
+              </a:rPr>
+              <a:t> </a:t>
+            </a:r>
+            <a:r>
+              <a:rPr lang="en-US" b="1" dirty="0" err="1">
+                <a:effectLst/>
+                <a:latin typeface="Helvetica" pitchFamily="2" charset="0"/>
+              </a:rPr>
+              <a:t>o.customer_id</a:t>
+            </a:r>
+            <a:r>
+              <a:rPr lang="en-US" b="1" dirty="0">
+                <a:effectLst/>
+                <a:latin typeface="Helvetica" pitchFamily="2" charset="0"/>
+              </a:rPr>
+              <a:t>  = </a:t>
+            </a:r>
+            <a:r>
+              <a:rPr lang="en-US" b="1" dirty="0" err="1">
+                <a:effectLst/>
+                <a:latin typeface="Helvetica" pitchFamily="2" charset="0"/>
+              </a:rPr>
+              <a:t>c.customer_id</a:t>
+            </a:r>
+            <a:r>
+              <a:rPr lang="en-US" b="1" dirty="0">
+                <a:effectLst/>
+                <a:latin typeface="Helvetica" pitchFamily="2" charset="0"/>
+              </a:rPr>
+              <a:t> </a:t>
+            </a:r>
+            <a:r>
+              <a:rPr lang="en-US" b="1" dirty="0">
+                <a:solidFill>
+                  <a:srgbClr val="800000"/>
+                </a:solidFill>
+                <a:effectLst/>
+                <a:latin typeface="Helvetica" pitchFamily="2" charset="0"/>
+              </a:rPr>
+              <a:t>group</a:t>
+            </a:r>
+            <a:r>
+              <a:rPr lang="en-US" b="1" dirty="0">
+                <a:effectLst/>
+                <a:latin typeface="Helvetica" pitchFamily="2" charset="0"/>
+              </a:rPr>
+              <a:t> </a:t>
+            </a:r>
+            <a:r>
+              <a:rPr lang="en-US" b="1" dirty="0">
+                <a:solidFill>
+                  <a:srgbClr val="800000"/>
+                </a:solidFill>
+                <a:effectLst/>
+                <a:latin typeface="Helvetica" pitchFamily="2" charset="0"/>
+              </a:rPr>
+              <a:t>by</a:t>
+            </a:r>
+            <a:r>
+              <a:rPr lang="en-US" b="1" dirty="0">
+                <a:effectLst/>
+                <a:latin typeface="Helvetica" pitchFamily="2" charset="0"/>
+              </a:rPr>
+              <a:t> </a:t>
+            </a:r>
+            <a:r>
+              <a:rPr lang="en-US" b="1" dirty="0" err="1">
+                <a:effectLst/>
+                <a:latin typeface="Helvetica" pitchFamily="2" charset="0"/>
+              </a:rPr>
+              <a:t>c.region</a:t>
+            </a:r>
+            <a:endParaRPr lang="en-US" b="1" dirty="0">
+              <a:effectLst/>
+              <a:latin typeface="Helvetica" pitchFamily="2" charset="0"/>
+            </a:endParaRPr>
+          </a:p>
+          <a:p>
+            <a:pPr marL="0" marR="0" lvl="0" indent="0" algn="l" defTabSz="914400" rtl="0" eaLnBrk="1" fontAlgn="auto" latinLnBrk="0" hangingPunct="1">
+              <a:lnSpc>
+                <a:spcPct val="100000"/>
+              </a:lnSpc>
+              <a:spcBef>
+                <a:spcPts val="0"/>
+              </a:spcBef>
+              <a:spcAft>
+                <a:spcPts val="0"/>
+              </a:spcAft>
+              <a:buClrTx/>
+              <a:buSzTx/>
+              <a:buFontTx/>
+              <a:buNone/>
+              <a:tabLst/>
+              <a:defRPr/>
+            </a:pPr>
+            <a:endParaRPr lang="en-US" b="1" dirty="0">
+              <a:solidFill>
+                <a:srgbClr val="800000"/>
+              </a:solidFill>
+              <a:effectLst/>
+              <a:latin typeface="Helvetica" pitchFamily="2" charset="0"/>
+            </a:endParaRPr>
+          </a:p>
+          <a:p>
+            <a:pPr marL="171450" marR="0" lvl="0" indent="-171450" algn="l" defTabSz="914400" rtl="0" eaLnBrk="1" fontAlgn="auto" latinLnBrk="0" hangingPunct="1">
+              <a:lnSpc>
+                <a:spcPct val="100000"/>
+              </a:lnSpc>
+              <a:spcBef>
+                <a:spcPts val="0"/>
+              </a:spcBef>
+              <a:spcAft>
+                <a:spcPts val="0"/>
+              </a:spcAft>
+              <a:buClrTx/>
+              <a:buSzTx/>
+              <a:buFont typeface="Arial" panose="020B0604020202020204" pitchFamily="34" charset="0"/>
+              <a:buChar char="•"/>
+              <a:tabLst/>
+              <a:defRPr/>
+            </a:pPr>
+            <a:r>
+              <a:rPr lang="en-US" b="0" dirty="0">
+                <a:solidFill>
+                  <a:srgbClr val="800000"/>
+                </a:solidFill>
+                <a:effectLst/>
+                <a:latin typeface="Helvetica" pitchFamily="2" charset="0"/>
+              </a:rPr>
+              <a:t>Let’s compare answers on a left join to the customers table </a:t>
+            </a:r>
+          </a:p>
+          <a:p>
+            <a:pPr marL="0" marR="0" lvl="0" indent="0" algn="l" defTabSz="914400" rtl="0" eaLnBrk="1" fontAlgn="auto" latinLnBrk="0" hangingPunct="1">
+              <a:lnSpc>
+                <a:spcPct val="100000"/>
+              </a:lnSpc>
+              <a:spcBef>
+                <a:spcPts val="0"/>
+              </a:spcBef>
+              <a:spcAft>
+                <a:spcPts val="0"/>
+              </a:spcAft>
+              <a:buClrTx/>
+              <a:buSzTx/>
+              <a:buFont typeface="Arial" panose="020B0604020202020204" pitchFamily="34" charset="0"/>
+              <a:buNone/>
+              <a:tabLst/>
+              <a:defRPr/>
+            </a:pPr>
+            <a:endParaRPr lang="en-US" b="0" dirty="0">
+              <a:solidFill>
+                <a:srgbClr val="800000"/>
+              </a:solidFill>
+              <a:effectLst/>
+              <a:latin typeface="Helvetica" pitchFamily="2" charset="0"/>
+            </a:endParaRPr>
+          </a:p>
+          <a:p>
+            <a:pPr marL="457200" marR="0" lvl="1" indent="0" algn="l" defTabSz="914400" rtl="0" eaLnBrk="1" fontAlgn="auto" latinLnBrk="0" hangingPunct="1">
+              <a:lnSpc>
+                <a:spcPct val="100000"/>
+              </a:lnSpc>
+              <a:spcBef>
+                <a:spcPts val="0"/>
+              </a:spcBef>
+              <a:spcAft>
+                <a:spcPts val="0"/>
+              </a:spcAft>
+              <a:buClrTx/>
+              <a:buSzTx/>
+              <a:buFontTx/>
+              <a:buNone/>
+              <a:tabLst/>
+              <a:defRPr/>
+            </a:pPr>
+            <a:r>
+              <a:rPr lang="en-US" b="1" dirty="0">
+                <a:solidFill>
+                  <a:srgbClr val="800000"/>
+                </a:solidFill>
+                <a:effectLst/>
+                <a:latin typeface="Helvetica" pitchFamily="2" charset="0"/>
+              </a:rPr>
+              <a:t>select</a:t>
+            </a:r>
+            <a:r>
+              <a:rPr lang="en-US" b="1" dirty="0">
+                <a:effectLst/>
+                <a:latin typeface="Helvetica" pitchFamily="2" charset="0"/>
+              </a:rPr>
+              <a:t> </a:t>
+            </a:r>
+            <a:r>
+              <a:rPr lang="en-US" b="1" dirty="0" err="1">
+                <a:effectLst/>
+                <a:latin typeface="Helvetica" pitchFamily="2" charset="0"/>
+              </a:rPr>
+              <a:t>c.region</a:t>
+            </a:r>
+            <a:r>
+              <a:rPr lang="en-US" b="1" dirty="0">
+                <a:effectLst/>
+                <a:latin typeface="Helvetica" pitchFamily="2" charset="0"/>
+              </a:rPr>
+              <a:t>, </a:t>
+            </a:r>
+            <a:r>
+              <a:rPr lang="en-US" b="1" dirty="0">
+                <a:solidFill>
+                  <a:srgbClr val="000080"/>
+                </a:solidFill>
+                <a:effectLst/>
+                <a:latin typeface="Helvetica" pitchFamily="2" charset="0"/>
+              </a:rPr>
+              <a:t>sum</a:t>
+            </a:r>
+            <a:r>
+              <a:rPr lang="en-US" b="1" dirty="0">
+                <a:effectLst/>
+                <a:latin typeface="Helvetica" pitchFamily="2" charset="0"/>
+              </a:rPr>
+              <a:t>(</a:t>
+            </a:r>
+            <a:r>
+              <a:rPr lang="en-US" b="1" dirty="0" err="1">
+                <a:effectLst/>
+                <a:latin typeface="Helvetica" pitchFamily="2" charset="0"/>
+              </a:rPr>
+              <a:t>o.profit</a:t>
+            </a:r>
+            <a:r>
+              <a:rPr lang="en-US" b="1" dirty="0">
+                <a:effectLst/>
+                <a:latin typeface="Helvetica" pitchFamily="2" charset="0"/>
+              </a:rPr>
+              <a:t>) </a:t>
+            </a:r>
+            <a:r>
+              <a:rPr lang="en-US" b="1" dirty="0">
+                <a:solidFill>
+                  <a:srgbClr val="800000"/>
+                </a:solidFill>
+                <a:effectLst/>
+                <a:latin typeface="Helvetica" pitchFamily="2" charset="0"/>
+              </a:rPr>
+              <a:t>from</a:t>
+            </a:r>
+            <a:r>
+              <a:rPr lang="en-US" b="1" dirty="0">
+                <a:effectLst/>
+                <a:latin typeface="Helvetica" pitchFamily="2" charset="0"/>
+              </a:rPr>
+              <a:t> customers c </a:t>
+            </a:r>
+            <a:r>
+              <a:rPr lang="en-US" b="1" dirty="0">
+                <a:solidFill>
+                  <a:srgbClr val="000080"/>
+                </a:solidFill>
+                <a:effectLst/>
+                <a:latin typeface="Helvetica" pitchFamily="2" charset="0"/>
+              </a:rPr>
+              <a:t>left</a:t>
+            </a:r>
+            <a:r>
+              <a:rPr lang="en-US" b="1" dirty="0">
+                <a:effectLst/>
+                <a:latin typeface="Helvetica" pitchFamily="2" charset="0"/>
+              </a:rPr>
+              <a:t> </a:t>
+            </a:r>
+            <a:r>
+              <a:rPr lang="en-US" b="1" dirty="0">
+                <a:solidFill>
+                  <a:srgbClr val="800000"/>
+                </a:solidFill>
+                <a:effectLst/>
+                <a:latin typeface="Helvetica" pitchFamily="2" charset="0"/>
+              </a:rPr>
+              <a:t>join</a:t>
+            </a:r>
+            <a:r>
+              <a:rPr lang="en-US" b="1" dirty="0">
+                <a:effectLst/>
+                <a:latin typeface="Helvetica" pitchFamily="2" charset="0"/>
+              </a:rPr>
+              <a:t> orders o </a:t>
+            </a:r>
+            <a:r>
+              <a:rPr lang="en-US" b="1" dirty="0">
+                <a:solidFill>
+                  <a:srgbClr val="800000"/>
+                </a:solidFill>
+                <a:effectLst/>
+                <a:latin typeface="Helvetica" pitchFamily="2" charset="0"/>
+              </a:rPr>
+              <a:t>on</a:t>
+            </a:r>
+            <a:r>
+              <a:rPr lang="en-US" b="1" dirty="0">
+                <a:effectLst/>
+                <a:latin typeface="Helvetica" pitchFamily="2" charset="0"/>
+              </a:rPr>
+              <a:t> </a:t>
+            </a:r>
+            <a:r>
+              <a:rPr lang="en-US" b="1" dirty="0" err="1">
+                <a:effectLst/>
+                <a:latin typeface="Helvetica" pitchFamily="2" charset="0"/>
+              </a:rPr>
+              <a:t>c.customer_id</a:t>
+            </a:r>
+            <a:r>
+              <a:rPr lang="en-US" b="1" dirty="0">
+                <a:effectLst/>
+                <a:latin typeface="Helvetica" pitchFamily="2" charset="0"/>
+              </a:rPr>
+              <a:t>  = </a:t>
+            </a:r>
+            <a:r>
+              <a:rPr lang="en-US" b="1" dirty="0" err="1">
+                <a:effectLst/>
+                <a:latin typeface="Helvetica" pitchFamily="2" charset="0"/>
+              </a:rPr>
+              <a:t>o.customer_id</a:t>
+            </a:r>
+            <a:r>
+              <a:rPr lang="en-US" b="1" dirty="0">
+                <a:effectLst/>
+                <a:latin typeface="Helvetica" pitchFamily="2" charset="0"/>
+              </a:rPr>
+              <a:t> </a:t>
+            </a:r>
+            <a:r>
+              <a:rPr lang="en-US" b="1" dirty="0">
+                <a:solidFill>
+                  <a:srgbClr val="800000"/>
+                </a:solidFill>
+                <a:effectLst/>
+                <a:latin typeface="Helvetica" pitchFamily="2" charset="0"/>
+              </a:rPr>
+              <a:t>group</a:t>
+            </a:r>
+            <a:r>
+              <a:rPr lang="en-US" b="1" dirty="0">
+                <a:effectLst/>
+                <a:latin typeface="Helvetica" pitchFamily="2" charset="0"/>
+              </a:rPr>
+              <a:t> </a:t>
+            </a:r>
+            <a:r>
+              <a:rPr lang="en-US" b="1" dirty="0">
+                <a:solidFill>
+                  <a:srgbClr val="800000"/>
+                </a:solidFill>
+                <a:effectLst/>
+                <a:latin typeface="Helvetica" pitchFamily="2" charset="0"/>
+              </a:rPr>
+              <a:t>by</a:t>
+            </a:r>
+            <a:r>
+              <a:rPr lang="en-US" b="1" dirty="0">
+                <a:effectLst/>
+                <a:latin typeface="Helvetica" pitchFamily="2" charset="0"/>
+              </a:rPr>
+              <a:t> </a:t>
+            </a:r>
+            <a:r>
+              <a:rPr lang="en-US" b="1" dirty="0" err="1">
+                <a:effectLst/>
+                <a:latin typeface="Helvetica" pitchFamily="2" charset="0"/>
+              </a:rPr>
+              <a:t>c.region</a:t>
+            </a:r>
+            <a:endParaRPr lang="en-US" b="1" dirty="0">
+              <a:effectLst/>
+              <a:latin typeface="Helvetica" pitchFamily="2" charset="0"/>
+            </a:endParaRPr>
+          </a:p>
+          <a:p>
+            <a:endParaRPr lang="en-US" dirty="0"/>
+          </a:p>
+          <a:p>
+            <a:endParaRPr lang="en-US" dirty="0"/>
+          </a:p>
+          <a:p>
+            <a:pPr marL="171450" indent="-171450">
+              <a:buFont typeface="Arial" panose="020B0604020202020204" pitchFamily="34" charset="0"/>
+              <a:buChar char="•"/>
+            </a:pPr>
+            <a:r>
+              <a:rPr lang="en-US" dirty="0"/>
+              <a:t>You can do the same thing with category. </a:t>
+            </a:r>
+          </a:p>
+          <a:p>
+            <a:pPr lvl="1"/>
+            <a:r>
+              <a:rPr lang="en-US" b="1" dirty="0">
+                <a:solidFill>
+                  <a:srgbClr val="800000"/>
+                </a:solidFill>
+                <a:effectLst/>
+                <a:latin typeface="Helvetica" pitchFamily="2" charset="0"/>
+              </a:rPr>
+              <a:t>select</a:t>
+            </a:r>
+            <a:r>
+              <a:rPr lang="en-US" dirty="0">
+                <a:solidFill>
+                  <a:srgbClr val="000000"/>
+                </a:solidFill>
+                <a:effectLst/>
+                <a:latin typeface="Helvetica" pitchFamily="2" charset="0"/>
+              </a:rPr>
+              <a:t> * </a:t>
+            </a:r>
+            <a:r>
+              <a:rPr lang="en-US" b="1" dirty="0">
+                <a:solidFill>
+                  <a:srgbClr val="800000"/>
+                </a:solidFill>
+                <a:effectLst/>
+                <a:latin typeface="Helvetica" pitchFamily="2" charset="0"/>
+              </a:rPr>
+              <a:t>from</a:t>
+            </a:r>
+            <a:r>
+              <a:rPr lang="en-US" dirty="0">
+                <a:solidFill>
+                  <a:srgbClr val="000000"/>
+                </a:solidFill>
+                <a:effectLst/>
+                <a:latin typeface="Helvetica" pitchFamily="2" charset="0"/>
+              </a:rPr>
+              <a:t> products </a:t>
+            </a:r>
+            <a:r>
+              <a:rPr lang="en-US" b="1" dirty="0">
+                <a:solidFill>
+                  <a:srgbClr val="800000"/>
+                </a:solidFill>
+                <a:effectLst/>
+                <a:latin typeface="Helvetica" pitchFamily="2" charset="0"/>
+              </a:rPr>
+              <a:t>limit</a:t>
+            </a:r>
+            <a:r>
+              <a:rPr lang="en-US" dirty="0">
+                <a:solidFill>
+                  <a:srgbClr val="000000"/>
+                </a:solidFill>
+                <a:effectLst/>
+                <a:latin typeface="Helvetica" pitchFamily="2" charset="0"/>
+              </a:rPr>
+              <a:t> </a:t>
+            </a:r>
+            <a:r>
+              <a:rPr lang="en-US" dirty="0">
+                <a:solidFill>
+                  <a:srgbClr val="0000FF"/>
+                </a:solidFill>
+                <a:effectLst/>
+                <a:latin typeface="Helvetica" pitchFamily="2" charset="0"/>
+              </a:rPr>
+              <a:t>5</a:t>
+            </a:r>
+            <a:endParaRPr lang="en-US" dirty="0">
+              <a:effectLst/>
+              <a:latin typeface="Helvetica" pitchFamily="2" charset="0"/>
+            </a:endParaRPr>
+          </a:p>
+          <a:p>
+            <a:pPr lvl="1"/>
+            <a:r>
+              <a:rPr lang="en-US" b="1" dirty="0">
+                <a:solidFill>
+                  <a:srgbClr val="800000"/>
+                </a:solidFill>
+                <a:effectLst/>
+                <a:latin typeface="Helvetica" pitchFamily="2" charset="0"/>
+              </a:rPr>
+              <a:t>select</a:t>
+            </a:r>
+            <a:r>
+              <a:rPr lang="en-US" dirty="0">
+                <a:effectLst/>
+                <a:latin typeface="Helvetica" pitchFamily="2" charset="0"/>
+              </a:rPr>
+              <a:t> </a:t>
+            </a:r>
+            <a:r>
+              <a:rPr lang="en-US" dirty="0" err="1">
+                <a:effectLst/>
+                <a:latin typeface="Helvetica" pitchFamily="2" charset="0"/>
+              </a:rPr>
+              <a:t>p.category</a:t>
+            </a:r>
+            <a:r>
+              <a:rPr lang="en-US" dirty="0">
+                <a:effectLst/>
+                <a:latin typeface="Helvetica" pitchFamily="2" charset="0"/>
+              </a:rPr>
+              <a:t>, </a:t>
+            </a:r>
+            <a:r>
+              <a:rPr lang="en-US" b="1" dirty="0">
+                <a:solidFill>
+                  <a:srgbClr val="000080"/>
+                </a:solidFill>
+                <a:effectLst/>
+                <a:latin typeface="Helvetica" pitchFamily="2" charset="0"/>
+              </a:rPr>
+              <a:t>sum</a:t>
+            </a:r>
+            <a:r>
+              <a:rPr lang="en-US" dirty="0">
+                <a:effectLst/>
+                <a:latin typeface="Helvetica" pitchFamily="2" charset="0"/>
+              </a:rPr>
+              <a:t>(</a:t>
+            </a:r>
+            <a:r>
+              <a:rPr lang="en-US" dirty="0" err="1">
+                <a:effectLst/>
+                <a:latin typeface="Helvetica" pitchFamily="2" charset="0"/>
+              </a:rPr>
+              <a:t>o.sales</a:t>
+            </a:r>
+            <a:r>
+              <a:rPr lang="en-US" dirty="0">
+                <a:effectLst/>
+                <a:latin typeface="Helvetica" pitchFamily="2" charset="0"/>
+              </a:rPr>
+              <a:t>) </a:t>
+            </a:r>
+            <a:r>
+              <a:rPr lang="en-US" b="1" dirty="0">
+                <a:solidFill>
+                  <a:srgbClr val="800000"/>
+                </a:solidFill>
+                <a:effectLst/>
+                <a:latin typeface="Helvetica" pitchFamily="2" charset="0"/>
+              </a:rPr>
+              <a:t>from</a:t>
+            </a:r>
+            <a:r>
+              <a:rPr lang="en-US" dirty="0">
+                <a:effectLst/>
+                <a:latin typeface="Helvetica" pitchFamily="2" charset="0"/>
+              </a:rPr>
+              <a:t> orders o </a:t>
+            </a:r>
+            <a:r>
+              <a:rPr lang="en-US" b="1" dirty="0">
+                <a:solidFill>
+                  <a:srgbClr val="000080"/>
+                </a:solidFill>
+                <a:effectLst/>
+                <a:latin typeface="Helvetica" pitchFamily="2" charset="0"/>
+              </a:rPr>
+              <a:t>left</a:t>
+            </a:r>
+            <a:r>
+              <a:rPr lang="en-US" dirty="0">
+                <a:effectLst/>
+                <a:latin typeface="Helvetica" pitchFamily="2" charset="0"/>
+              </a:rPr>
+              <a:t> </a:t>
+            </a:r>
+            <a:r>
+              <a:rPr lang="en-US" b="1" dirty="0">
+                <a:solidFill>
+                  <a:srgbClr val="800000"/>
+                </a:solidFill>
+                <a:effectLst/>
+                <a:latin typeface="Helvetica" pitchFamily="2" charset="0"/>
+              </a:rPr>
+              <a:t>join</a:t>
+            </a:r>
+            <a:r>
+              <a:rPr lang="en-US" dirty="0">
+                <a:effectLst/>
+                <a:latin typeface="Helvetica" pitchFamily="2" charset="0"/>
+              </a:rPr>
+              <a:t> products p </a:t>
+            </a:r>
+            <a:r>
+              <a:rPr lang="en-US" b="1" dirty="0">
+                <a:solidFill>
+                  <a:srgbClr val="800000"/>
+                </a:solidFill>
+                <a:effectLst/>
+                <a:latin typeface="Helvetica" pitchFamily="2" charset="0"/>
+              </a:rPr>
+              <a:t>on</a:t>
+            </a:r>
+            <a:r>
+              <a:rPr lang="en-US" dirty="0">
+                <a:effectLst/>
+                <a:latin typeface="Helvetica" pitchFamily="2" charset="0"/>
+              </a:rPr>
+              <a:t> </a:t>
+            </a:r>
+            <a:r>
+              <a:rPr lang="en-US" dirty="0" err="1">
+                <a:effectLst/>
+                <a:latin typeface="Helvetica" pitchFamily="2" charset="0"/>
+              </a:rPr>
+              <a:t>o.product_id</a:t>
+            </a:r>
+            <a:r>
+              <a:rPr lang="en-US" dirty="0">
+                <a:effectLst/>
+                <a:latin typeface="Helvetica" pitchFamily="2" charset="0"/>
+              </a:rPr>
+              <a:t> = </a:t>
+            </a:r>
+            <a:r>
+              <a:rPr lang="en-US" dirty="0" err="1">
+                <a:effectLst/>
+                <a:latin typeface="Helvetica" pitchFamily="2" charset="0"/>
+              </a:rPr>
+              <a:t>p.product_id</a:t>
+            </a:r>
+            <a:r>
+              <a:rPr lang="en-US" dirty="0">
+                <a:effectLst/>
+                <a:latin typeface="Helvetica" pitchFamily="2" charset="0"/>
+              </a:rPr>
+              <a:t> </a:t>
+            </a:r>
+            <a:r>
+              <a:rPr lang="en-US" b="1" dirty="0">
+                <a:solidFill>
+                  <a:srgbClr val="800000"/>
+                </a:solidFill>
+                <a:effectLst/>
+                <a:latin typeface="Helvetica" pitchFamily="2" charset="0"/>
+              </a:rPr>
+              <a:t>group</a:t>
+            </a:r>
+            <a:r>
+              <a:rPr lang="en-US" dirty="0">
+                <a:effectLst/>
+                <a:latin typeface="Helvetica" pitchFamily="2" charset="0"/>
+              </a:rPr>
+              <a:t> </a:t>
+            </a:r>
+            <a:r>
+              <a:rPr lang="en-US" b="1" dirty="0">
+                <a:solidFill>
+                  <a:srgbClr val="800000"/>
+                </a:solidFill>
+                <a:effectLst/>
+                <a:latin typeface="Helvetica" pitchFamily="2" charset="0"/>
+              </a:rPr>
+              <a:t>by</a:t>
+            </a:r>
+            <a:r>
+              <a:rPr lang="en-US" dirty="0">
+                <a:effectLst/>
+                <a:latin typeface="Helvetica" pitchFamily="2" charset="0"/>
+              </a:rPr>
+              <a:t> </a:t>
+            </a:r>
+            <a:r>
+              <a:rPr lang="en-US" dirty="0">
+                <a:solidFill>
+                  <a:srgbClr val="0000FF"/>
+                </a:solidFill>
+                <a:effectLst/>
+                <a:latin typeface="Helvetica" pitchFamily="2" charset="0"/>
+              </a:rPr>
+              <a:t>1</a:t>
+            </a:r>
+            <a:endParaRPr lang="en-US" dirty="0">
+              <a:effectLst/>
+              <a:latin typeface="Helvetica" pitchFamily="2" charset="0"/>
+            </a:endParaRPr>
+          </a:p>
+          <a:p>
+            <a:pPr lvl="1"/>
+            <a:r>
+              <a:rPr lang="en-US" b="1" dirty="0">
+                <a:solidFill>
+                  <a:srgbClr val="800000"/>
+                </a:solidFill>
+                <a:effectLst/>
+                <a:latin typeface="Helvetica" pitchFamily="2" charset="0"/>
+              </a:rPr>
+              <a:t>select</a:t>
+            </a:r>
+            <a:r>
+              <a:rPr lang="en-US" dirty="0">
+                <a:effectLst/>
+                <a:latin typeface="Helvetica" pitchFamily="2" charset="0"/>
+              </a:rPr>
+              <a:t> </a:t>
+            </a:r>
+            <a:r>
+              <a:rPr lang="en-US" dirty="0" err="1">
+                <a:effectLst/>
+                <a:latin typeface="Helvetica" pitchFamily="2" charset="0"/>
+              </a:rPr>
+              <a:t>p.category</a:t>
+            </a:r>
+            <a:r>
+              <a:rPr lang="en-US" dirty="0">
+                <a:effectLst/>
+                <a:latin typeface="Helvetica" pitchFamily="2" charset="0"/>
+              </a:rPr>
+              <a:t>, </a:t>
+            </a:r>
+            <a:r>
+              <a:rPr lang="en-US" b="1" dirty="0">
+                <a:solidFill>
+                  <a:srgbClr val="000080"/>
+                </a:solidFill>
+                <a:effectLst/>
+                <a:latin typeface="Helvetica" pitchFamily="2" charset="0"/>
+              </a:rPr>
+              <a:t>sum</a:t>
+            </a:r>
+            <a:r>
+              <a:rPr lang="en-US" dirty="0">
+                <a:effectLst/>
+                <a:latin typeface="Helvetica" pitchFamily="2" charset="0"/>
+              </a:rPr>
+              <a:t>(</a:t>
+            </a:r>
+            <a:r>
+              <a:rPr lang="en-US" dirty="0" err="1">
+                <a:effectLst/>
+                <a:latin typeface="Helvetica" pitchFamily="2" charset="0"/>
+              </a:rPr>
+              <a:t>o.sales</a:t>
+            </a:r>
+            <a:r>
+              <a:rPr lang="en-US" dirty="0">
+                <a:effectLst/>
+                <a:latin typeface="Helvetica" pitchFamily="2" charset="0"/>
+              </a:rPr>
+              <a:t>) </a:t>
+            </a:r>
+            <a:r>
+              <a:rPr lang="en-US" dirty="0" err="1">
+                <a:effectLst/>
+                <a:latin typeface="Helvetica" pitchFamily="2" charset="0"/>
+              </a:rPr>
+              <a:t>category_sales</a:t>
+            </a:r>
+            <a:r>
+              <a:rPr lang="en-US" dirty="0">
+                <a:effectLst/>
+                <a:latin typeface="Helvetica" pitchFamily="2" charset="0"/>
+              </a:rPr>
+              <a:t> </a:t>
+            </a:r>
+            <a:r>
+              <a:rPr lang="en-US" b="1" dirty="0">
+                <a:solidFill>
+                  <a:srgbClr val="800000"/>
+                </a:solidFill>
+                <a:effectLst/>
+                <a:latin typeface="Helvetica" pitchFamily="2" charset="0"/>
+              </a:rPr>
+              <a:t>from</a:t>
+            </a:r>
+            <a:r>
+              <a:rPr lang="en-US" dirty="0">
+                <a:effectLst/>
+                <a:latin typeface="Helvetica" pitchFamily="2" charset="0"/>
+              </a:rPr>
+              <a:t> orders o </a:t>
+            </a:r>
+            <a:r>
+              <a:rPr lang="en-US" b="1" dirty="0">
+                <a:solidFill>
+                  <a:srgbClr val="000080"/>
+                </a:solidFill>
+                <a:effectLst/>
+                <a:latin typeface="Helvetica" pitchFamily="2" charset="0"/>
+              </a:rPr>
+              <a:t>left</a:t>
+            </a:r>
+            <a:r>
+              <a:rPr lang="en-US" dirty="0">
+                <a:effectLst/>
+                <a:latin typeface="Helvetica" pitchFamily="2" charset="0"/>
+              </a:rPr>
+              <a:t> </a:t>
+            </a:r>
+            <a:r>
+              <a:rPr lang="en-US" b="1" dirty="0">
+                <a:solidFill>
+                  <a:srgbClr val="800000"/>
+                </a:solidFill>
+                <a:effectLst/>
+                <a:latin typeface="Helvetica" pitchFamily="2" charset="0"/>
+              </a:rPr>
+              <a:t>join</a:t>
+            </a:r>
+            <a:r>
+              <a:rPr lang="en-US" dirty="0">
+                <a:effectLst/>
+                <a:latin typeface="Helvetica" pitchFamily="2" charset="0"/>
+              </a:rPr>
+              <a:t> products p </a:t>
+            </a:r>
+            <a:r>
+              <a:rPr lang="en-US" b="1" dirty="0">
+                <a:solidFill>
+                  <a:srgbClr val="800000"/>
+                </a:solidFill>
+                <a:effectLst/>
+                <a:latin typeface="Helvetica" pitchFamily="2" charset="0"/>
+              </a:rPr>
+              <a:t>on</a:t>
+            </a:r>
+            <a:r>
+              <a:rPr lang="en-US" dirty="0">
+                <a:effectLst/>
+                <a:latin typeface="Helvetica" pitchFamily="2" charset="0"/>
+              </a:rPr>
+              <a:t> </a:t>
+            </a:r>
+            <a:r>
+              <a:rPr lang="en-US" dirty="0" err="1">
+                <a:effectLst/>
+                <a:latin typeface="Helvetica" pitchFamily="2" charset="0"/>
+              </a:rPr>
+              <a:t>o.product_id</a:t>
+            </a:r>
+            <a:r>
+              <a:rPr lang="en-US" dirty="0">
+                <a:effectLst/>
+                <a:latin typeface="Helvetica" pitchFamily="2" charset="0"/>
+              </a:rPr>
+              <a:t> = </a:t>
+            </a:r>
+            <a:r>
+              <a:rPr lang="en-US" dirty="0" err="1">
+                <a:effectLst/>
+                <a:latin typeface="Helvetica" pitchFamily="2" charset="0"/>
+              </a:rPr>
+              <a:t>p.product_id</a:t>
+            </a:r>
+            <a:r>
+              <a:rPr lang="en-US" dirty="0">
+                <a:effectLst/>
+                <a:latin typeface="Helvetica" pitchFamily="2" charset="0"/>
+              </a:rPr>
+              <a:t> </a:t>
+            </a:r>
+            <a:r>
+              <a:rPr lang="en-US" b="1" dirty="0">
+                <a:solidFill>
+                  <a:srgbClr val="800000"/>
+                </a:solidFill>
+                <a:effectLst/>
+                <a:latin typeface="Helvetica" pitchFamily="2" charset="0"/>
+              </a:rPr>
+              <a:t>group</a:t>
+            </a:r>
+            <a:r>
+              <a:rPr lang="en-US" dirty="0">
+                <a:effectLst/>
+                <a:latin typeface="Helvetica" pitchFamily="2" charset="0"/>
+              </a:rPr>
+              <a:t> </a:t>
+            </a:r>
+            <a:r>
+              <a:rPr lang="en-US" b="1" dirty="0">
+                <a:solidFill>
+                  <a:srgbClr val="800000"/>
+                </a:solidFill>
+                <a:effectLst/>
+                <a:latin typeface="Helvetica" pitchFamily="2" charset="0"/>
+              </a:rPr>
+              <a:t>by</a:t>
+            </a:r>
+            <a:r>
+              <a:rPr lang="en-US" dirty="0">
+                <a:effectLst/>
+                <a:latin typeface="Helvetica" pitchFamily="2" charset="0"/>
+              </a:rPr>
+              <a:t> </a:t>
+            </a:r>
+            <a:r>
+              <a:rPr lang="en-US" dirty="0">
+                <a:solidFill>
+                  <a:srgbClr val="0000FF"/>
+                </a:solidFill>
+                <a:effectLst/>
+                <a:latin typeface="Helvetica" pitchFamily="2" charset="0"/>
+              </a:rPr>
+              <a:t>1</a:t>
+            </a:r>
+            <a:endParaRPr lang="en-US" dirty="0">
+              <a:effectLst/>
+              <a:latin typeface="Helvetica" pitchFamily="2" charset="0"/>
+            </a:endParaRPr>
+          </a:p>
+          <a:p>
+            <a:endParaRPr lang="en-US" dirty="0"/>
+          </a:p>
+          <a:p>
+            <a:pPr marL="171450" indent="-171450">
+              <a:buFont typeface="Arial" panose="020B0604020202020204" pitchFamily="34" charset="0"/>
+              <a:buChar char="•"/>
+            </a:pPr>
+            <a:r>
+              <a:rPr lang="en-US" dirty="0"/>
+              <a:t>Note that sometimes tables use multiple keys to create a unique key to join across tables.</a:t>
+            </a:r>
+          </a:p>
+          <a:p>
+            <a:pPr marL="171450" indent="-171450">
+              <a:buFont typeface="Arial" panose="020B0604020202020204" pitchFamily="34" charset="0"/>
+              <a:buChar char="•"/>
+            </a:pPr>
+            <a:r>
+              <a:rPr lang="en-US" dirty="0"/>
+              <a:t>For instance you could use the same </a:t>
+            </a:r>
+            <a:r>
+              <a:rPr lang="en-US" dirty="0" err="1"/>
+              <a:t>product_ids</a:t>
+            </a:r>
+            <a:r>
+              <a:rPr lang="en-US" dirty="0"/>
+              <a:t> across countries, so when we did this exercise we may need to join on both </a:t>
+            </a:r>
+            <a:r>
+              <a:rPr lang="en-US" dirty="0" err="1"/>
+              <a:t>product_id</a:t>
+            </a:r>
+            <a:r>
+              <a:rPr lang="en-US" dirty="0"/>
+              <a:t> and country </a:t>
+            </a:r>
+          </a:p>
+          <a:p>
+            <a:pPr marL="171450" indent="-171450">
+              <a:buFont typeface="Arial" panose="020B0604020202020204" pitchFamily="34" charset="0"/>
+              <a:buChar char="•"/>
+            </a:pPr>
+            <a:r>
+              <a:rPr lang="en-US" dirty="0"/>
+              <a:t>To do this you would add an ‘AND” operator and specify the next join condition / join keys</a:t>
+            </a:r>
+          </a:p>
+        </p:txBody>
+      </p:sp>
+      <p:sp>
+        <p:nvSpPr>
+          <p:cNvPr id="6" name="Footer Placeholder 5"/>
+          <p:cNvSpPr>
+            <a:spLocks noGrp="1"/>
+          </p:cNvSpPr>
+          <p:nvPr>
+            <p:ph type="ftr" sz="quarter" idx="4"/>
+          </p:nvPr>
+        </p:nvSpPr>
+        <p:spPr>
+          <a:xfrm>
+            <a:off x="0" y="6502401"/>
+            <a:ext cx="3962400" cy="341313"/>
+          </a:xfrm>
+          <a:prstGeom prst="rect">
+            <a:avLst/>
+          </a:prstGeom>
+        </p:spPr>
+        <p:txBody>
+          <a:bodyPr vert="horz" lIns="91440" tIns="45720" rIns="91440" bIns="45720" rtlCol="0" anchor="b"/>
+          <a:lstStyle>
+            <a:lvl1pPr algn="l">
+              <a:defRPr sz="1200"/>
+            </a:lvl1pPr>
+          </a:lstStyle>
+          <a:p>
+            <a:endParaRPr/>
+          </a:p>
+        </p:txBody>
+      </p:sp>
+      <p:sp>
+        <p:nvSpPr>
+          <p:cNvPr id="7" name="Slide Number Placeholder 6"/>
+          <p:cNvSpPr>
+            <a:spLocks noGrp="1"/>
+          </p:cNvSpPr>
+          <p:nvPr>
+            <p:ph type="sldNum" sz="quarter" idx="5"/>
+          </p:nvPr>
+        </p:nvSpPr>
+        <p:spPr>
+          <a:xfrm>
+            <a:off x="5180013" y="6502401"/>
+            <a:ext cx="3962400" cy="341313"/>
+          </a:xfrm>
+          <a:prstGeom prst="rect">
+            <a:avLst/>
+          </a:prstGeom>
+        </p:spPr>
+        <p:txBody>
+          <a:bodyPr vert="horz" lIns="91440" tIns="45720" rIns="91440" bIns="45720" rtlCol="0" anchor="b"/>
+          <a:lstStyle>
+            <a:lvl1pPr algn="r">
+              <a:defRPr sz="1200"/>
+            </a:lvl1pPr>
+          </a:lstStyle>
+          <a:p>
+            <a:r>
+              <a:rPr lang="cs-CZ"/>
+              <a:t>‹#›</a:t>
+            </a:r>
+          </a:p>
+        </p:txBody>
+      </p:sp>
+    </p:spTree>
+  </p:cSld>
+  <p:clrMapOvr>
+    <a:masterClrMapping/>
+  </p:clrMapOvr>
+</p:notes>
+</file>
+
+<file path=ppt/notesSlides/notesSlide8.xml><?xml version="1.0" encoding="utf-8"?>
+<p:notes xmlns:a="http://schemas.openxmlformats.org/drawingml/2006/main" xmlns:r="http://schemas.openxmlformats.org/officeDocument/2006/relationships" xmlns:p="http://schemas.openxmlformats.org/presentationml/2006/main">
+  <p:cSld>
+    <p:spTree>
+      <p:nvGrpSpPr>
+        <p:cNvPr id="1" name=""/>
+        <p:cNvGrpSpPr/>
+        <p:nvPr/>
+      </p:nvGrpSpPr>
+      <p:grpSpPr>
+        <a:xfrm>
+          <a:off x="0" y="0"/>
+          <a:ext cx="0" cy="0"/>
+          <a:chOff x="0" y="0"/>
+          <a:chExt cx="0" cy="0"/>
+        </a:xfrm>
+      </p:grpSpPr>
+      <p:sp>
+        <p:nvSpPr>
+          <p:cNvPr id="2" name="Slide Image Placeholder 1"/>
+          <p:cNvSpPr>
+            <a:spLocks noGrp="1" noRot="1" noChangeAspect="1"/>
+          </p:cNvSpPr>
+          <p:nvPr>
+            <p:ph type="sldImg"/>
+          </p:nvPr>
+        </p:nvSpPr>
+        <p:spPr>
+          <a:xfrm>
+            <a:off x="2290763" y="512763"/>
+            <a:ext cx="4562475" cy="2566987"/>
+          </a:xfrm>
+        </p:spPr>
+      </p:sp>
+      <p:sp>
+        <p:nvSpPr>
+          <p:cNvPr id="3" name="Notes Placeholder 2"/>
+          <p:cNvSpPr>
+            <a:spLocks noGrp="1"/>
+          </p:cNvSpPr>
+          <p:nvPr>
+            <p:ph type="body" idx="1"/>
+          </p:nvPr>
+        </p:nvSpPr>
+        <p:spPr/>
+        <p:txBody>
+          <a:bodyPr/>
+          <a:lstStyle/>
+          <a:p>
+            <a:pPr marL="171450" indent="-171450">
+              <a:buFont typeface="Arial" panose="020B0604020202020204" pitchFamily="34" charset="0"/>
+              <a:buChar char="•"/>
+            </a:pPr>
+            <a:r>
+              <a:rPr lang="en-US" dirty="0"/>
+              <a:t>Let’s revisit our first exercise – historical annual profit. We can enrich our data set by adding records from the archived orders table.  </a:t>
+            </a:r>
+          </a:p>
+          <a:p>
+            <a:pPr marL="171450" indent="-171450">
+              <a:buFont typeface="Arial" panose="020B0604020202020204" pitchFamily="34" charset="0"/>
+              <a:buChar char="•"/>
+            </a:pPr>
+            <a:r>
+              <a:rPr lang="en-US" dirty="0"/>
+              <a:t>To do this, we can union our two tables. </a:t>
+            </a:r>
+          </a:p>
+          <a:p>
+            <a:pPr marL="171450" indent="-171450">
+              <a:buFont typeface="Arial" panose="020B0604020202020204" pitchFamily="34" charset="0"/>
+              <a:buChar char="•"/>
+            </a:pPr>
+            <a:endParaRPr lang="en-US" dirty="0"/>
+          </a:p>
+          <a:p>
+            <a:pPr marL="171450" indent="-171450">
+              <a:buFont typeface="Arial" panose="020B0604020202020204" pitchFamily="34" charset="0"/>
+              <a:buChar char="•"/>
+            </a:pPr>
+            <a:r>
+              <a:rPr lang="en-US" dirty="0"/>
+              <a:t>Let’s look simplistically at what select * from both tables looks like: </a:t>
+            </a:r>
+          </a:p>
+          <a:p>
+            <a:endParaRPr lang="en-US" dirty="0"/>
+          </a:p>
+          <a:p>
+            <a:pPr marL="457200" marR="0" lvl="1" indent="0" algn="l" defTabSz="914400" rtl="0" eaLnBrk="1" fontAlgn="auto" latinLnBrk="0" hangingPunct="1">
+              <a:lnSpc>
+                <a:spcPct val="100000"/>
+              </a:lnSpc>
+              <a:spcBef>
+                <a:spcPts val="0"/>
+              </a:spcBef>
+              <a:spcAft>
+                <a:spcPts val="0"/>
+              </a:spcAft>
+              <a:buClrTx/>
+              <a:buSzTx/>
+              <a:buFontTx/>
+              <a:buNone/>
+              <a:tabLst/>
+              <a:defRPr/>
+            </a:pPr>
+            <a:r>
+              <a:rPr lang="en-US" b="1" dirty="0">
+                <a:solidFill>
+                  <a:srgbClr val="800000"/>
+                </a:solidFill>
+                <a:effectLst/>
+                <a:latin typeface="Helvetica" pitchFamily="2" charset="0"/>
+              </a:rPr>
+              <a:t>select</a:t>
+            </a:r>
+            <a:r>
+              <a:rPr lang="en-US" b="1" dirty="0">
+                <a:effectLst/>
+                <a:latin typeface="Helvetica" pitchFamily="2" charset="0"/>
+              </a:rPr>
+              <a:t> * </a:t>
+            </a:r>
+            <a:r>
+              <a:rPr lang="en-US" b="1" dirty="0">
+                <a:solidFill>
+                  <a:srgbClr val="800000"/>
+                </a:solidFill>
+                <a:effectLst/>
+                <a:latin typeface="Helvetica" pitchFamily="2" charset="0"/>
+              </a:rPr>
+              <a:t>from</a:t>
+            </a:r>
+            <a:r>
+              <a:rPr lang="en-US" b="1" dirty="0">
+                <a:effectLst/>
+                <a:latin typeface="Helvetica" pitchFamily="2" charset="0"/>
+              </a:rPr>
+              <a:t> orders </a:t>
+            </a:r>
+            <a:r>
+              <a:rPr lang="en-US" b="1" dirty="0">
+                <a:solidFill>
+                  <a:srgbClr val="800000"/>
+                </a:solidFill>
+                <a:effectLst/>
+                <a:latin typeface="Helvetica" pitchFamily="2" charset="0"/>
+              </a:rPr>
+              <a:t>union</a:t>
+            </a:r>
+            <a:r>
+              <a:rPr lang="en-US" b="1" dirty="0">
+                <a:effectLst/>
+                <a:latin typeface="Helvetica" pitchFamily="2" charset="0"/>
+              </a:rPr>
+              <a:t> </a:t>
+            </a:r>
+            <a:r>
+              <a:rPr lang="en-US" b="1" dirty="0">
+                <a:solidFill>
+                  <a:srgbClr val="800000"/>
+                </a:solidFill>
+                <a:effectLst/>
+                <a:latin typeface="Helvetica" pitchFamily="2" charset="0"/>
+              </a:rPr>
+              <a:t>all</a:t>
+            </a:r>
+            <a:r>
+              <a:rPr lang="en-US" b="1" dirty="0">
+                <a:effectLst/>
+                <a:latin typeface="Helvetica" pitchFamily="2" charset="0"/>
+              </a:rPr>
+              <a:t> </a:t>
+            </a:r>
+            <a:r>
+              <a:rPr lang="en-US" b="1" dirty="0">
+                <a:solidFill>
+                  <a:srgbClr val="800000"/>
+                </a:solidFill>
+                <a:effectLst/>
+                <a:latin typeface="Helvetica" pitchFamily="2" charset="0"/>
+              </a:rPr>
+              <a:t>select</a:t>
+            </a:r>
+            <a:r>
+              <a:rPr lang="en-US" b="1" dirty="0">
+                <a:effectLst/>
+                <a:latin typeface="Helvetica" pitchFamily="2" charset="0"/>
+              </a:rPr>
+              <a:t> * </a:t>
+            </a:r>
+            <a:r>
+              <a:rPr lang="en-US" b="1" dirty="0">
+                <a:solidFill>
+                  <a:srgbClr val="800000"/>
+                </a:solidFill>
+                <a:effectLst/>
+                <a:latin typeface="Helvetica" pitchFamily="2" charset="0"/>
+              </a:rPr>
+              <a:t>from</a:t>
+            </a:r>
+            <a:r>
+              <a:rPr lang="en-US" b="1" dirty="0">
+                <a:effectLst/>
+                <a:latin typeface="Helvetica" pitchFamily="2" charset="0"/>
+              </a:rPr>
+              <a:t> </a:t>
+            </a:r>
+            <a:r>
+              <a:rPr lang="en-US" b="1" dirty="0" err="1">
+                <a:effectLst/>
+                <a:latin typeface="Helvetica" pitchFamily="2" charset="0"/>
+              </a:rPr>
+              <a:t>archived_orders</a:t>
+            </a:r>
+            <a:r>
+              <a:rPr lang="en-US" b="1" dirty="0">
+                <a:effectLst/>
+                <a:latin typeface="Helvetica" pitchFamily="2" charset="0"/>
+              </a:rPr>
+              <a:t> </a:t>
+            </a:r>
+          </a:p>
+          <a:p>
+            <a:endParaRPr lang="en-US" dirty="0"/>
+          </a:p>
+          <a:p>
+            <a:r>
+              <a:rPr lang="en-US" dirty="0"/>
+              <a:t>There are two methods to deliver the result set to answer the question. </a:t>
+            </a:r>
+          </a:p>
+          <a:p>
+            <a:pPr marL="171450" indent="-171450">
+              <a:buFont typeface="Arial" panose="020B0604020202020204" pitchFamily="34" charset="0"/>
+              <a:buChar char="•"/>
+            </a:pPr>
+            <a:r>
+              <a:rPr lang="en-US" dirty="0"/>
+              <a:t>The first option is to create two aggregated result sets and to union them. </a:t>
+            </a:r>
+          </a:p>
+          <a:p>
+            <a:pPr marL="628650" lvl="1" indent="-171450">
+              <a:buFontTx/>
+              <a:buChar char="-"/>
+            </a:pPr>
+            <a:r>
+              <a:rPr lang="en-US" dirty="0"/>
+              <a:t>That looks something like this: </a:t>
+            </a:r>
+          </a:p>
+          <a:p>
+            <a:pPr marL="457200" lvl="1" indent="0">
+              <a:buFontTx/>
+              <a:buNone/>
+            </a:pPr>
+            <a:endParaRPr lang="en-US" dirty="0"/>
+          </a:p>
+          <a:p>
+            <a:pPr marL="457200" lvl="1" indent="0">
+              <a:buFontTx/>
+              <a:buNone/>
+            </a:pPr>
+            <a:r>
+              <a:rPr lang="en-US" b="1" dirty="0">
+                <a:solidFill>
+                  <a:srgbClr val="800000"/>
+                </a:solidFill>
+                <a:effectLst/>
+                <a:latin typeface="Helvetica" pitchFamily="2" charset="0"/>
+              </a:rPr>
+              <a:t>select</a:t>
+            </a:r>
+            <a:r>
+              <a:rPr lang="en-US" b="1" dirty="0">
+                <a:effectLst/>
+                <a:latin typeface="Helvetica" pitchFamily="2" charset="0"/>
+              </a:rPr>
+              <a:t> </a:t>
+            </a:r>
+            <a:r>
+              <a:rPr lang="en-US" b="1" dirty="0">
+                <a:solidFill>
+                  <a:srgbClr val="000080"/>
+                </a:solidFill>
+                <a:effectLst/>
+                <a:latin typeface="Helvetica" pitchFamily="2" charset="0"/>
+              </a:rPr>
+              <a:t>DATE_PART</a:t>
+            </a:r>
+            <a:r>
+              <a:rPr lang="en-US" b="1" dirty="0">
+                <a:effectLst/>
+                <a:latin typeface="Helvetica" pitchFamily="2" charset="0"/>
+              </a:rPr>
+              <a:t>(</a:t>
+            </a:r>
+            <a:r>
+              <a:rPr lang="en-US" b="1" dirty="0">
+                <a:solidFill>
+                  <a:srgbClr val="008000"/>
+                </a:solidFill>
+                <a:effectLst/>
+                <a:latin typeface="Helvetica" pitchFamily="2" charset="0"/>
+              </a:rPr>
+              <a:t>'year'</a:t>
+            </a:r>
+            <a:r>
+              <a:rPr lang="en-US" b="1" dirty="0">
+                <a:effectLst/>
+                <a:latin typeface="Helvetica" pitchFamily="2" charset="0"/>
+              </a:rPr>
+              <a:t>, </a:t>
+            </a:r>
+            <a:r>
+              <a:rPr lang="en-US" b="1" dirty="0" err="1">
+                <a:effectLst/>
+                <a:latin typeface="Helvetica" pitchFamily="2" charset="0"/>
+              </a:rPr>
+              <a:t>order_date</a:t>
+            </a:r>
+            <a:r>
+              <a:rPr lang="en-US" b="1" dirty="0">
+                <a:effectLst/>
+                <a:latin typeface="Helvetica" pitchFamily="2" charset="0"/>
+              </a:rPr>
+              <a:t>), </a:t>
+            </a:r>
+            <a:r>
+              <a:rPr lang="en-US" b="1" dirty="0">
+                <a:solidFill>
+                  <a:srgbClr val="000080"/>
+                </a:solidFill>
+                <a:effectLst/>
+                <a:latin typeface="Helvetica" pitchFamily="2" charset="0"/>
+              </a:rPr>
+              <a:t>sum</a:t>
+            </a:r>
+            <a:r>
+              <a:rPr lang="en-US" b="1" dirty="0">
+                <a:effectLst/>
+                <a:latin typeface="Helvetica" pitchFamily="2" charset="0"/>
+              </a:rPr>
+              <a:t>(sales) </a:t>
+            </a:r>
+            <a:r>
+              <a:rPr lang="en-US" b="1" dirty="0">
+                <a:solidFill>
+                  <a:srgbClr val="800000"/>
+                </a:solidFill>
+                <a:effectLst/>
+                <a:latin typeface="Helvetica" pitchFamily="2" charset="0"/>
+              </a:rPr>
+              <a:t>from</a:t>
+            </a:r>
+            <a:r>
+              <a:rPr lang="en-US" b="1" dirty="0">
+                <a:effectLst/>
+                <a:latin typeface="Helvetica" pitchFamily="2" charset="0"/>
+              </a:rPr>
+              <a:t> orders </a:t>
+            </a:r>
+            <a:r>
+              <a:rPr lang="en-US" b="1" dirty="0">
+                <a:solidFill>
+                  <a:srgbClr val="800000"/>
+                </a:solidFill>
+                <a:effectLst/>
+                <a:latin typeface="Helvetica" pitchFamily="2" charset="0"/>
+              </a:rPr>
+              <a:t>group</a:t>
+            </a:r>
+            <a:r>
+              <a:rPr lang="en-US" b="1" dirty="0">
+                <a:effectLst/>
+                <a:latin typeface="Helvetica" pitchFamily="2" charset="0"/>
+              </a:rPr>
+              <a:t> </a:t>
+            </a:r>
+            <a:r>
+              <a:rPr lang="en-US" b="1" dirty="0">
+                <a:solidFill>
+                  <a:srgbClr val="800000"/>
+                </a:solidFill>
+                <a:effectLst/>
+                <a:latin typeface="Helvetica" pitchFamily="2" charset="0"/>
+              </a:rPr>
+              <a:t>by</a:t>
+            </a:r>
+            <a:r>
+              <a:rPr lang="en-US" b="1" dirty="0">
+                <a:effectLst/>
+                <a:latin typeface="Helvetica" pitchFamily="2" charset="0"/>
+              </a:rPr>
+              <a:t> </a:t>
+            </a:r>
+            <a:r>
+              <a:rPr lang="en-US" b="1" dirty="0">
+                <a:solidFill>
+                  <a:srgbClr val="0000FF"/>
+                </a:solidFill>
+                <a:effectLst/>
+                <a:latin typeface="Helvetica" pitchFamily="2" charset="0"/>
+              </a:rPr>
+              <a:t>1</a:t>
+            </a:r>
+            <a:r>
+              <a:rPr lang="en-US" b="1" dirty="0">
+                <a:effectLst/>
+                <a:latin typeface="Helvetica" pitchFamily="2" charset="0"/>
+              </a:rPr>
+              <a:t> </a:t>
+            </a:r>
+          </a:p>
+          <a:p>
+            <a:pPr marL="457200" lvl="1" indent="0">
+              <a:buFontTx/>
+              <a:buNone/>
+            </a:pPr>
+            <a:r>
+              <a:rPr lang="en-US" b="1" dirty="0">
+                <a:solidFill>
+                  <a:srgbClr val="800000"/>
+                </a:solidFill>
+                <a:effectLst/>
+                <a:latin typeface="Helvetica" pitchFamily="2" charset="0"/>
+              </a:rPr>
+              <a:t>union</a:t>
+            </a:r>
+            <a:r>
+              <a:rPr lang="en-US" b="1" dirty="0">
+                <a:effectLst/>
+                <a:latin typeface="Helvetica" pitchFamily="2" charset="0"/>
+              </a:rPr>
+              <a:t> </a:t>
+            </a:r>
+            <a:r>
+              <a:rPr lang="en-US" b="1" dirty="0">
+                <a:solidFill>
+                  <a:srgbClr val="800000"/>
+                </a:solidFill>
+                <a:effectLst/>
+                <a:latin typeface="Helvetica" pitchFamily="2" charset="0"/>
+              </a:rPr>
+              <a:t>all</a:t>
+            </a:r>
+            <a:r>
+              <a:rPr lang="en-US" b="1" dirty="0">
+                <a:effectLst/>
+                <a:latin typeface="Helvetica" pitchFamily="2" charset="0"/>
+              </a:rPr>
+              <a:t> </a:t>
+            </a:r>
+          </a:p>
+          <a:p>
+            <a:pPr marL="457200" lvl="1" indent="0">
+              <a:buFontTx/>
+              <a:buNone/>
+            </a:pPr>
+            <a:r>
+              <a:rPr lang="en-US" b="1" dirty="0">
+                <a:solidFill>
+                  <a:srgbClr val="800000"/>
+                </a:solidFill>
+                <a:effectLst/>
+                <a:latin typeface="Helvetica" pitchFamily="2" charset="0"/>
+              </a:rPr>
+              <a:t>select</a:t>
+            </a:r>
+            <a:r>
+              <a:rPr lang="en-US" b="1" dirty="0">
+                <a:effectLst/>
+                <a:latin typeface="Helvetica" pitchFamily="2" charset="0"/>
+              </a:rPr>
+              <a:t> </a:t>
+            </a:r>
+            <a:r>
+              <a:rPr lang="en-US" b="1" dirty="0">
+                <a:solidFill>
+                  <a:srgbClr val="000080"/>
+                </a:solidFill>
+                <a:effectLst/>
+                <a:latin typeface="Helvetica" pitchFamily="2" charset="0"/>
+              </a:rPr>
+              <a:t>DATE_PART</a:t>
+            </a:r>
+            <a:r>
+              <a:rPr lang="en-US" b="1" dirty="0">
+                <a:effectLst/>
+                <a:latin typeface="Helvetica" pitchFamily="2" charset="0"/>
+              </a:rPr>
+              <a:t>(</a:t>
+            </a:r>
+            <a:r>
+              <a:rPr lang="en-US" b="1" dirty="0">
+                <a:solidFill>
+                  <a:srgbClr val="008000"/>
+                </a:solidFill>
+                <a:effectLst/>
+                <a:latin typeface="Helvetica" pitchFamily="2" charset="0"/>
+              </a:rPr>
+              <a:t>'year'</a:t>
+            </a:r>
+            <a:r>
+              <a:rPr lang="en-US" b="1" dirty="0">
+                <a:effectLst/>
+                <a:latin typeface="Helvetica" pitchFamily="2" charset="0"/>
+              </a:rPr>
+              <a:t>, </a:t>
+            </a:r>
+            <a:r>
+              <a:rPr lang="en-US" b="1" dirty="0" err="1">
+                <a:effectLst/>
+                <a:latin typeface="Helvetica" pitchFamily="2" charset="0"/>
+              </a:rPr>
+              <a:t>order_date</a:t>
+            </a:r>
+            <a:r>
+              <a:rPr lang="en-US" b="1" dirty="0">
+                <a:effectLst/>
+                <a:latin typeface="Helvetica" pitchFamily="2" charset="0"/>
+              </a:rPr>
+              <a:t>), </a:t>
+            </a:r>
+            <a:r>
+              <a:rPr lang="en-US" b="1" dirty="0">
+                <a:solidFill>
+                  <a:srgbClr val="000080"/>
+                </a:solidFill>
+                <a:effectLst/>
+                <a:latin typeface="Helvetica" pitchFamily="2" charset="0"/>
+              </a:rPr>
+              <a:t>sum</a:t>
+            </a:r>
+            <a:r>
+              <a:rPr lang="en-US" b="1" dirty="0">
+                <a:effectLst/>
+                <a:latin typeface="Helvetica" pitchFamily="2" charset="0"/>
+              </a:rPr>
+              <a:t>(sales) </a:t>
+            </a:r>
+            <a:r>
+              <a:rPr lang="en-US" b="1" dirty="0">
+                <a:solidFill>
+                  <a:srgbClr val="800000"/>
+                </a:solidFill>
+                <a:effectLst/>
+                <a:latin typeface="Helvetica" pitchFamily="2" charset="0"/>
+              </a:rPr>
+              <a:t>from</a:t>
+            </a:r>
+            <a:r>
+              <a:rPr lang="en-US" b="1" dirty="0">
+                <a:effectLst/>
+                <a:latin typeface="Helvetica" pitchFamily="2" charset="0"/>
+              </a:rPr>
+              <a:t> </a:t>
+            </a:r>
+            <a:r>
+              <a:rPr lang="en-US" b="1" dirty="0" err="1">
+                <a:effectLst/>
+                <a:latin typeface="Helvetica" pitchFamily="2" charset="0"/>
+              </a:rPr>
+              <a:t>archived_orders</a:t>
+            </a:r>
+            <a:r>
+              <a:rPr lang="en-US" b="1" dirty="0">
+                <a:effectLst/>
+                <a:latin typeface="Helvetica" pitchFamily="2" charset="0"/>
+              </a:rPr>
+              <a:t> </a:t>
+            </a:r>
+            <a:r>
+              <a:rPr lang="en-US" b="1" dirty="0">
+                <a:solidFill>
+                  <a:srgbClr val="800000"/>
+                </a:solidFill>
+                <a:effectLst/>
+                <a:latin typeface="Helvetica" pitchFamily="2" charset="0"/>
+              </a:rPr>
+              <a:t>group</a:t>
+            </a:r>
+            <a:r>
+              <a:rPr lang="en-US" b="1" dirty="0">
+                <a:effectLst/>
+                <a:latin typeface="Helvetica" pitchFamily="2" charset="0"/>
+              </a:rPr>
+              <a:t> </a:t>
+            </a:r>
+            <a:r>
+              <a:rPr lang="en-US" b="1" dirty="0">
+                <a:solidFill>
+                  <a:srgbClr val="800000"/>
+                </a:solidFill>
+                <a:effectLst/>
+                <a:latin typeface="Helvetica" pitchFamily="2" charset="0"/>
+              </a:rPr>
+              <a:t>by</a:t>
+            </a:r>
+            <a:r>
+              <a:rPr lang="en-US" b="1" dirty="0">
+                <a:effectLst/>
+                <a:latin typeface="Helvetica" pitchFamily="2" charset="0"/>
+              </a:rPr>
+              <a:t> </a:t>
+            </a:r>
+            <a:r>
+              <a:rPr lang="en-US" b="1" dirty="0">
+                <a:solidFill>
+                  <a:srgbClr val="0000FF"/>
+                </a:solidFill>
+                <a:effectLst/>
+                <a:latin typeface="Helvetica" pitchFamily="2" charset="0"/>
+              </a:rPr>
+              <a:t>1</a:t>
+            </a:r>
+          </a:p>
+          <a:p>
+            <a:pPr marL="457200" lvl="1" indent="0">
+              <a:buFontTx/>
+              <a:buNone/>
+            </a:pPr>
+            <a:endParaRPr lang="en-US" b="1" dirty="0">
+              <a:solidFill>
+                <a:srgbClr val="0000FF"/>
+              </a:solidFill>
+              <a:effectLst/>
+              <a:latin typeface="Helvetica" pitchFamily="2" charset="0"/>
+            </a:endParaRPr>
+          </a:p>
+          <a:p>
+            <a:pPr marL="171450" lvl="0" indent="-171450">
+              <a:buFont typeface="Arial" panose="020B0604020202020204" pitchFamily="34" charset="0"/>
+              <a:buChar char="•"/>
+            </a:pPr>
+            <a:r>
+              <a:rPr lang="en-US" b="0" dirty="0">
+                <a:solidFill>
+                  <a:srgbClr val="0000FF"/>
+                </a:solidFill>
+                <a:effectLst/>
+                <a:latin typeface="Helvetica" pitchFamily="2" charset="0"/>
+              </a:rPr>
+              <a:t>Another option we have is to union the </a:t>
+            </a:r>
+            <a:r>
+              <a:rPr lang="en-US" b="0" dirty="0" err="1">
+                <a:solidFill>
+                  <a:srgbClr val="0000FF"/>
+                </a:solidFill>
+                <a:effectLst/>
+                <a:latin typeface="Helvetica" pitchFamily="2" charset="0"/>
+              </a:rPr>
+              <a:t>granual</a:t>
+            </a:r>
+            <a:r>
+              <a:rPr lang="en-US" b="0" dirty="0">
+                <a:solidFill>
+                  <a:srgbClr val="0000FF"/>
+                </a:solidFill>
+                <a:effectLst/>
+                <a:latin typeface="Helvetica" pitchFamily="2" charset="0"/>
+              </a:rPr>
+              <a:t> tables and aggregate after the union. That looks like this: </a:t>
+            </a:r>
+          </a:p>
+          <a:p>
+            <a:pPr marL="171450" lvl="0" indent="-171450">
+              <a:buFont typeface="Arial" panose="020B0604020202020204" pitchFamily="34" charset="0"/>
+              <a:buChar char="•"/>
+            </a:pPr>
+            <a:endParaRPr lang="en-US" b="0" dirty="0">
+              <a:solidFill>
+                <a:srgbClr val="0000FF"/>
+              </a:solidFill>
+              <a:effectLst/>
+              <a:latin typeface="Helvetica" pitchFamily="2" charset="0"/>
+            </a:endParaRPr>
+          </a:p>
+          <a:p>
+            <a:pPr lvl="1"/>
+            <a:r>
+              <a:rPr lang="en-US" b="1" dirty="0">
+                <a:solidFill>
+                  <a:srgbClr val="800000"/>
+                </a:solidFill>
+                <a:effectLst/>
+                <a:latin typeface="Helvetica" pitchFamily="2" charset="0"/>
+              </a:rPr>
+              <a:t>select</a:t>
+            </a:r>
+            <a:r>
+              <a:rPr lang="en-US" b="1" dirty="0">
+                <a:effectLst/>
+                <a:latin typeface="Helvetica" pitchFamily="2" charset="0"/>
+              </a:rPr>
+              <a:t> </a:t>
+            </a:r>
+            <a:r>
+              <a:rPr lang="en-US" b="1" dirty="0">
+                <a:solidFill>
+                  <a:srgbClr val="000080"/>
+                </a:solidFill>
+                <a:effectLst/>
+                <a:latin typeface="Helvetica" pitchFamily="2" charset="0"/>
+              </a:rPr>
+              <a:t>extract</a:t>
+            </a:r>
+            <a:r>
+              <a:rPr lang="en-US" b="1" dirty="0">
+                <a:effectLst/>
+                <a:latin typeface="Helvetica" pitchFamily="2" charset="0"/>
+              </a:rPr>
+              <a:t>(</a:t>
+            </a:r>
+            <a:r>
+              <a:rPr lang="en-US" b="1" dirty="0">
+                <a:solidFill>
+                  <a:srgbClr val="008000"/>
+                </a:solidFill>
+                <a:effectLst/>
+                <a:latin typeface="Helvetica" pitchFamily="2" charset="0"/>
+              </a:rPr>
+              <a:t>'year’ from</a:t>
+            </a:r>
+            <a:r>
+              <a:rPr lang="en-US" b="1" dirty="0">
+                <a:effectLst/>
+                <a:latin typeface="Helvetica" pitchFamily="2" charset="0"/>
+              </a:rPr>
+              <a:t> </a:t>
+            </a:r>
+            <a:r>
+              <a:rPr lang="en-US" b="1" dirty="0" err="1">
+                <a:effectLst/>
+                <a:latin typeface="Helvetica" pitchFamily="2" charset="0"/>
+              </a:rPr>
+              <a:t>order_date</a:t>
+            </a:r>
+            <a:r>
+              <a:rPr lang="en-US" b="1" dirty="0">
+                <a:effectLst/>
+                <a:latin typeface="Helvetica" pitchFamily="2" charset="0"/>
+              </a:rPr>
+              <a:t>) </a:t>
+            </a:r>
+            <a:r>
+              <a:rPr lang="en-US" b="1" dirty="0" err="1">
+                <a:effectLst/>
+                <a:latin typeface="Helvetica" pitchFamily="2" charset="0"/>
+              </a:rPr>
+              <a:t>yr</a:t>
+            </a:r>
+            <a:r>
+              <a:rPr lang="en-US" b="1" dirty="0">
+                <a:effectLst/>
+                <a:latin typeface="Helvetica" pitchFamily="2" charset="0"/>
+              </a:rPr>
+              <a:t>, </a:t>
+            </a:r>
+            <a:r>
+              <a:rPr lang="en-US" b="1" dirty="0">
+                <a:solidFill>
+                  <a:srgbClr val="000080"/>
+                </a:solidFill>
+                <a:effectLst/>
+                <a:latin typeface="Helvetica" pitchFamily="2" charset="0"/>
+              </a:rPr>
+              <a:t>sum</a:t>
+            </a:r>
+            <a:r>
+              <a:rPr lang="en-US" b="1" dirty="0">
+                <a:effectLst/>
+                <a:latin typeface="Helvetica" pitchFamily="2" charset="0"/>
+              </a:rPr>
+              <a:t>(sales) </a:t>
+            </a:r>
+            <a:r>
+              <a:rPr lang="en-US" b="1" dirty="0" err="1">
+                <a:effectLst/>
+                <a:latin typeface="Helvetica" pitchFamily="2" charset="0"/>
+              </a:rPr>
+              <a:t>annual_sales</a:t>
+            </a:r>
+            <a:r>
+              <a:rPr lang="en-US" b="1" dirty="0">
+                <a:effectLst/>
+                <a:latin typeface="Helvetica" pitchFamily="2" charset="0"/>
+              </a:rPr>
+              <a:t> </a:t>
+            </a:r>
+          </a:p>
+          <a:p>
+            <a:pPr lvl="1"/>
+            <a:r>
+              <a:rPr lang="en-US" b="1" dirty="0">
+                <a:solidFill>
+                  <a:srgbClr val="800000"/>
+                </a:solidFill>
+                <a:effectLst/>
+                <a:latin typeface="Helvetica" pitchFamily="2" charset="0"/>
+              </a:rPr>
+              <a:t>FROM</a:t>
+            </a:r>
+            <a:r>
+              <a:rPr lang="en-US" b="1" dirty="0">
+                <a:effectLst/>
+                <a:latin typeface="Helvetica" pitchFamily="2" charset="0"/>
+              </a:rPr>
+              <a:t> </a:t>
+            </a:r>
+          </a:p>
+          <a:p>
+            <a:pPr lvl="1"/>
+            <a:r>
+              <a:rPr lang="en-US" b="1" dirty="0">
+                <a:effectLst/>
+                <a:latin typeface="Helvetica" pitchFamily="2" charset="0"/>
+              </a:rPr>
+              <a:t>(</a:t>
+            </a:r>
+            <a:r>
+              <a:rPr lang="en-US" b="1" dirty="0">
+                <a:solidFill>
+                  <a:srgbClr val="800000"/>
+                </a:solidFill>
+                <a:effectLst/>
+                <a:latin typeface="Helvetica" pitchFamily="2" charset="0"/>
+              </a:rPr>
+              <a:t>select</a:t>
+            </a:r>
+            <a:r>
+              <a:rPr lang="en-US" b="1" dirty="0">
+                <a:effectLst/>
+                <a:latin typeface="Helvetica" pitchFamily="2" charset="0"/>
+              </a:rPr>
+              <a:t> * </a:t>
+            </a:r>
+            <a:r>
+              <a:rPr lang="en-US" b="1" dirty="0">
+                <a:solidFill>
+                  <a:srgbClr val="800000"/>
+                </a:solidFill>
+                <a:effectLst/>
+                <a:latin typeface="Helvetica" pitchFamily="2" charset="0"/>
+              </a:rPr>
+              <a:t>from</a:t>
+            </a:r>
+            <a:r>
+              <a:rPr lang="en-US" b="1" dirty="0">
+                <a:effectLst/>
+                <a:latin typeface="Helvetica" pitchFamily="2" charset="0"/>
+              </a:rPr>
+              <a:t> orders </a:t>
+            </a:r>
+            <a:r>
+              <a:rPr lang="en-US" b="1" dirty="0">
+                <a:solidFill>
+                  <a:srgbClr val="800000"/>
+                </a:solidFill>
+                <a:effectLst/>
+                <a:latin typeface="Helvetica" pitchFamily="2" charset="0"/>
+              </a:rPr>
+              <a:t>union</a:t>
+            </a:r>
+            <a:r>
+              <a:rPr lang="en-US" b="1" dirty="0">
+                <a:effectLst/>
+                <a:latin typeface="Helvetica" pitchFamily="2" charset="0"/>
+              </a:rPr>
+              <a:t> </a:t>
+            </a:r>
+            <a:r>
+              <a:rPr lang="en-US" b="1" dirty="0">
+                <a:solidFill>
+                  <a:srgbClr val="800000"/>
+                </a:solidFill>
+                <a:effectLst/>
+                <a:latin typeface="Helvetica" pitchFamily="2" charset="0"/>
+              </a:rPr>
+              <a:t>all</a:t>
+            </a:r>
+            <a:r>
+              <a:rPr lang="en-US" b="1" dirty="0">
+                <a:effectLst/>
+                <a:latin typeface="Helvetica" pitchFamily="2" charset="0"/>
+              </a:rPr>
+              <a:t> </a:t>
+            </a:r>
+            <a:r>
+              <a:rPr lang="en-US" b="1" dirty="0">
+                <a:solidFill>
+                  <a:srgbClr val="800000"/>
+                </a:solidFill>
+                <a:effectLst/>
+                <a:latin typeface="Helvetica" pitchFamily="2" charset="0"/>
+              </a:rPr>
+              <a:t>select</a:t>
+            </a:r>
+            <a:r>
+              <a:rPr lang="en-US" b="1" dirty="0">
+                <a:effectLst/>
+                <a:latin typeface="Helvetica" pitchFamily="2" charset="0"/>
+              </a:rPr>
+              <a:t> * </a:t>
+            </a:r>
+            <a:r>
+              <a:rPr lang="en-US" b="1" dirty="0">
+                <a:solidFill>
+                  <a:srgbClr val="800000"/>
+                </a:solidFill>
+                <a:effectLst/>
+                <a:latin typeface="Helvetica" pitchFamily="2" charset="0"/>
+              </a:rPr>
+              <a:t>from</a:t>
+            </a:r>
+            <a:r>
+              <a:rPr lang="en-US" b="1" dirty="0">
+                <a:effectLst/>
+                <a:latin typeface="Helvetica" pitchFamily="2" charset="0"/>
+              </a:rPr>
+              <a:t> </a:t>
+            </a:r>
+            <a:r>
+              <a:rPr lang="en-US" b="1" dirty="0" err="1">
+                <a:effectLst/>
+                <a:latin typeface="Helvetica" pitchFamily="2" charset="0"/>
+              </a:rPr>
+              <a:t>archived_orders</a:t>
+            </a:r>
+            <a:r>
+              <a:rPr lang="en-US" b="1" dirty="0">
+                <a:effectLst/>
+                <a:latin typeface="Helvetica" pitchFamily="2" charset="0"/>
+              </a:rPr>
+              <a:t>) </a:t>
+            </a:r>
+            <a:r>
+              <a:rPr lang="en-US" b="1" dirty="0">
+                <a:solidFill>
+                  <a:srgbClr val="800000"/>
+                </a:solidFill>
+                <a:effectLst/>
+                <a:latin typeface="Helvetica" pitchFamily="2" charset="0"/>
+              </a:rPr>
+              <a:t>group</a:t>
+            </a:r>
+            <a:r>
+              <a:rPr lang="en-US" b="1" dirty="0">
+                <a:effectLst/>
+                <a:latin typeface="Helvetica" pitchFamily="2" charset="0"/>
+              </a:rPr>
+              <a:t> </a:t>
+            </a:r>
+            <a:r>
+              <a:rPr lang="en-US" b="1" dirty="0">
+                <a:solidFill>
+                  <a:srgbClr val="800000"/>
+                </a:solidFill>
+                <a:effectLst/>
+                <a:latin typeface="Helvetica" pitchFamily="2" charset="0"/>
+              </a:rPr>
+              <a:t>by</a:t>
+            </a:r>
+            <a:r>
+              <a:rPr lang="en-US" b="1" dirty="0">
+                <a:effectLst/>
+                <a:latin typeface="Helvetica" pitchFamily="2" charset="0"/>
+              </a:rPr>
+              <a:t> </a:t>
+            </a:r>
+            <a:r>
+              <a:rPr lang="en-US" b="1" dirty="0">
+                <a:solidFill>
+                  <a:srgbClr val="0000FF"/>
+                </a:solidFill>
+                <a:effectLst/>
+                <a:latin typeface="Helvetica" pitchFamily="2" charset="0"/>
+              </a:rPr>
+              <a:t>1</a:t>
+            </a:r>
+          </a:p>
+          <a:p>
+            <a:pPr lvl="1"/>
+            <a:endParaRPr lang="en-US" b="1" dirty="0">
+              <a:solidFill>
+                <a:srgbClr val="0000FF"/>
+              </a:solidFill>
+              <a:effectLst/>
+              <a:latin typeface="Helvetica" pitchFamily="2" charset="0"/>
+            </a:endParaRPr>
+          </a:p>
+          <a:p>
+            <a:pPr lvl="1"/>
+            <a:endParaRPr lang="en-US" b="1" dirty="0">
+              <a:solidFill>
+                <a:srgbClr val="0000FF"/>
+              </a:solidFill>
+              <a:effectLst/>
+              <a:latin typeface="Helvetica" pitchFamily="2" charset="0"/>
+            </a:endParaRPr>
+          </a:p>
+        </p:txBody>
+      </p:sp>
+      <p:sp>
+        <p:nvSpPr>
+          <p:cNvPr id="4" name="Slide Number Placeholder 3"/>
+          <p:cNvSpPr>
+            <a:spLocks noGrp="1"/>
+          </p:cNvSpPr>
+          <p:nvPr>
+            <p:ph type="sldNum" sz="quarter" idx="5"/>
+          </p:nvPr>
+        </p:nvSpPr>
+        <p:spPr/>
+        <p:txBody>
+          <a:bodyPr/>
+          <a:lstStyle/>
+          <a:p>
+            <a:fld id="{871B2431-D351-4C6E-A3CF-9DFAC0E3E050}" type="slidenum">
+              <a:rPr lang="cs-CZ" smtClean="0"/>
+              <a:t>8</a:t>
+            </a:fld>
+            <a:endParaRPr lang="cs-CZ"/>
+          </a:p>
+        </p:txBody>
+      </p:sp>
+    </p:spTree>
+    <p:extLst>
+      <p:ext uri="{BB962C8B-B14F-4D97-AF65-F5344CB8AC3E}">
+        <p14:creationId xmlns:p14="http://schemas.microsoft.com/office/powerpoint/2010/main" val="3907098478"/>
+      </p:ext>
+    </p:extLst>
+  </p:cSld>
+  <p:clrMapOvr>
+    <a:masterClrMapping/>
+  </p:clrMapOvr>
+</p:notes>
+</file>
+
+<file path=ppt/notesSlides/notesSlide9.xml><?xml version="1.0" encoding="utf-8"?>
+<p:notes xmlns:a="http://schemas.openxmlformats.org/drawingml/2006/main" xmlns:r="http://schemas.openxmlformats.org/officeDocument/2006/relationships" xmlns:p="http://schemas.openxmlformats.org/presentationml/2006/main">
+  <p:cSld>
+    <p:spTree>
+      <p:nvGrpSpPr>
+        <p:cNvPr id="1" name=""/>
+        <p:cNvGrpSpPr/>
+        <p:nvPr/>
+      </p:nvGrpSpPr>
+      <p:grpSpPr>
+        <a:xfrm>
+          <a:off x="0" y="0"/>
+          <a:ext cx="0" cy="0"/>
+          <a:chOff x="0" y="0"/>
+          <a:chExt cx="0" cy="0"/>
+        </a:xfrm>
+      </p:grpSpPr>
+      <p:sp>
+        <p:nvSpPr>
+          <p:cNvPr id="2" name="Slide Image Placeholder 1"/>
+          <p:cNvSpPr>
+            <a:spLocks noGrp="1" noRot="1" noChangeAspect="1"/>
+          </p:cNvSpPr>
+          <p:nvPr>
+            <p:ph type="sldImg"/>
+          </p:nvPr>
+        </p:nvSpPr>
+        <p:spPr>
+          <a:xfrm>
+            <a:off x="2290763" y="512763"/>
+            <a:ext cx="4562475" cy="2566987"/>
+          </a:xfrm>
+        </p:spPr>
+      </p:sp>
+      <p:sp>
+        <p:nvSpPr>
+          <p:cNvPr id="3" name="Notes Placeholder 2"/>
+          <p:cNvSpPr>
+            <a:spLocks noGrp="1"/>
+          </p:cNvSpPr>
+          <p:nvPr>
+            <p:ph type="body" idx="1"/>
+          </p:nvPr>
+        </p:nvSpPr>
+        <p:spPr/>
+        <p:txBody>
+          <a:bodyPr/>
+          <a:lstStyle/>
+          <a:p>
+            <a:pPr marL="171450" indent="-171450">
+              <a:buFont typeface="Arial" panose="020B0604020202020204" pitchFamily="34" charset="0"/>
+              <a:buChar char="•"/>
+            </a:pPr>
+            <a:r>
+              <a:rPr lang="en-US" dirty="0"/>
+              <a:t>Before we move on to our next exercise, there is some filtering that I want to apply to this result set. </a:t>
+            </a:r>
+          </a:p>
+          <a:p>
+            <a:pPr marL="171450" indent="-171450">
+              <a:buFont typeface="Arial" panose="020B0604020202020204" pitchFamily="34" charset="0"/>
+              <a:buChar char="•"/>
+            </a:pPr>
+            <a:r>
+              <a:rPr lang="en-US" dirty="0"/>
+              <a:t>I want to remove the null rows from the year field – this is an indication of erroneous rows / bad quality </a:t>
+            </a:r>
+          </a:p>
+          <a:p>
+            <a:pPr marL="171450" indent="-171450">
+              <a:buFont typeface="Arial" panose="020B0604020202020204" pitchFamily="34" charset="0"/>
+              <a:buChar char="•"/>
+            </a:pPr>
+            <a:r>
+              <a:rPr lang="en-US" dirty="0"/>
+              <a:t>To do this I will use the not operator and pair it will null keyword </a:t>
+            </a:r>
+          </a:p>
+          <a:p>
+            <a:pPr marL="0" indent="0">
+              <a:buFont typeface="Arial" panose="020B0604020202020204" pitchFamily="34" charset="0"/>
+              <a:buNone/>
+            </a:pPr>
+            <a:endParaRPr lang="en-US" dirty="0"/>
+          </a:p>
+          <a:p>
+            <a:pPr marL="457200" marR="0" lvl="1" indent="0" algn="l" defTabSz="914400" rtl="0" eaLnBrk="1" fontAlgn="auto" latinLnBrk="0" hangingPunct="1">
+              <a:lnSpc>
+                <a:spcPct val="100000"/>
+              </a:lnSpc>
+              <a:spcBef>
+                <a:spcPts val="0"/>
+              </a:spcBef>
+              <a:spcAft>
+                <a:spcPts val="0"/>
+              </a:spcAft>
+              <a:buClrTx/>
+              <a:buSzTx/>
+              <a:buFont typeface="Arial" panose="020B0604020202020204" pitchFamily="34" charset="0"/>
+              <a:buNone/>
+              <a:tabLst/>
+              <a:defRPr/>
+            </a:pPr>
+            <a:r>
+              <a:rPr lang="en-US" b="1" dirty="0">
+                <a:solidFill>
+                  <a:srgbClr val="800000"/>
+                </a:solidFill>
+                <a:effectLst/>
+                <a:latin typeface="Helvetica" pitchFamily="2" charset="0"/>
+              </a:rPr>
+              <a:t>select</a:t>
+            </a:r>
+            <a:r>
+              <a:rPr lang="en-US" b="1" dirty="0">
+                <a:effectLst/>
+                <a:latin typeface="Helvetica" pitchFamily="2" charset="0"/>
+              </a:rPr>
+              <a:t> </a:t>
+            </a:r>
+            <a:r>
+              <a:rPr lang="en-US" b="1" dirty="0" err="1">
+                <a:solidFill>
+                  <a:srgbClr val="000080"/>
+                </a:solidFill>
+                <a:effectLst/>
+                <a:latin typeface="Helvetica" pitchFamily="2" charset="0"/>
+              </a:rPr>
+              <a:t>date_part</a:t>
+            </a:r>
+            <a:r>
+              <a:rPr lang="en-US" b="1" dirty="0">
+                <a:effectLst/>
+                <a:latin typeface="Helvetica" pitchFamily="2" charset="0"/>
+              </a:rPr>
+              <a:t>(</a:t>
+            </a:r>
+            <a:r>
+              <a:rPr lang="en-US" b="1" dirty="0">
+                <a:solidFill>
+                  <a:srgbClr val="008000"/>
+                </a:solidFill>
+                <a:effectLst/>
+                <a:latin typeface="Helvetica" pitchFamily="2" charset="0"/>
+              </a:rPr>
+              <a:t>'year'</a:t>
+            </a:r>
+            <a:r>
+              <a:rPr lang="en-US" b="1" dirty="0">
+                <a:effectLst/>
+                <a:latin typeface="Helvetica" pitchFamily="2" charset="0"/>
+              </a:rPr>
+              <a:t>, </a:t>
+            </a:r>
+            <a:r>
+              <a:rPr lang="en-US" b="1" dirty="0" err="1">
+                <a:effectLst/>
+                <a:latin typeface="Helvetica" pitchFamily="2" charset="0"/>
+              </a:rPr>
+              <a:t>order_date</a:t>
+            </a:r>
+            <a:r>
+              <a:rPr lang="en-US" b="1" dirty="0">
+                <a:effectLst/>
+                <a:latin typeface="Helvetica" pitchFamily="2" charset="0"/>
+              </a:rPr>
+              <a:t>) </a:t>
+            </a:r>
+            <a:r>
+              <a:rPr lang="en-US" b="1" dirty="0" err="1">
+                <a:effectLst/>
+                <a:latin typeface="Helvetica" pitchFamily="2" charset="0"/>
+              </a:rPr>
+              <a:t>yr</a:t>
+            </a:r>
+            <a:r>
+              <a:rPr lang="en-US" b="1" dirty="0">
+                <a:effectLst/>
+                <a:latin typeface="Helvetica" pitchFamily="2" charset="0"/>
+              </a:rPr>
+              <a:t>, </a:t>
+            </a:r>
+            <a:r>
+              <a:rPr lang="en-US" b="1" dirty="0">
+                <a:solidFill>
+                  <a:srgbClr val="000080"/>
+                </a:solidFill>
+                <a:effectLst/>
+                <a:latin typeface="Helvetica" pitchFamily="2" charset="0"/>
+              </a:rPr>
+              <a:t>sum</a:t>
+            </a:r>
+            <a:r>
+              <a:rPr lang="en-US" b="1" dirty="0">
+                <a:effectLst/>
+                <a:latin typeface="Helvetica" pitchFamily="2" charset="0"/>
+              </a:rPr>
+              <a:t>(sales) </a:t>
+            </a:r>
+            <a:r>
+              <a:rPr lang="en-US" b="1" dirty="0" err="1">
+                <a:effectLst/>
+                <a:latin typeface="Helvetica" pitchFamily="2" charset="0"/>
+              </a:rPr>
+              <a:t>annual_sales</a:t>
+            </a:r>
+            <a:r>
+              <a:rPr lang="en-US" b="1" dirty="0">
+                <a:effectLst/>
+                <a:latin typeface="Helvetica" pitchFamily="2" charset="0"/>
+              </a:rPr>
+              <a:t> </a:t>
+            </a:r>
+            <a:r>
+              <a:rPr lang="en-US" b="1" dirty="0">
+                <a:solidFill>
+                  <a:srgbClr val="800000"/>
+                </a:solidFill>
+                <a:effectLst/>
+                <a:latin typeface="Helvetica" pitchFamily="2" charset="0"/>
+              </a:rPr>
+              <a:t>FROM</a:t>
+            </a:r>
+            <a:r>
+              <a:rPr lang="en-US" b="1" dirty="0">
+                <a:effectLst/>
+                <a:latin typeface="Helvetica" pitchFamily="2" charset="0"/>
+              </a:rPr>
+              <a:t> (</a:t>
+            </a:r>
+            <a:r>
+              <a:rPr lang="en-US" b="1" dirty="0">
+                <a:solidFill>
+                  <a:srgbClr val="800000"/>
+                </a:solidFill>
+                <a:effectLst/>
+                <a:latin typeface="Helvetica" pitchFamily="2" charset="0"/>
+              </a:rPr>
+              <a:t>select</a:t>
+            </a:r>
+            <a:r>
+              <a:rPr lang="en-US" b="1" dirty="0">
+                <a:effectLst/>
+                <a:latin typeface="Helvetica" pitchFamily="2" charset="0"/>
+              </a:rPr>
+              <a:t> * </a:t>
+            </a:r>
+            <a:r>
+              <a:rPr lang="en-US" b="1" dirty="0">
+                <a:solidFill>
+                  <a:srgbClr val="800000"/>
+                </a:solidFill>
+                <a:effectLst/>
+                <a:latin typeface="Helvetica" pitchFamily="2" charset="0"/>
+              </a:rPr>
+              <a:t>from</a:t>
+            </a:r>
+            <a:r>
+              <a:rPr lang="en-US" b="1" dirty="0">
+                <a:effectLst/>
+                <a:latin typeface="Helvetica" pitchFamily="2" charset="0"/>
+              </a:rPr>
+              <a:t> orders </a:t>
+            </a:r>
+            <a:r>
+              <a:rPr lang="en-US" b="1" dirty="0">
+                <a:solidFill>
+                  <a:srgbClr val="800000"/>
+                </a:solidFill>
+                <a:effectLst/>
+                <a:latin typeface="Helvetica" pitchFamily="2" charset="0"/>
+              </a:rPr>
+              <a:t>union</a:t>
+            </a:r>
+            <a:r>
+              <a:rPr lang="en-US" b="1" dirty="0">
+                <a:effectLst/>
+                <a:latin typeface="Helvetica" pitchFamily="2" charset="0"/>
+              </a:rPr>
+              <a:t> </a:t>
+            </a:r>
+            <a:r>
+              <a:rPr lang="en-US" b="1" dirty="0">
+                <a:solidFill>
+                  <a:srgbClr val="800000"/>
+                </a:solidFill>
+                <a:effectLst/>
+                <a:latin typeface="Helvetica" pitchFamily="2" charset="0"/>
+              </a:rPr>
+              <a:t>all</a:t>
+            </a:r>
+            <a:r>
+              <a:rPr lang="en-US" b="1" dirty="0">
+                <a:effectLst/>
+                <a:latin typeface="Helvetica" pitchFamily="2" charset="0"/>
+              </a:rPr>
+              <a:t> </a:t>
+            </a:r>
+            <a:r>
+              <a:rPr lang="en-US" b="1" dirty="0">
+                <a:solidFill>
+                  <a:srgbClr val="800000"/>
+                </a:solidFill>
+                <a:effectLst/>
+                <a:latin typeface="Helvetica" pitchFamily="2" charset="0"/>
+              </a:rPr>
+              <a:t>select</a:t>
+            </a:r>
+            <a:r>
+              <a:rPr lang="en-US" b="1" dirty="0">
+                <a:effectLst/>
+                <a:latin typeface="Helvetica" pitchFamily="2" charset="0"/>
+              </a:rPr>
+              <a:t> * </a:t>
+            </a:r>
+            <a:r>
+              <a:rPr lang="en-US" b="1" dirty="0">
+                <a:solidFill>
+                  <a:srgbClr val="800000"/>
+                </a:solidFill>
+                <a:effectLst/>
+                <a:latin typeface="Helvetica" pitchFamily="2" charset="0"/>
+              </a:rPr>
+              <a:t>from</a:t>
+            </a:r>
+            <a:r>
+              <a:rPr lang="en-US" b="1" dirty="0">
+                <a:effectLst/>
+                <a:latin typeface="Helvetica" pitchFamily="2" charset="0"/>
+              </a:rPr>
+              <a:t> </a:t>
+            </a:r>
+            <a:r>
+              <a:rPr lang="en-US" b="1" dirty="0" err="1">
+                <a:effectLst/>
+                <a:latin typeface="Helvetica" pitchFamily="2" charset="0"/>
+              </a:rPr>
+              <a:t>archived_orders</a:t>
+            </a:r>
+            <a:r>
+              <a:rPr lang="en-US" b="1" dirty="0">
+                <a:effectLst/>
+                <a:latin typeface="Helvetica" pitchFamily="2" charset="0"/>
+              </a:rPr>
+              <a:t>) </a:t>
+            </a:r>
+            <a:r>
+              <a:rPr lang="en-US" b="1" dirty="0">
+                <a:solidFill>
+                  <a:srgbClr val="800000"/>
+                </a:solidFill>
+                <a:effectLst/>
+                <a:latin typeface="Helvetica" pitchFamily="2" charset="0"/>
+              </a:rPr>
+              <a:t>where</a:t>
+            </a:r>
+            <a:r>
+              <a:rPr lang="en-US" b="1" dirty="0">
+                <a:effectLst/>
+                <a:latin typeface="Helvetica" pitchFamily="2" charset="0"/>
+              </a:rPr>
+              <a:t> </a:t>
+            </a:r>
+            <a:r>
+              <a:rPr lang="en-US" b="1" dirty="0">
+                <a:solidFill>
+                  <a:srgbClr val="000080"/>
+                </a:solidFill>
+                <a:effectLst/>
+                <a:latin typeface="Helvetica" pitchFamily="2" charset="0"/>
+              </a:rPr>
+              <a:t>DATE_PART</a:t>
+            </a:r>
+            <a:r>
+              <a:rPr lang="en-US" b="1" dirty="0">
+                <a:effectLst/>
+                <a:latin typeface="Helvetica" pitchFamily="2" charset="0"/>
+              </a:rPr>
+              <a:t>(</a:t>
+            </a:r>
+            <a:r>
+              <a:rPr lang="en-US" b="1" dirty="0">
+                <a:solidFill>
+                  <a:srgbClr val="008000"/>
+                </a:solidFill>
+                <a:effectLst/>
+                <a:latin typeface="Helvetica" pitchFamily="2" charset="0"/>
+              </a:rPr>
+              <a:t>'year'</a:t>
+            </a:r>
+            <a:r>
+              <a:rPr lang="en-US" b="1" dirty="0">
+                <a:effectLst/>
+                <a:latin typeface="Helvetica" pitchFamily="2" charset="0"/>
+              </a:rPr>
+              <a:t>, </a:t>
+            </a:r>
+            <a:r>
+              <a:rPr lang="en-US" b="1" dirty="0" err="1">
+                <a:effectLst/>
+                <a:latin typeface="Helvetica" pitchFamily="2" charset="0"/>
+              </a:rPr>
+              <a:t>order_date</a:t>
+            </a:r>
+            <a:r>
+              <a:rPr lang="en-US" b="1" dirty="0">
+                <a:effectLst/>
+                <a:latin typeface="Helvetica" pitchFamily="2" charset="0"/>
+              </a:rPr>
+              <a:t>) </a:t>
+            </a:r>
+            <a:r>
+              <a:rPr lang="en-US" b="1" dirty="0">
+                <a:solidFill>
+                  <a:srgbClr val="800000"/>
+                </a:solidFill>
+                <a:effectLst/>
+                <a:latin typeface="Helvetica" pitchFamily="2" charset="0"/>
+              </a:rPr>
+              <a:t>is</a:t>
+            </a:r>
+            <a:r>
+              <a:rPr lang="en-US" b="1" dirty="0">
+                <a:effectLst/>
+                <a:latin typeface="Helvetica" pitchFamily="2" charset="0"/>
+              </a:rPr>
+              <a:t> </a:t>
+            </a:r>
+            <a:r>
+              <a:rPr lang="en-US" b="1" dirty="0">
+                <a:solidFill>
+                  <a:srgbClr val="800000"/>
+                </a:solidFill>
+                <a:effectLst/>
+                <a:latin typeface="Helvetica" pitchFamily="2" charset="0"/>
+              </a:rPr>
+              <a:t>not</a:t>
+            </a:r>
+            <a:r>
+              <a:rPr lang="en-US" b="1" dirty="0">
+                <a:effectLst/>
+                <a:latin typeface="Helvetica" pitchFamily="2" charset="0"/>
+              </a:rPr>
+              <a:t> </a:t>
+            </a:r>
+            <a:r>
+              <a:rPr lang="en-US" b="1" dirty="0">
+                <a:solidFill>
+                  <a:srgbClr val="800000"/>
+                </a:solidFill>
+                <a:effectLst/>
+                <a:latin typeface="Helvetica" pitchFamily="2" charset="0"/>
+              </a:rPr>
+              <a:t>null</a:t>
+            </a:r>
+            <a:r>
+              <a:rPr lang="en-US" b="1" dirty="0">
+                <a:effectLst/>
+                <a:latin typeface="Helvetica" pitchFamily="2" charset="0"/>
+              </a:rPr>
+              <a:t> </a:t>
+            </a:r>
+            <a:r>
+              <a:rPr lang="en-US" b="1" dirty="0">
+                <a:solidFill>
+                  <a:srgbClr val="800000"/>
+                </a:solidFill>
+                <a:effectLst/>
+                <a:latin typeface="Helvetica" pitchFamily="2" charset="0"/>
+              </a:rPr>
+              <a:t>group</a:t>
+            </a:r>
+            <a:r>
+              <a:rPr lang="en-US" b="1" dirty="0">
+                <a:effectLst/>
+                <a:latin typeface="Helvetica" pitchFamily="2" charset="0"/>
+              </a:rPr>
+              <a:t> </a:t>
+            </a:r>
+            <a:r>
+              <a:rPr lang="en-US" b="1" dirty="0">
+                <a:solidFill>
+                  <a:srgbClr val="800000"/>
+                </a:solidFill>
+                <a:effectLst/>
+                <a:latin typeface="Helvetica" pitchFamily="2" charset="0"/>
+              </a:rPr>
+              <a:t>by</a:t>
+            </a:r>
+            <a:r>
+              <a:rPr lang="en-US" b="1" dirty="0">
+                <a:effectLst/>
+                <a:latin typeface="Helvetica" pitchFamily="2" charset="0"/>
+              </a:rPr>
+              <a:t> </a:t>
+            </a:r>
+            <a:r>
+              <a:rPr lang="en-US" b="1" dirty="0">
+                <a:solidFill>
+                  <a:srgbClr val="0000FF"/>
+                </a:solidFill>
+                <a:effectLst/>
+                <a:latin typeface="Helvetica" pitchFamily="2" charset="0"/>
+              </a:rPr>
+              <a:t>1</a:t>
+            </a:r>
+          </a:p>
+          <a:p>
+            <a:pPr marL="0" marR="0" lvl="0" indent="0" algn="l" defTabSz="914400" rtl="0" eaLnBrk="1" fontAlgn="auto" latinLnBrk="0" hangingPunct="1">
+              <a:lnSpc>
+                <a:spcPct val="100000"/>
+              </a:lnSpc>
+              <a:spcBef>
+                <a:spcPts val="0"/>
+              </a:spcBef>
+              <a:spcAft>
+                <a:spcPts val="0"/>
+              </a:spcAft>
+              <a:buClrTx/>
+              <a:buSzTx/>
+              <a:buFont typeface="Arial" panose="020B0604020202020204" pitchFamily="34" charset="0"/>
+              <a:buNone/>
+              <a:tabLst/>
+              <a:defRPr/>
+            </a:pPr>
+            <a:endParaRPr lang="en-US" b="0" dirty="0">
+              <a:solidFill>
+                <a:srgbClr val="0000FF"/>
+              </a:solidFill>
+              <a:effectLst/>
+              <a:latin typeface="Helvetica" pitchFamily="2" charset="0"/>
+            </a:endParaRPr>
+          </a:p>
+          <a:p>
+            <a:pPr marL="171450" marR="0" lvl="0" indent="-171450" algn="l" defTabSz="914400" rtl="0" eaLnBrk="1" fontAlgn="auto" latinLnBrk="0" hangingPunct="1">
+              <a:lnSpc>
+                <a:spcPct val="100000"/>
+              </a:lnSpc>
+              <a:spcBef>
+                <a:spcPts val="0"/>
+              </a:spcBef>
+              <a:spcAft>
+                <a:spcPts val="0"/>
+              </a:spcAft>
+              <a:buClrTx/>
+              <a:buSzTx/>
+              <a:buFont typeface="Arial" panose="020B0604020202020204" pitchFamily="34" charset="0"/>
+              <a:buChar char="•"/>
+              <a:tabLst/>
+              <a:defRPr/>
+            </a:pPr>
+            <a:r>
+              <a:rPr lang="en-US" b="0" dirty="0">
+                <a:solidFill>
+                  <a:srgbClr val="0000FF"/>
+                </a:solidFill>
+                <a:effectLst/>
+                <a:latin typeface="Helvetica" pitchFamily="2" charset="0"/>
+              </a:rPr>
+              <a:t>Again – this is a pretty aggregated data frame, but you can do the same transformation for a more detailed table with any column you suspect has erroneous records or null rows</a:t>
+            </a:r>
+          </a:p>
+          <a:p>
+            <a:pPr marL="171450" marR="0" lvl="0" indent="-171450" algn="l" defTabSz="914400" rtl="0" eaLnBrk="1" fontAlgn="auto" latinLnBrk="0" hangingPunct="1">
+              <a:lnSpc>
+                <a:spcPct val="100000"/>
+              </a:lnSpc>
+              <a:spcBef>
+                <a:spcPts val="0"/>
+              </a:spcBef>
+              <a:spcAft>
+                <a:spcPts val="0"/>
+              </a:spcAft>
+              <a:buClrTx/>
+              <a:buSzTx/>
+              <a:buFont typeface="Arial" panose="020B0604020202020204" pitchFamily="34" charset="0"/>
+              <a:buChar char="•"/>
+              <a:tabLst/>
+              <a:defRPr/>
+            </a:pPr>
+            <a:endParaRPr lang="en-US" b="0" dirty="0">
+              <a:solidFill>
+                <a:srgbClr val="0000FF"/>
+              </a:solidFill>
+              <a:effectLst/>
+              <a:latin typeface="Helvetica" pitchFamily="2" charset="0"/>
+            </a:endParaRPr>
+          </a:p>
+          <a:p>
+            <a:pPr marL="171450" marR="0" lvl="0" indent="-171450" algn="l" defTabSz="914400" rtl="0" eaLnBrk="1" fontAlgn="auto" latinLnBrk="0" hangingPunct="1">
+              <a:lnSpc>
+                <a:spcPct val="100000"/>
+              </a:lnSpc>
+              <a:spcBef>
+                <a:spcPts val="0"/>
+              </a:spcBef>
+              <a:spcAft>
+                <a:spcPts val="0"/>
+              </a:spcAft>
+              <a:buClrTx/>
+              <a:buSzTx/>
+              <a:buFont typeface="Arial" panose="020B0604020202020204" pitchFamily="34" charset="0"/>
+              <a:buChar char="•"/>
+              <a:tabLst/>
+              <a:defRPr/>
+            </a:pPr>
+            <a:r>
+              <a:rPr lang="en-US" b="0" dirty="0">
+                <a:solidFill>
+                  <a:srgbClr val="0000FF"/>
+                </a:solidFill>
+                <a:effectLst/>
+                <a:latin typeface="Helvetica" pitchFamily="2" charset="0"/>
+              </a:rPr>
+              <a:t>Let’s start by filter to region first – this should be straightforward if we remember our select | from | where trifold.</a:t>
+            </a:r>
+          </a:p>
+          <a:p>
+            <a:pPr marL="171450" marR="0" lvl="0" indent="-171450" algn="l" defTabSz="914400" rtl="0" eaLnBrk="1" fontAlgn="auto" latinLnBrk="0" hangingPunct="1">
+              <a:lnSpc>
+                <a:spcPct val="100000"/>
+              </a:lnSpc>
+              <a:spcBef>
+                <a:spcPts val="0"/>
+              </a:spcBef>
+              <a:spcAft>
+                <a:spcPts val="0"/>
+              </a:spcAft>
+              <a:buClrTx/>
+              <a:buSzTx/>
+              <a:buFont typeface="Arial" panose="020B0604020202020204" pitchFamily="34" charset="0"/>
+              <a:buChar char="•"/>
+              <a:tabLst/>
+              <a:defRPr/>
+            </a:pPr>
+            <a:r>
+              <a:rPr lang="en-US" b="0" dirty="0">
+                <a:solidFill>
+                  <a:srgbClr val="0000FF"/>
+                </a:solidFill>
+                <a:effectLst/>
+                <a:latin typeface="Helvetica" pitchFamily="2" charset="0"/>
+              </a:rPr>
+              <a:t>We can select the columns that we’re interested in and then filter where region = ‘East’</a:t>
+            </a:r>
+          </a:p>
+          <a:p>
+            <a:pPr marL="0" marR="0" lvl="0" indent="0" algn="l" defTabSz="914400" rtl="0" eaLnBrk="1" fontAlgn="auto" latinLnBrk="0" hangingPunct="1">
+              <a:lnSpc>
+                <a:spcPct val="100000"/>
+              </a:lnSpc>
+              <a:spcBef>
+                <a:spcPts val="0"/>
+              </a:spcBef>
+              <a:spcAft>
+                <a:spcPts val="0"/>
+              </a:spcAft>
+              <a:buClrTx/>
+              <a:buSzTx/>
+              <a:buFont typeface="Arial" panose="020B0604020202020204" pitchFamily="34" charset="0"/>
+              <a:buNone/>
+              <a:tabLst/>
+              <a:defRPr/>
+            </a:pPr>
+            <a:endParaRPr lang="en-US" b="0" dirty="0">
+              <a:solidFill>
+                <a:srgbClr val="0000FF"/>
+              </a:solidFill>
+              <a:effectLst/>
+              <a:latin typeface="Helvetica" pitchFamily="2" charset="0"/>
+            </a:endParaRPr>
+          </a:p>
+          <a:p>
+            <a:pPr lvl="1"/>
+            <a:r>
+              <a:rPr lang="en-US" b="1" dirty="0">
+                <a:solidFill>
+                  <a:srgbClr val="800000"/>
+                </a:solidFill>
+                <a:effectLst/>
+                <a:latin typeface="Helvetica" pitchFamily="2" charset="0"/>
+              </a:rPr>
+              <a:t>select</a:t>
+            </a:r>
+            <a:r>
+              <a:rPr lang="en-US" b="1" dirty="0">
+                <a:solidFill>
+                  <a:srgbClr val="000000"/>
+                </a:solidFill>
+                <a:effectLst/>
+                <a:latin typeface="Helvetica" pitchFamily="2" charset="0"/>
+              </a:rPr>
+              <a:t> </a:t>
+            </a:r>
+            <a:endParaRPr lang="en-US" b="1" dirty="0">
+              <a:solidFill>
+                <a:srgbClr val="800000"/>
+              </a:solidFill>
+              <a:effectLst/>
+              <a:latin typeface="Helvetica" pitchFamily="2" charset="0"/>
+            </a:endParaRPr>
+          </a:p>
+          <a:p>
+            <a:pPr lvl="1"/>
+            <a:r>
+              <a:rPr lang="en-US" b="1" dirty="0" err="1">
+                <a:effectLst/>
+                <a:latin typeface="Helvetica" pitchFamily="2" charset="0"/>
+              </a:rPr>
+              <a:t>c.customer_name,c.customer_id</a:t>
+            </a:r>
+            <a:endParaRPr lang="en-US" b="1" dirty="0">
+              <a:effectLst/>
+              <a:latin typeface="Helvetica" pitchFamily="2" charset="0"/>
+            </a:endParaRPr>
+          </a:p>
+          <a:p>
+            <a:pPr lvl="1"/>
+            <a:r>
+              <a:rPr lang="en-US" b="1" dirty="0">
+                <a:solidFill>
+                  <a:srgbClr val="800000"/>
+                </a:solidFill>
+                <a:effectLst/>
+                <a:latin typeface="Helvetica" pitchFamily="2" charset="0"/>
+              </a:rPr>
+              <a:t>from</a:t>
+            </a:r>
+            <a:r>
+              <a:rPr lang="en-US" b="1" dirty="0">
+                <a:solidFill>
+                  <a:srgbClr val="000000"/>
+                </a:solidFill>
+                <a:effectLst/>
+                <a:latin typeface="Helvetica" pitchFamily="2" charset="0"/>
+              </a:rPr>
+              <a:t> </a:t>
+            </a:r>
+            <a:endParaRPr lang="en-US" b="1" dirty="0">
+              <a:solidFill>
+                <a:srgbClr val="800000"/>
+              </a:solidFill>
+              <a:effectLst/>
+              <a:latin typeface="Helvetica" pitchFamily="2" charset="0"/>
+            </a:endParaRPr>
+          </a:p>
+          <a:p>
+            <a:pPr lvl="1"/>
+            <a:r>
+              <a:rPr lang="en-US" b="1" dirty="0">
+                <a:effectLst/>
+                <a:latin typeface="Helvetica" pitchFamily="2" charset="0"/>
+              </a:rPr>
+              <a:t>customers c </a:t>
+            </a:r>
+          </a:p>
+          <a:p>
+            <a:pPr lvl="1"/>
+            <a:r>
+              <a:rPr lang="en-US" b="1" dirty="0">
+                <a:solidFill>
+                  <a:srgbClr val="800000"/>
+                </a:solidFill>
+                <a:effectLst/>
+                <a:latin typeface="Helvetica" pitchFamily="2" charset="0"/>
+              </a:rPr>
+              <a:t>where</a:t>
+            </a:r>
+            <a:r>
+              <a:rPr lang="en-US" b="1" dirty="0">
+                <a:effectLst/>
+                <a:latin typeface="Helvetica" pitchFamily="2" charset="0"/>
+              </a:rPr>
+              <a:t> </a:t>
+            </a:r>
+            <a:r>
+              <a:rPr lang="en-US" b="1" dirty="0" err="1">
+                <a:effectLst/>
+                <a:latin typeface="Helvetica" pitchFamily="2" charset="0"/>
+              </a:rPr>
+              <a:t>c.region</a:t>
+            </a:r>
+            <a:r>
+              <a:rPr lang="en-US" b="1" dirty="0">
+                <a:effectLst/>
+                <a:latin typeface="Helvetica" pitchFamily="2" charset="0"/>
+              </a:rPr>
+              <a:t> = </a:t>
+            </a:r>
+            <a:r>
+              <a:rPr lang="en-US" b="1" dirty="0">
+                <a:solidFill>
+                  <a:srgbClr val="008000"/>
+                </a:solidFill>
+                <a:effectLst/>
+                <a:latin typeface="Helvetica" pitchFamily="2" charset="0"/>
+              </a:rPr>
+              <a:t>'East'</a:t>
+            </a:r>
+            <a:endParaRPr lang="en-US" b="1" dirty="0">
+              <a:effectLst/>
+              <a:latin typeface="Helvetica" pitchFamily="2" charset="0"/>
+            </a:endParaRPr>
+          </a:p>
+          <a:p>
+            <a:pPr lvl="1"/>
+            <a:r>
+              <a:rPr lang="en-US" b="1" dirty="0">
+                <a:solidFill>
+                  <a:srgbClr val="800000"/>
+                </a:solidFill>
+                <a:effectLst/>
+                <a:latin typeface="Helvetica" pitchFamily="2" charset="0"/>
+              </a:rPr>
+              <a:t>group</a:t>
+            </a:r>
+            <a:r>
+              <a:rPr lang="en-US" b="1" dirty="0">
+                <a:solidFill>
+                  <a:srgbClr val="000000"/>
+                </a:solidFill>
+                <a:effectLst/>
+                <a:latin typeface="Helvetica" pitchFamily="2" charset="0"/>
+              </a:rPr>
+              <a:t> </a:t>
+            </a:r>
+            <a:r>
+              <a:rPr lang="en-US" b="1" dirty="0">
+                <a:solidFill>
+                  <a:srgbClr val="800000"/>
+                </a:solidFill>
+                <a:effectLst/>
+                <a:latin typeface="Helvetica" pitchFamily="2" charset="0"/>
+              </a:rPr>
+              <a:t>by</a:t>
+            </a:r>
+            <a:r>
+              <a:rPr lang="en-US" b="1" dirty="0">
+                <a:solidFill>
+                  <a:srgbClr val="000000"/>
+                </a:solidFill>
+                <a:effectLst/>
+                <a:latin typeface="Helvetica" pitchFamily="2" charset="0"/>
+              </a:rPr>
+              <a:t> </a:t>
+            </a:r>
+            <a:r>
+              <a:rPr lang="en-US" b="1" dirty="0">
+                <a:solidFill>
+                  <a:srgbClr val="0000FF"/>
+                </a:solidFill>
+                <a:effectLst/>
+                <a:latin typeface="Helvetica" pitchFamily="2" charset="0"/>
+              </a:rPr>
+              <a:t>1</a:t>
+            </a:r>
+            <a:r>
+              <a:rPr lang="en-US" b="1" dirty="0">
+                <a:solidFill>
+                  <a:srgbClr val="000000"/>
+                </a:solidFill>
+                <a:effectLst/>
+                <a:latin typeface="Helvetica" pitchFamily="2" charset="0"/>
+              </a:rPr>
+              <a:t>,</a:t>
+            </a:r>
+            <a:r>
+              <a:rPr lang="en-US" b="1" dirty="0">
+                <a:solidFill>
+                  <a:srgbClr val="0000FF"/>
+                </a:solidFill>
+                <a:effectLst/>
+                <a:latin typeface="Helvetica" pitchFamily="2" charset="0"/>
+              </a:rPr>
+              <a:t>2</a:t>
+            </a:r>
+            <a:r>
+              <a:rPr lang="en-US" b="1" dirty="0">
+                <a:solidFill>
+                  <a:srgbClr val="000000"/>
+                </a:solidFill>
+                <a:effectLst/>
+                <a:latin typeface="Helvetica" pitchFamily="2" charset="0"/>
+              </a:rPr>
+              <a:t> </a:t>
+            </a:r>
+            <a:r>
+              <a:rPr lang="en-US" b="1" dirty="0">
+                <a:solidFill>
+                  <a:srgbClr val="800000"/>
+                </a:solidFill>
+                <a:effectLst/>
+                <a:latin typeface="Helvetica" pitchFamily="2" charset="0"/>
+              </a:rPr>
+              <a:t>order</a:t>
+            </a:r>
+            <a:r>
+              <a:rPr lang="en-US" b="1" dirty="0">
+                <a:solidFill>
+                  <a:srgbClr val="000000"/>
+                </a:solidFill>
+                <a:effectLst/>
+                <a:latin typeface="Helvetica" pitchFamily="2" charset="0"/>
+              </a:rPr>
+              <a:t> </a:t>
+            </a:r>
+            <a:r>
+              <a:rPr lang="en-US" b="1" dirty="0">
+                <a:solidFill>
+                  <a:srgbClr val="800000"/>
+                </a:solidFill>
+                <a:effectLst/>
+                <a:latin typeface="Helvetica" pitchFamily="2" charset="0"/>
+              </a:rPr>
+              <a:t>by</a:t>
+            </a:r>
+            <a:r>
+              <a:rPr lang="en-US" b="1" dirty="0">
+                <a:solidFill>
+                  <a:srgbClr val="000000"/>
+                </a:solidFill>
+                <a:effectLst/>
+                <a:latin typeface="Helvetica" pitchFamily="2" charset="0"/>
+              </a:rPr>
+              <a:t> </a:t>
+            </a:r>
+            <a:r>
+              <a:rPr lang="en-US" b="1" dirty="0">
+                <a:solidFill>
+                  <a:srgbClr val="000080"/>
+                </a:solidFill>
+                <a:effectLst/>
+                <a:latin typeface="Helvetica" pitchFamily="2" charset="0"/>
+              </a:rPr>
+              <a:t>count</a:t>
+            </a:r>
+            <a:r>
+              <a:rPr lang="en-US" b="1" dirty="0">
+                <a:solidFill>
+                  <a:srgbClr val="000000"/>
+                </a:solidFill>
+                <a:effectLst/>
+                <a:latin typeface="Helvetica" pitchFamily="2" charset="0"/>
+              </a:rPr>
+              <a:t>(</a:t>
+            </a:r>
+            <a:r>
+              <a:rPr lang="en-US" b="1" dirty="0">
+                <a:solidFill>
+                  <a:srgbClr val="800000"/>
+                </a:solidFill>
+                <a:effectLst/>
+                <a:latin typeface="Helvetica" pitchFamily="2" charset="0"/>
+              </a:rPr>
+              <a:t>distinct</a:t>
+            </a:r>
+            <a:r>
+              <a:rPr lang="en-US" b="1" dirty="0">
+                <a:solidFill>
+                  <a:srgbClr val="000000"/>
+                </a:solidFill>
+                <a:effectLst/>
+                <a:latin typeface="Helvetica" pitchFamily="2" charset="0"/>
+              </a:rPr>
+              <a:t> </a:t>
+            </a:r>
+            <a:r>
+              <a:rPr lang="en-US" b="1" dirty="0" err="1">
+                <a:solidFill>
+                  <a:srgbClr val="000000"/>
+                </a:solidFill>
+                <a:effectLst/>
+                <a:latin typeface="Helvetica" pitchFamily="2" charset="0"/>
+              </a:rPr>
+              <a:t>o.order_id</a:t>
+            </a:r>
+            <a:r>
+              <a:rPr lang="en-US" b="1" dirty="0">
+                <a:solidFill>
+                  <a:srgbClr val="000000"/>
+                </a:solidFill>
+                <a:effectLst/>
+                <a:latin typeface="Helvetica" pitchFamily="2" charset="0"/>
+              </a:rPr>
+              <a:t>) </a:t>
+            </a:r>
+            <a:r>
+              <a:rPr lang="en-US" b="1" dirty="0">
+                <a:solidFill>
+                  <a:srgbClr val="800000"/>
+                </a:solidFill>
+                <a:effectLst/>
+                <a:latin typeface="Helvetica" pitchFamily="2" charset="0"/>
+              </a:rPr>
+              <a:t>ASC</a:t>
+            </a:r>
+            <a:r>
+              <a:rPr lang="en-US" b="1" dirty="0">
+                <a:solidFill>
+                  <a:srgbClr val="000000"/>
+                </a:solidFill>
+                <a:effectLst/>
+                <a:latin typeface="Helvetica" pitchFamily="2" charset="0"/>
+              </a:rPr>
+              <a:t> </a:t>
+            </a:r>
+          </a:p>
+          <a:p>
+            <a:pPr lvl="1"/>
+            <a:endParaRPr lang="en-US" b="1" dirty="0">
+              <a:solidFill>
+                <a:srgbClr val="000000"/>
+              </a:solidFill>
+              <a:effectLst/>
+              <a:latin typeface="Helvetica" pitchFamily="2" charset="0"/>
+            </a:endParaRPr>
+          </a:p>
+          <a:p>
+            <a:pPr lvl="1"/>
+            <a:endParaRPr lang="en-US" b="1" dirty="0">
+              <a:solidFill>
+                <a:srgbClr val="000000"/>
+              </a:solidFill>
+              <a:effectLst/>
+              <a:latin typeface="Helvetica" pitchFamily="2" charset="0"/>
+            </a:endParaRPr>
+          </a:p>
+          <a:p>
+            <a:pPr marL="171450" lvl="0" indent="-171450">
+              <a:buFont typeface="Arial" panose="020B0604020202020204" pitchFamily="34" charset="0"/>
+              <a:buChar char="•"/>
+            </a:pPr>
+            <a:r>
+              <a:rPr lang="en-US" b="0" dirty="0">
+                <a:solidFill>
+                  <a:srgbClr val="000000"/>
+                </a:solidFill>
+                <a:effectLst/>
+                <a:latin typeface="Helvetica" pitchFamily="2" charset="0"/>
+              </a:rPr>
+              <a:t>I think we’re ready to enrich our data with a new field – let’s identify which customers are existing and which ones are new</a:t>
+            </a:r>
+          </a:p>
+          <a:p>
+            <a:pPr marL="171450" lvl="0" indent="-171450">
+              <a:buFont typeface="Arial" panose="020B0604020202020204" pitchFamily="34" charset="0"/>
+              <a:buChar char="•"/>
+            </a:pPr>
+            <a:r>
+              <a:rPr lang="en-US" b="0" dirty="0">
+                <a:solidFill>
+                  <a:srgbClr val="000000"/>
+                </a:solidFill>
+                <a:effectLst/>
+                <a:latin typeface="Helvetica" pitchFamily="2" charset="0"/>
+              </a:rPr>
+              <a:t>To do this we’ll need to use information from two tables – orders and customers</a:t>
+            </a:r>
+          </a:p>
+          <a:p>
+            <a:pPr marL="171450" lvl="0" indent="-171450">
+              <a:buFont typeface="Arial" panose="020B0604020202020204" pitchFamily="34" charset="0"/>
+              <a:buChar char="•"/>
+            </a:pPr>
+            <a:r>
+              <a:rPr lang="en-US" b="0" dirty="0">
+                <a:solidFill>
+                  <a:srgbClr val="000000"/>
+                </a:solidFill>
+                <a:effectLst/>
+                <a:latin typeface="Helvetica" pitchFamily="2" charset="0"/>
+              </a:rPr>
+              <a:t>Let’s start by pulling customer name and order id from the tables</a:t>
+            </a:r>
+          </a:p>
+          <a:p>
+            <a:pPr marL="171450" lvl="0" indent="-171450">
+              <a:buFont typeface="Arial" panose="020B0604020202020204" pitchFamily="34" charset="0"/>
+              <a:buChar char="•"/>
+            </a:pPr>
+            <a:endParaRPr lang="en-US" b="0" dirty="0">
+              <a:solidFill>
+                <a:srgbClr val="000000"/>
+              </a:solidFill>
+              <a:effectLst/>
+              <a:latin typeface="Helvetica" pitchFamily="2" charset="0"/>
+            </a:endParaRPr>
+          </a:p>
+          <a:p>
+            <a:pPr marL="457200" lvl="1" indent="0">
+              <a:buFont typeface="Arial" panose="020B0604020202020204" pitchFamily="34" charset="0"/>
+              <a:buNone/>
+            </a:pPr>
+            <a:r>
+              <a:rPr lang="en-US" b="1" dirty="0">
+                <a:solidFill>
+                  <a:srgbClr val="000000"/>
+                </a:solidFill>
+                <a:effectLst/>
+                <a:latin typeface="Helvetica" pitchFamily="2" charset="0"/>
+              </a:rPr>
+              <a:t>select </a:t>
+            </a:r>
+            <a:r>
+              <a:rPr lang="en-US" b="1" dirty="0" err="1">
+                <a:solidFill>
+                  <a:srgbClr val="000000"/>
+                </a:solidFill>
+                <a:effectLst/>
+                <a:latin typeface="Helvetica" pitchFamily="2" charset="0"/>
+              </a:rPr>
+              <a:t>customer_name</a:t>
+            </a:r>
+            <a:r>
+              <a:rPr lang="en-US" b="1" dirty="0">
+                <a:solidFill>
+                  <a:srgbClr val="000000"/>
+                </a:solidFill>
+                <a:effectLst/>
+                <a:latin typeface="Helvetica" pitchFamily="2" charset="0"/>
+              </a:rPr>
+              <a:t>, </a:t>
+            </a:r>
+            <a:r>
+              <a:rPr lang="en-US" b="1" dirty="0" err="1">
+                <a:solidFill>
+                  <a:srgbClr val="000000"/>
+                </a:solidFill>
+                <a:effectLst/>
+                <a:latin typeface="Helvetica" pitchFamily="2" charset="0"/>
+              </a:rPr>
+              <a:t>customer_id</a:t>
+            </a:r>
+            <a:r>
+              <a:rPr lang="en-US" b="1" dirty="0">
+                <a:solidFill>
+                  <a:srgbClr val="000000"/>
+                </a:solidFill>
+                <a:effectLst/>
+                <a:latin typeface="Helvetica" pitchFamily="2" charset="0"/>
+              </a:rPr>
+              <a:t>, </a:t>
+            </a:r>
+            <a:r>
+              <a:rPr lang="en-US" b="1" dirty="0" err="1">
+                <a:solidFill>
+                  <a:srgbClr val="000000"/>
+                </a:solidFill>
+                <a:effectLst/>
+                <a:latin typeface="Helvetica" pitchFamily="2" charset="0"/>
+              </a:rPr>
+              <a:t>order_id</a:t>
+            </a:r>
+            <a:r>
+              <a:rPr lang="en-US" b="1" dirty="0">
+                <a:solidFill>
+                  <a:srgbClr val="000000"/>
+                </a:solidFill>
+                <a:effectLst/>
+                <a:latin typeface="Helvetica" pitchFamily="2" charset="0"/>
+              </a:rPr>
+              <a:t> from customers c left join orders o on </a:t>
+            </a:r>
+            <a:r>
+              <a:rPr lang="en-US" b="1" dirty="0" err="1">
+                <a:solidFill>
+                  <a:srgbClr val="000000"/>
+                </a:solidFill>
+                <a:effectLst/>
+                <a:latin typeface="Helvetica" pitchFamily="2" charset="0"/>
+              </a:rPr>
+              <a:t>c.customer_id</a:t>
+            </a:r>
+            <a:r>
+              <a:rPr lang="en-US" b="1" dirty="0">
+                <a:solidFill>
+                  <a:srgbClr val="000000"/>
+                </a:solidFill>
+                <a:effectLst/>
+                <a:latin typeface="Helvetica" pitchFamily="2" charset="0"/>
+              </a:rPr>
+              <a:t> = </a:t>
+            </a:r>
+            <a:r>
+              <a:rPr lang="en-US" b="1" dirty="0" err="1">
+                <a:solidFill>
+                  <a:srgbClr val="000000"/>
+                </a:solidFill>
+                <a:effectLst/>
+                <a:latin typeface="Helvetica" pitchFamily="2" charset="0"/>
+              </a:rPr>
+              <a:t>o.customer_id</a:t>
+            </a:r>
+            <a:endParaRPr lang="en-US" b="1" dirty="0">
+              <a:solidFill>
+                <a:srgbClr val="000000"/>
+              </a:solidFill>
+              <a:effectLst/>
+              <a:latin typeface="Helvetica" pitchFamily="2" charset="0"/>
+            </a:endParaRPr>
+          </a:p>
+          <a:p>
+            <a:pPr marL="457200" lvl="1" indent="0">
+              <a:buFont typeface="Arial" panose="020B0604020202020204" pitchFamily="34" charset="0"/>
+              <a:buNone/>
+            </a:pPr>
+            <a:endParaRPr lang="en-US" b="1" dirty="0">
+              <a:solidFill>
+                <a:srgbClr val="000000"/>
+              </a:solidFill>
+              <a:effectLst/>
+              <a:latin typeface="Helvetica" pitchFamily="2" charset="0"/>
+            </a:endParaRPr>
+          </a:p>
+          <a:p>
+            <a:pPr marL="171450" lvl="0" indent="-171450" algn="l">
+              <a:buFont typeface="Arial" panose="020B0604020202020204" pitchFamily="34" charset="0"/>
+              <a:buChar char="•"/>
+            </a:pPr>
+            <a:r>
+              <a:rPr lang="en-US" b="0" dirty="0">
+                <a:solidFill>
+                  <a:srgbClr val="000000"/>
+                </a:solidFill>
+                <a:effectLst/>
+                <a:latin typeface="Helvetica" pitchFamily="2" charset="0"/>
+              </a:rPr>
+              <a:t>We don’t need the order information, just the distinct count of orders that the customer has made. So let’s transform the query to do that by applying an aggregation to the </a:t>
+            </a:r>
+            <a:r>
+              <a:rPr lang="en-US" b="0" dirty="0" err="1">
+                <a:solidFill>
+                  <a:srgbClr val="000000"/>
+                </a:solidFill>
+                <a:effectLst/>
+                <a:latin typeface="Helvetica" pitchFamily="2" charset="0"/>
+              </a:rPr>
+              <a:t>order_id</a:t>
+            </a:r>
+            <a:r>
+              <a:rPr lang="en-US" b="0" dirty="0">
+                <a:solidFill>
+                  <a:srgbClr val="000000"/>
+                </a:solidFill>
+                <a:effectLst/>
+                <a:latin typeface="Helvetica" pitchFamily="2" charset="0"/>
+              </a:rPr>
+              <a:t>…a distinct count</a:t>
+            </a:r>
+          </a:p>
+          <a:p>
+            <a:pPr marL="0" lvl="0" indent="0" algn="l">
+              <a:buFont typeface="Arial" panose="020B0604020202020204" pitchFamily="34" charset="0"/>
+              <a:buNone/>
+            </a:pPr>
+            <a:endParaRPr lang="en-US" b="0" dirty="0">
+              <a:solidFill>
+                <a:srgbClr val="000000"/>
+              </a:solidFill>
+              <a:effectLst/>
+              <a:latin typeface="Helvetica" pitchFamily="2" charset="0"/>
+            </a:endParaRPr>
+          </a:p>
+          <a:p>
+            <a:pPr marL="457200" marR="0" lvl="1" indent="0" algn="l" defTabSz="914400" rtl="0" eaLnBrk="1" fontAlgn="auto" latinLnBrk="0" hangingPunct="1">
+              <a:lnSpc>
+                <a:spcPct val="100000"/>
+              </a:lnSpc>
+              <a:spcBef>
+                <a:spcPts val="0"/>
+              </a:spcBef>
+              <a:spcAft>
+                <a:spcPts val="0"/>
+              </a:spcAft>
+              <a:buClrTx/>
+              <a:buSzTx/>
+              <a:buFontTx/>
+              <a:buNone/>
+              <a:tabLst/>
+              <a:defRPr/>
+            </a:pPr>
+            <a:r>
+              <a:rPr lang="en-US" b="1" dirty="0">
+                <a:solidFill>
+                  <a:srgbClr val="800000"/>
+                </a:solidFill>
+                <a:effectLst/>
+                <a:latin typeface="Helvetica" pitchFamily="2" charset="0"/>
+              </a:rPr>
+              <a:t>select</a:t>
+            </a:r>
+            <a:r>
+              <a:rPr lang="en-US" b="1" dirty="0">
+                <a:effectLst/>
+                <a:latin typeface="Helvetica" pitchFamily="2" charset="0"/>
+              </a:rPr>
+              <a:t> </a:t>
+            </a:r>
+            <a:r>
+              <a:rPr lang="en-US" b="1" dirty="0" err="1">
+                <a:effectLst/>
+                <a:latin typeface="Helvetica" pitchFamily="2" charset="0"/>
+              </a:rPr>
+              <a:t>c.customer_name,c.customer_id</a:t>
+            </a:r>
+            <a:r>
+              <a:rPr lang="en-US" b="1" dirty="0">
+                <a:effectLst/>
+                <a:latin typeface="Helvetica" pitchFamily="2" charset="0"/>
+              </a:rPr>
+              <a:t>, </a:t>
+            </a:r>
+            <a:r>
+              <a:rPr lang="en-US" b="1" dirty="0">
+                <a:solidFill>
+                  <a:srgbClr val="000080"/>
+                </a:solidFill>
+                <a:effectLst/>
+                <a:latin typeface="Helvetica" pitchFamily="2" charset="0"/>
+              </a:rPr>
+              <a:t>count</a:t>
+            </a:r>
+            <a:r>
+              <a:rPr lang="en-US" b="1" dirty="0">
+                <a:effectLst/>
+                <a:latin typeface="Helvetica" pitchFamily="2" charset="0"/>
+              </a:rPr>
+              <a:t>(</a:t>
+            </a:r>
+            <a:r>
+              <a:rPr lang="en-US" b="1" dirty="0">
+                <a:solidFill>
+                  <a:srgbClr val="800000"/>
+                </a:solidFill>
+                <a:effectLst/>
+                <a:latin typeface="Helvetica" pitchFamily="2" charset="0"/>
+              </a:rPr>
+              <a:t>distinct</a:t>
+            </a:r>
+            <a:r>
+              <a:rPr lang="en-US" b="1" dirty="0">
+                <a:effectLst/>
+                <a:latin typeface="Helvetica" pitchFamily="2" charset="0"/>
+              </a:rPr>
+              <a:t> </a:t>
+            </a:r>
+            <a:r>
+              <a:rPr lang="en-US" b="1" dirty="0" err="1">
+                <a:effectLst/>
+                <a:latin typeface="Helvetica" pitchFamily="2" charset="0"/>
+              </a:rPr>
+              <a:t>o.order_id</a:t>
+            </a:r>
+            <a:r>
+              <a:rPr lang="en-US" b="1" dirty="0">
+                <a:effectLst/>
+                <a:latin typeface="Helvetica" pitchFamily="2" charset="0"/>
+              </a:rPr>
+              <a:t>) </a:t>
+            </a:r>
+            <a:r>
+              <a:rPr lang="en-US" b="1" dirty="0">
+                <a:solidFill>
+                  <a:srgbClr val="800000"/>
+                </a:solidFill>
+                <a:effectLst/>
+                <a:latin typeface="Helvetica" pitchFamily="2" charset="0"/>
+              </a:rPr>
+              <a:t>from</a:t>
+            </a:r>
+            <a:r>
+              <a:rPr lang="en-US" b="1" dirty="0">
+                <a:effectLst/>
+                <a:latin typeface="Helvetica" pitchFamily="2" charset="0"/>
+              </a:rPr>
+              <a:t> customers c </a:t>
+            </a:r>
+            <a:r>
+              <a:rPr lang="en-US" b="1" dirty="0">
+                <a:solidFill>
+                  <a:srgbClr val="000080"/>
+                </a:solidFill>
+                <a:effectLst/>
+                <a:latin typeface="Helvetica" pitchFamily="2" charset="0"/>
+              </a:rPr>
+              <a:t>left</a:t>
+            </a:r>
+            <a:r>
+              <a:rPr lang="en-US" b="1" dirty="0">
+                <a:effectLst/>
+                <a:latin typeface="Helvetica" pitchFamily="2" charset="0"/>
+              </a:rPr>
+              <a:t> </a:t>
+            </a:r>
+            <a:r>
+              <a:rPr lang="en-US" b="1" dirty="0">
+                <a:solidFill>
+                  <a:srgbClr val="800000"/>
+                </a:solidFill>
+                <a:effectLst/>
+                <a:latin typeface="Helvetica" pitchFamily="2" charset="0"/>
+              </a:rPr>
+              <a:t>join</a:t>
+            </a:r>
+            <a:r>
+              <a:rPr lang="en-US" b="1" dirty="0">
+                <a:effectLst/>
+                <a:latin typeface="Helvetica" pitchFamily="2" charset="0"/>
+              </a:rPr>
+              <a:t> orders o </a:t>
+            </a:r>
+            <a:r>
+              <a:rPr lang="en-US" b="1" dirty="0">
+                <a:solidFill>
+                  <a:srgbClr val="800000"/>
+                </a:solidFill>
+                <a:effectLst/>
+                <a:latin typeface="Helvetica" pitchFamily="2" charset="0"/>
+              </a:rPr>
+              <a:t>on</a:t>
+            </a:r>
+            <a:r>
+              <a:rPr lang="en-US" b="1" dirty="0">
+                <a:effectLst/>
+                <a:latin typeface="Helvetica" pitchFamily="2" charset="0"/>
+              </a:rPr>
+              <a:t> </a:t>
+            </a:r>
+            <a:r>
+              <a:rPr lang="en-US" b="1" dirty="0" err="1">
+                <a:effectLst/>
+                <a:latin typeface="Helvetica" pitchFamily="2" charset="0"/>
+              </a:rPr>
+              <a:t>c.customer_id</a:t>
+            </a:r>
+            <a:r>
+              <a:rPr lang="en-US" b="1" dirty="0">
+                <a:effectLst/>
+                <a:latin typeface="Helvetica" pitchFamily="2" charset="0"/>
+              </a:rPr>
+              <a:t>  = </a:t>
+            </a:r>
+            <a:r>
+              <a:rPr lang="en-US" b="1" dirty="0" err="1">
+                <a:effectLst/>
+                <a:latin typeface="Helvetica" pitchFamily="2" charset="0"/>
+              </a:rPr>
+              <a:t>o.customer_id</a:t>
+            </a:r>
+            <a:r>
+              <a:rPr lang="en-US" b="1" dirty="0">
+                <a:effectLst/>
+                <a:latin typeface="Helvetica" pitchFamily="2" charset="0"/>
+              </a:rPr>
+              <a:t> </a:t>
+            </a:r>
+            <a:r>
+              <a:rPr lang="en-US" b="1" dirty="0">
+                <a:solidFill>
+                  <a:srgbClr val="800000"/>
+                </a:solidFill>
+                <a:effectLst/>
+                <a:latin typeface="Helvetica" pitchFamily="2" charset="0"/>
+              </a:rPr>
+              <a:t>group</a:t>
+            </a:r>
+            <a:r>
+              <a:rPr lang="en-US" b="1" dirty="0">
+                <a:effectLst/>
+                <a:latin typeface="Helvetica" pitchFamily="2" charset="0"/>
+              </a:rPr>
+              <a:t> </a:t>
+            </a:r>
+            <a:r>
+              <a:rPr lang="en-US" b="1" dirty="0">
+                <a:solidFill>
+                  <a:srgbClr val="800000"/>
+                </a:solidFill>
+                <a:effectLst/>
+                <a:latin typeface="Helvetica" pitchFamily="2" charset="0"/>
+              </a:rPr>
+              <a:t>by</a:t>
+            </a:r>
+            <a:r>
+              <a:rPr lang="en-US" b="1" dirty="0">
+                <a:effectLst/>
+                <a:latin typeface="Helvetica" pitchFamily="2" charset="0"/>
+              </a:rPr>
+              <a:t> </a:t>
+            </a:r>
+            <a:r>
+              <a:rPr lang="en-US" b="1" dirty="0">
+                <a:solidFill>
+                  <a:srgbClr val="0000FF"/>
+                </a:solidFill>
+                <a:effectLst/>
+                <a:latin typeface="Helvetica" pitchFamily="2" charset="0"/>
+              </a:rPr>
+              <a:t>1</a:t>
+            </a:r>
+            <a:r>
+              <a:rPr lang="en-US" b="1" dirty="0">
+                <a:effectLst/>
+                <a:latin typeface="Helvetica" pitchFamily="2" charset="0"/>
+              </a:rPr>
+              <a:t>,</a:t>
+            </a:r>
+            <a:r>
+              <a:rPr lang="en-US" b="1" dirty="0">
+                <a:solidFill>
+                  <a:srgbClr val="0000FF"/>
+                </a:solidFill>
+                <a:effectLst/>
+                <a:latin typeface="Helvetica" pitchFamily="2" charset="0"/>
+              </a:rPr>
+              <a:t>2 </a:t>
+            </a:r>
+            <a:r>
+              <a:rPr lang="en-US" b="1" dirty="0">
+                <a:solidFill>
+                  <a:srgbClr val="800000"/>
+                </a:solidFill>
+                <a:effectLst/>
+                <a:latin typeface="Helvetica" pitchFamily="2" charset="0"/>
+              </a:rPr>
+              <a:t>order</a:t>
+            </a:r>
+            <a:r>
+              <a:rPr lang="en-US" dirty="0">
+                <a:solidFill>
+                  <a:srgbClr val="000000"/>
+                </a:solidFill>
+                <a:effectLst/>
+                <a:latin typeface="Helvetica" pitchFamily="2" charset="0"/>
+              </a:rPr>
+              <a:t> </a:t>
+            </a:r>
+            <a:r>
+              <a:rPr lang="en-US" b="1" dirty="0">
+                <a:solidFill>
+                  <a:srgbClr val="800000"/>
+                </a:solidFill>
+                <a:effectLst/>
+                <a:latin typeface="Helvetica" pitchFamily="2" charset="0"/>
+              </a:rPr>
+              <a:t>by</a:t>
+            </a:r>
+            <a:r>
+              <a:rPr lang="en-US" dirty="0">
+                <a:solidFill>
+                  <a:srgbClr val="000000"/>
+                </a:solidFill>
+                <a:effectLst/>
+                <a:latin typeface="Helvetica" pitchFamily="2" charset="0"/>
+              </a:rPr>
+              <a:t> </a:t>
+            </a:r>
+            <a:r>
+              <a:rPr lang="en-US" b="1" dirty="0">
+                <a:solidFill>
+                  <a:srgbClr val="000080"/>
+                </a:solidFill>
+                <a:effectLst/>
+                <a:latin typeface="Helvetica" pitchFamily="2" charset="0"/>
+              </a:rPr>
+              <a:t>count</a:t>
+            </a:r>
+            <a:r>
+              <a:rPr lang="en-US" dirty="0">
+                <a:solidFill>
+                  <a:srgbClr val="000000"/>
+                </a:solidFill>
+                <a:effectLst/>
+                <a:latin typeface="Helvetica" pitchFamily="2" charset="0"/>
+              </a:rPr>
+              <a:t>(</a:t>
+            </a:r>
+            <a:r>
+              <a:rPr lang="en-US" b="1" dirty="0">
+                <a:solidFill>
+                  <a:srgbClr val="800000"/>
+                </a:solidFill>
+                <a:effectLst/>
+                <a:latin typeface="Helvetica" pitchFamily="2" charset="0"/>
+              </a:rPr>
+              <a:t>distinct</a:t>
+            </a:r>
+            <a:r>
+              <a:rPr lang="en-US" dirty="0">
+                <a:solidFill>
+                  <a:srgbClr val="000000"/>
+                </a:solidFill>
+                <a:effectLst/>
+                <a:latin typeface="Helvetica" pitchFamily="2" charset="0"/>
+              </a:rPr>
+              <a:t> </a:t>
+            </a:r>
+            <a:r>
+              <a:rPr lang="en-US" b="1" dirty="0" err="1">
+                <a:solidFill>
+                  <a:srgbClr val="000000"/>
+                </a:solidFill>
+                <a:effectLst/>
+                <a:latin typeface="Helvetica" pitchFamily="2" charset="0"/>
+              </a:rPr>
+              <a:t>o.order_id</a:t>
+            </a:r>
+            <a:r>
+              <a:rPr lang="en-US" b="1" dirty="0">
+                <a:solidFill>
+                  <a:srgbClr val="000000"/>
+                </a:solidFill>
+                <a:effectLst/>
+                <a:latin typeface="Helvetica" pitchFamily="2" charset="0"/>
+              </a:rPr>
+              <a:t>) </a:t>
+            </a:r>
+            <a:r>
+              <a:rPr lang="en-US" b="1" dirty="0">
+                <a:solidFill>
+                  <a:srgbClr val="800000"/>
+                </a:solidFill>
+                <a:effectLst/>
+                <a:latin typeface="Helvetica" pitchFamily="2" charset="0"/>
+              </a:rPr>
+              <a:t>ASC</a:t>
+            </a:r>
+            <a:r>
+              <a:rPr lang="en-US" b="1" dirty="0">
+                <a:solidFill>
+                  <a:srgbClr val="000000"/>
+                </a:solidFill>
+                <a:effectLst/>
+                <a:latin typeface="Helvetica" pitchFamily="2" charset="0"/>
+              </a:rPr>
+              <a:t> </a:t>
+            </a:r>
+          </a:p>
+          <a:p>
+            <a:pPr marL="0" lvl="0" indent="0" algn="l">
+              <a:buFont typeface="Arial" panose="020B0604020202020204" pitchFamily="34" charset="0"/>
+              <a:buNone/>
+            </a:pPr>
+            <a:endParaRPr lang="en-US" b="0" dirty="0">
+              <a:solidFill>
+                <a:srgbClr val="000000"/>
+              </a:solidFill>
+              <a:effectLst/>
+              <a:latin typeface="Helvetica" pitchFamily="2" charset="0"/>
+            </a:endParaRPr>
+          </a:p>
+          <a:p>
+            <a:pPr marL="171450" lvl="0" indent="-171450" algn="l">
+              <a:buFont typeface="Arial" panose="020B0604020202020204" pitchFamily="34" charset="0"/>
+              <a:buChar char="•"/>
+            </a:pPr>
+            <a:r>
+              <a:rPr lang="en-US" b="0" dirty="0">
+                <a:solidFill>
+                  <a:srgbClr val="000000"/>
+                </a:solidFill>
+                <a:effectLst/>
+                <a:latin typeface="Helvetica" pitchFamily="2" charset="0"/>
+              </a:rPr>
+              <a:t>Looks like we have some customers with no orders, we can validate these customers by searching their records in the orders table</a:t>
+            </a:r>
+          </a:p>
+          <a:p>
+            <a:pPr marL="457200" marR="0" lvl="1" indent="0" algn="l" defTabSz="914400" rtl="0" eaLnBrk="1" fontAlgn="auto" latinLnBrk="0" hangingPunct="1">
+              <a:lnSpc>
+                <a:spcPct val="100000"/>
+              </a:lnSpc>
+              <a:spcBef>
+                <a:spcPts val="0"/>
+              </a:spcBef>
+              <a:spcAft>
+                <a:spcPts val="0"/>
+              </a:spcAft>
+              <a:buClrTx/>
+              <a:buSzTx/>
+              <a:buFont typeface="Arial" panose="020B0604020202020204" pitchFamily="34" charset="0"/>
+              <a:buNone/>
+              <a:tabLst/>
+              <a:defRPr/>
+            </a:pPr>
+            <a:endParaRPr lang="en-US" b="1" dirty="0">
+              <a:solidFill>
+                <a:srgbClr val="800000"/>
+              </a:solidFill>
+              <a:effectLst/>
+              <a:latin typeface="Helvetica" pitchFamily="2" charset="0"/>
+            </a:endParaRPr>
+          </a:p>
+          <a:p>
+            <a:pPr marL="457200" marR="0" lvl="1" indent="0" algn="l" defTabSz="914400" rtl="0" eaLnBrk="1" fontAlgn="auto" latinLnBrk="0" hangingPunct="1">
+              <a:lnSpc>
+                <a:spcPct val="100000"/>
+              </a:lnSpc>
+              <a:spcBef>
+                <a:spcPts val="0"/>
+              </a:spcBef>
+              <a:spcAft>
+                <a:spcPts val="0"/>
+              </a:spcAft>
+              <a:buClrTx/>
+              <a:buSzTx/>
+              <a:buFont typeface="Arial" panose="020B0604020202020204" pitchFamily="34" charset="0"/>
+              <a:buNone/>
+              <a:tabLst/>
+              <a:defRPr/>
+            </a:pPr>
+            <a:r>
+              <a:rPr lang="en-US" b="1" dirty="0">
+                <a:solidFill>
+                  <a:srgbClr val="800000"/>
+                </a:solidFill>
+                <a:effectLst/>
+                <a:latin typeface="Helvetica" pitchFamily="2" charset="0"/>
+              </a:rPr>
+              <a:t>select</a:t>
+            </a:r>
+            <a:r>
+              <a:rPr lang="en-US" b="1" dirty="0">
+                <a:effectLst/>
+                <a:latin typeface="Helvetica" pitchFamily="2" charset="0"/>
+              </a:rPr>
+              <a:t> * </a:t>
+            </a:r>
+            <a:r>
+              <a:rPr lang="en-US" b="1" dirty="0">
+                <a:solidFill>
+                  <a:srgbClr val="800000"/>
+                </a:solidFill>
+                <a:effectLst/>
+                <a:latin typeface="Helvetica" pitchFamily="2" charset="0"/>
+              </a:rPr>
+              <a:t>from</a:t>
+            </a:r>
+            <a:r>
+              <a:rPr lang="en-US" b="1" dirty="0">
+                <a:effectLst/>
+                <a:latin typeface="Helvetica" pitchFamily="2" charset="0"/>
+              </a:rPr>
+              <a:t> orders o </a:t>
+            </a:r>
+            <a:r>
+              <a:rPr lang="en-US" b="1" dirty="0">
+                <a:solidFill>
+                  <a:srgbClr val="800000"/>
+                </a:solidFill>
+                <a:effectLst/>
+                <a:latin typeface="Helvetica" pitchFamily="2" charset="0"/>
+              </a:rPr>
+              <a:t>where</a:t>
+            </a:r>
+            <a:r>
+              <a:rPr lang="en-US" b="1" dirty="0">
+                <a:effectLst/>
+                <a:latin typeface="Helvetica" pitchFamily="2" charset="0"/>
+              </a:rPr>
+              <a:t> </a:t>
+            </a:r>
+            <a:r>
+              <a:rPr lang="en-US" b="1" dirty="0" err="1">
+                <a:effectLst/>
+                <a:latin typeface="Helvetica" pitchFamily="2" charset="0"/>
+              </a:rPr>
+              <a:t>customer_id</a:t>
+            </a:r>
+            <a:r>
+              <a:rPr lang="en-US" b="1" dirty="0">
+                <a:effectLst/>
+                <a:latin typeface="Helvetica" pitchFamily="2" charset="0"/>
+              </a:rPr>
+              <a:t> = </a:t>
+            </a:r>
+            <a:r>
+              <a:rPr lang="en-US" b="1" dirty="0">
+                <a:solidFill>
+                  <a:srgbClr val="008000"/>
+                </a:solidFill>
+                <a:effectLst/>
+                <a:latin typeface="Helvetica" pitchFamily="2" charset="0"/>
+              </a:rPr>
+              <a:t>'NB-18580’</a:t>
+            </a:r>
+            <a:endParaRPr lang="en-US" b="1" dirty="0">
+              <a:effectLst/>
+              <a:latin typeface="Helvetica" pitchFamily="2" charset="0"/>
+            </a:endParaRPr>
+          </a:p>
+          <a:p>
+            <a:pPr marL="0" lvl="0" indent="0" algn="l">
+              <a:buFont typeface="Arial" panose="020B0604020202020204" pitchFamily="34" charset="0"/>
+              <a:buNone/>
+            </a:pPr>
+            <a:endParaRPr lang="en-US" b="0" dirty="0">
+              <a:solidFill>
+                <a:srgbClr val="000000"/>
+              </a:solidFill>
+              <a:effectLst/>
+              <a:latin typeface="Helvetica" pitchFamily="2" charset="0"/>
+            </a:endParaRPr>
+          </a:p>
+          <a:p>
+            <a:pPr marL="171450" lvl="0" indent="-171450" algn="l">
+              <a:buFont typeface="Arial" panose="020B0604020202020204" pitchFamily="34" charset="0"/>
+              <a:buChar char="•"/>
+            </a:pPr>
+            <a:r>
+              <a:rPr lang="en-US" b="0" dirty="0">
+                <a:solidFill>
+                  <a:srgbClr val="000000"/>
+                </a:solidFill>
+                <a:effectLst/>
+                <a:latin typeface="Helvetica" pitchFamily="2" charset="0"/>
+              </a:rPr>
+              <a:t>I feel comfortable that our count function is working – let’s apply a statement to classify the counts We can use an if function or a case statement. In this example I will use a case statement </a:t>
+            </a:r>
+          </a:p>
+          <a:p>
+            <a:pPr marL="171450" lvl="0" indent="-171450" algn="l">
+              <a:buFont typeface="Arial" panose="020B0604020202020204" pitchFamily="34" charset="0"/>
+              <a:buChar char="•"/>
+            </a:pPr>
+            <a:endParaRPr lang="en-US" b="0" dirty="0">
+              <a:solidFill>
+                <a:srgbClr val="000000"/>
+              </a:solidFill>
+              <a:effectLst/>
+              <a:latin typeface="Helvetica" pitchFamily="2" charset="0"/>
+            </a:endParaRPr>
+          </a:p>
+          <a:p>
+            <a:pPr marL="457200" lvl="1" indent="0" algn="l">
+              <a:buFont typeface="Arial" panose="020B0604020202020204" pitchFamily="34" charset="0"/>
+              <a:buNone/>
+            </a:pPr>
+            <a:r>
+              <a:rPr lang="en-US" b="1" dirty="0">
+                <a:solidFill>
+                  <a:srgbClr val="800000"/>
+                </a:solidFill>
+                <a:effectLst/>
+                <a:latin typeface="Helvetica" pitchFamily="2" charset="0"/>
+              </a:rPr>
+              <a:t>select</a:t>
+            </a:r>
+            <a:r>
+              <a:rPr lang="en-US" dirty="0">
+                <a:effectLst/>
+                <a:latin typeface="Helvetica" pitchFamily="2" charset="0"/>
+              </a:rPr>
+              <a:t> </a:t>
+            </a:r>
+            <a:r>
+              <a:rPr lang="en-US" dirty="0" err="1">
+                <a:effectLst/>
+                <a:latin typeface="Helvetica" pitchFamily="2" charset="0"/>
+              </a:rPr>
+              <a:t>c.customer_name,c.customer_id</a:t>
+            </a:r>
+            <a:r>
+              <a:rPr lang="en-US" dirty="0">
+                <a:effectLst/>
+                <a:latin typeface="Helvetica" pitchFamily="2" charset="0"/>
+              </a:rPr>
+              <a:t>, (</a:t>
+            </a:r>
+            <a:r>
+              <a:rPr lang="en-US" b="1" dirty="0">
+                <a:solidFill>
+                  <a:srgbClr val="800000"/>
+                </a:solidFill>
+                <a:effectLst/>
+                <a:latin typeface="Helvetica" pitchFamily="2" charset="0"/>
+              </a:rPr>
+              <a:t>case</a:t>
+            </a:r>
+            <a:r>
+              <a:rPr lang="en-US" dirty="0">
+                <a:effectLst/>
+                <a:latin typeface="Helvetica" pitchFamily="2" charset="0"/>
+              </a:rPr>
+              <a:t> </a:t>
+            </a:r>
+            <a:r>
+              <a:rPr lang="en-US" b="1" dirty="0">
+                <a:solidFill>
+                  <a:srgbClr val="800000"/>
+                </a:solidFill>
+                <a:effectLst/>
+                <a:latin typeface="Helvetica" pitchFamily="2" charset="0"/>
+              </a:rPr>
+              <a:t>when</a:t>
+            </a:r>
+            <a:r>
+              <a:rPr lang="en-US" dirty="0">
+                <a:effectLst/>
+                <a:latin typeface="Helvetica" pitchFamily="2" charset="0"/>
+              </a:rPr>
+              <a:t> </a:t>
+            </a:r>
+            <a:r>
+              <a:rPr lang="en-US" b="1" dirty="0">
+                <a:solidFill>
+                  <a:srgbClr val="000080"/>
+                </a:solidFill>
+                <a:effectLst/>
+                <a:latin typeface="Helvetica" pitchFamily="2" charset="0"/>
+              </a:rPr>
+              <a:t>count</a:t>
+            </a:r>
+            <a:r>
+              <a:rPr lang="en-US" dirty="0">
+                <a:effectLst/>
+                <a:latin typeface="Helvetica" pitchFamily="2" charset="0"/>
+              </a:rPr>
+              <a:t>(</a:t>
+            </a:r>
+            <a:r>
+              <a:rPr lang="en-US" b="1" dirty="0">
+                <a:solidFill>
+                  <a:srgbClr val="800000"/>
+                </a:solidFill>
+                <a:effectLst/>
+                <a:latin typeface="Helvetica" pitchFamily="2" charset="0"/>
+              </a:rPr>
+              <a:t>distinct</a:t>
+            </a:r>
+            <a:r>
+              <a:rPr lang="en-US" dirty="0">
+                <a:effectLst/>
+                <a:latin typeface="Helvetica" pitchFamily="2" charset="0"/>
+              </a:rPr>
+              <a:t> </a:t>
+            </a:r>
+            <a:r>
+              <a:rPr lang="en-US" dirty="0" err="1">
+                <a:effectLst/>
+                <a:latin typeface="Helvetica" pitchFamily="2" charset="0"/>
+              </a:rPr>
+              <a:t>o.order_id</a:t>
+            </a:r>
+            <a:r>
+              <a:rPr lang="en-US" dirty="0">
+                <a:effectLst/>
+                <a:latin typeface="Helvetica" pitchFamily="2" charset="0"/>
+              </a:rPr>
+              <a:t>)&gt;</a:t>
+            </a:r>
+            <a:r>
+              <a:rPr lang="en-US" dirty="0">
+                <a:solidFill>
+                  <a:srgbClr val="0000FF"/>
+                </a:solidFill>
+                <a:effectLst/>
+                <a:latin typeface="Helvetica" pitchFamily="2" charset="0"/>
+              </a:rPr>
+              <a:t>1</a:t>
+            </a:r>
+            <a:r>
+              <a:rPr lang="en-US" dirty="0">
+                <a:effectLst/>
+                <a:latin typeface="Helvetica" pitchFamily="2" charset="0"/>
+              </a:rPr>
+              <a:t> </a:t>
+            </a:r>
+            <a:r>
+              <a:rPr lang="en-US" b="1" dirty="0">
+                <a:solidFill>
+                  <a:srgbClr val="800000"/>
+                </a:solidFill>
+                <a:effectLst/>
+                <a:latin typeface="Helvetica" pitchFamily="2" charset="0"/>
+              </a:rPr>
+              <a:t>then</a:t>
+            </a:r>
+            <a:r>
+              <a:rPr lang="en-US" dirty="0">
+                <a:effectLst/>
+                <a:latin typeface="Helvetica" pitchFamily="2" charset="0"/>
+              </a:rPr>
+              <a:t> </a:t>
+            </a:r>
+            <a:r>
+              <a:rPr lang="en-US" dirty="0">
+                <a:solidFill>
+                  <a:srgbClr val="008000"/>
+                </a:solidFill>
+                <a:effectLst/>
+                <a:latin typeface="Helvetica" pitchFamily="2" charset="0"/>
+              </a:rPr>
+              <a:t>'existing'</a:t>
+            </a:r>
+            <a:r>
+              <a:rPr lang="en-US" dirty="0">
+                <a:effectLst/>
+                <a:latin typeface="Helvetica" pitchFamily="2" charset="0"/>
+              </a:rPr>
+              <a:t> </a:t>
+            </a:r>
+            <a:r>
+              <a:rPr lang="en-US" b="1" dirty="0">
+                <a:solidFill>
+                  <a:srgbClr val="800000"/>
+                </a:solidFill>
+                <a:effectLst/>
+                <a:latin typeface="Helvetica" pitchFamily="2" charset="0"/>
+              </a:rPr>
+              <a:t>else</a:t>
+            </a:r>
+            <a:r>
+              <a:rPr lang="en-US" dirty="0">
+                <a:effectLst/>
+                <a:latin typeface="Helvetica" pitchFamily="2" charset="0"/>
+              </a:rPr>
+              <a:t> </a:t>
+            </a:r>
+            <a:r>
+              <a:rPr lang="en-US" dirty="0">
+                <a:solidFill>
+                  <a:srgbClr val="008000"/>
+                </a:solidFill>
+                <a:effectLst/>
+                <a:latin typeface="Helvetica" pitchFamily="2" charset="0"/>
+              </a:rPr>
+              <a:t>'new'</a:t>
+            </a:r>
+            <a:r>
+              <a:rPr lang="en-US" dirty="0">
+                <a:effectLst/>
+                <a:latin typeface="Helvetica" pitchFamily="2" charset="0"/>
+              </a:rPr>
+              <a:t> </a:t>
+            </a:r>
+            <a:r>
+              <a:rPr lang="en-US" b="1" dirty="0">
+                <a:solidFill>
+                  <a:srgbClr val="800000"/>
+                </a:solidFill>
+                <a:effectLst/>
+                <a:latin typeface="Helvetica" pitchFamily="2" charset="0"/>
+              </a:rPr>
+              <a:t>end</a:t>
+            </a:r>
+            <a:r>
+              <a:rPr lang="en-US" dirty="0">
+                <a:effectLst/>
+                <a:latin typeface="Helvetica" pitchFamily="2" charset="0"/>
+              </a:rPr>
+              <a:t>) </a:t>
+            </a:r>
+            <a:r>
+              <a:rPr lang="en-US" dirty="0" err="1">
+                <a:effectLst/>
+                <a:latin typeface="Helvetica" pitchFamily="2" charset="0"/>
+              </a:rPr>
+              <a:t>customer_status</a:t>
+            </a:r>
+            <a:r>
+              <a:rPr lang="en-US" dirty="0">
+                <a:effectLst/>
+                <a:latin typeface="Helvetica" pitchFamily="2" charset="0"/>
+              </a:rPr>
+              <a:t> </a:t>
+            </a:r>
+            <a:r>
+              <a:rPr lang="en-US" b="1" dirty="0">
+                <a:solidFill>
+                  <a:srgbClr val="800000"/>
+                </a:solidFill>
+                <a:effectLst/>
+                <a:latin typeface="Helvetica" pitchFamily="2" charset="0"/>
+              </a:rPr>
+              <a:t>from</a:t>
+            </a:r>
+            <a:r>
+              <a:rPr lang="en-US" dirty="0">
+                <a:effectLst/>
+                <a:latin typeface="Helvetica" pitchFamily="2" charset="0"/>
+              </a:rPr>
+              <a:t> customers c </a:t>
+            </a:r>
+            <a:r>
+              <a:rPr lang="en-US" b="1" dirty="0">
+                <a:solidFill>
+                  <a:srgbClr val="000080"/>
+                </a:solidFill>
+                <a:effectLst/>
+                <a:latin typeface="Helvetica" pitchFamily="2" charset="0"/>
+              </a:rPr>
+              <a:t>left</a:t>
+            </a:r>
+            <a:r>
+              <a:rPr lang="en-US" dirty="0">
+                <a:effectLst/>
+                <a:latin typeface="Helvetica" pitchFamily="2" charset="0"/>
+              </a:rPr>
+              <a:t> </a:t>
+            </a:r>
+            <a:r>
+              <a:rPr lang="en-US" b="1" dirty="0">
+                <a:solidFill>
+                  <a:srgbClr val="800000"/>
+                </a:solidFill>
+                <a:effectLst/>
+                <a:latin typeface="Helvetica" pitchFamily="2" charset="0"/>
+              </a:rPr>
+              <a:t>join</a:t>
+            </a:r>
+            <a:r>
+              <a:rPr lang="en-US" dirty="0">
+                <a:effectLst/>
+                <a:latin typeface="Helvetica" pitchFamily="2" charset="0"/>
+              </a:rPr>
+              <a:t> orders o </a:t>
+            </a:r>
+            <a:r>
+              <a:rPr lang="en-US" b="1" dirty="0">
+                <a:solidFill>
+                  <a:srgbClr val="800000"/>
+                </a:solidFill>
+                <a:effectLst/>
+                <a:latin typeface="Helvetica" pitchFamily="2" charset="0"/>
+              </a:rPr>
+              <a:t>on</a:t>
+            </a:r>
+            <a:r>
+              <a:rPr lang="en-US" dirty="0">
+                <a:effectLst/>
+                <a:latin typeface="Helvetica" pitchFamily="2" charset="0"/>
+              </a:rPr>
+              <a:t> </a:t>
+            </a:r>
+            <a:r>
+              <a:rPr lang="en-US" dirty="0" err="1">
+                <a:effectLst/>
+                <a:latin typeface="Helvetica" pitchFamily="2" charset="0"/>
+              </a:rPr>
+              <a:t>c.customer_id</a:t>
+            </a:r>
+            <a:r>
+              <a:rPr lang="en-US" dirty="0">
+                <a:effectLst/>
+                <a:latin typeface="Helvetica" pitchFamily="2" charset="0"/>
+              </a:rPr>
+              <a:t>  = </a:t>
+            </a:r>
+            <a:r>
+              <a:rPr lang="en-US" dirty="0" err="1">
+                <a:effectLst/>
+                <a:latin typeface="Helvetica" pitchFamily="2" charset="0"/>
+              </a:rPr>
+              <a:t>o.customer_id</a:t>
+            </a:r>
+            <a:r>
+              <a:rPr lang="en-US" dirty="0">
+                <a:effectLst/>
+                <a:latin typeface="Helvetica" pitchFamily="2" charset="0"/>
+              </a:rPr>
+              <a:t> </a:t>
+            </a:r>
+            <a:r>
+              <a:rPr lang="en-US" b="1" dirty="0">
+                <a:solidFill>
+                  <a:srgbClr val="800000"/>
+                </a:solidFill>
+                <a:effectLst/>
+                <a:latin typeface="Helvetica" pitchFamily="2" charset="0"/>
+              </a:rPr>
+              <a:t>group</a:t>
+            </a:r>
+            <a:r>
+              <a:rPr lang="en-US" dirty="0">
+                <a:effectLst/>
+                <a:latin typeface="Helvetica" pitchFamily="2" charset="0"/>
+              </a:rPr>
+              <a:t> </a:t>
+            </a:r>
+            <a:r>
+              <a:rPr lang="en-US" b="1" dirty="0">
+                <a:solidFill>
+                  <a:srgbClr val="800000"/>
+                </a:solidFill>
+                <a:effectLst/>
+                <a:latin typeface="Helvetica" pitchFamily="2" charset="0"/>
+              </a:rPr>
+              <a:t>by</a:t>
+            </a:r>
+            <a:r>
+              <a:rPr lang="en-US" dirty="0">
+                <a:effectLst/>
+                <a:latin typeface="Helvetica" pitchFamily="2" charset="0"/>
+              </a:rPr>
+              <a:t> </a:t>
+            </a:r>
+            <a:r>
+              <a:rPr lang="en-US" dirty="0">
+                <a:solidFill>
+                  <a:srgbClr val="0000FF"/>
+                </a:solidFill>
+                <a:effectLst/>
+                <a:latin typeface="Helvetica" pitchFamily="2" charset="0"/>
+              </a:rPr>
+              <a:t>1</a:t>
+            </a:r>
+            <a:r>
+              <a:rPr lang="en-US" dirty="0">
+                <a:effectLst/>
+                <a:latin typeface="Helvetica" pitchFamily="2" charset="0"/>
+              </a:rPr>
+              <a:t>,</a:t>
+            </a:r>
+            <a:r>
+              <a:rPr lang="en-US" dirty="0">
+                <a:solidFill>
+                  <a:srgbClr val="0000FF"/>
+                </a:solidFill>
+                <a:effectLst/>
+                <a:latin typeface="Helvetica" pitchFamily="2" charset="0"/>
+              </a:rPr>
+              <a:t>2</a:t>
+            </a:r>
+            <a:r>
+              <a:rPr lang="en-US" dirty="0">
+                <a:effectLst/>
+                <a:latin typeface="Helvetica" pitchFamily="2" charset="0"/>
+              </a:rPr>
+              <a:t> </a:t>
+            </a:r>
+            <a:r>
+              <a:rPr lang="en-US" b="1" dirty="0">
+                <a:solidFill>
+                  <a:srgbClr val="800000"/>
+                </a:solidFill>
+                <a:effectLst/>
+                <a:latin typeface="Helvetica" pitchFamily="2" charset="0"/>
+              </a:rPr>
+              <a:t>order</a:t>
+            </a:r>
+            <a:r>
+              <a:rPr lang="en-US" dirty="0">
+                <a:effectLst/>
+                <a:latin typeface="Helvetica" pitchFamily="2" charset="0"/>
+              </a:rPr>
+              <a:t> </a:t>
+            </a:r>
+            <a:r>
+              <a:rPr lang="en-US" b="1" dirty="0">
+                <a:solidFill>
+                  <a:srgbClr val="800000"/>
+                </a:solidFill>
+                <a:effectLst/>
+                <a:latin typeface="Helvetica" pitchFamily="2" charset="0"/>
+              </a:rPr>
+              <a:t>by</a:t>
+            </a:r>
+            <a:r>
+              <a:rPr lang="en-US" dirty="0">
+                <a:effectLst/>
+                <a:latin typeface="Helvetica" pitchFamily="2" charset="0"/>
+              </a:rPr>
+              <a:t> </a:t>
+            </a:r>
+            <a:r>
+              <a:rPr lang="en-US" b="1" dirty="0">
+                <a:solidFill>
+                  <a:srgbClr val="000080"/>
+                </a:solidFill>
+                <a:effectLst/>
+                <a:latin typeface="Helvetica" pitchFamily="2" charset="0"/>
+              </a:rPr>
+              <a:t>count</a:t>
+            </a:r>
+            <a:r>
+              <a:rPr lang="en-US" dirty="0">
+                <a:effectLst/>
+                <a:latin typeface="Helvetica" pitchFamily="2" charset="0"/>
+              </a:rPr>
+              <a:t>(</a:t>
+            </a:r>
+            <a:r>
+              <a:rPr lang="en-US" b="1" dirty="0">
+                <a:solidFill>
+                  <a:srgbClr val="800000"/>
+                </a:solidFill>
+                <a:effectLst/>
+                <a:latin typeface="Helvetica" pitchFamily="2" charset="0"/>
+              </a:rPr>
+              <a:t>distinct</a:t>
+            </a:r>
+            <a:r>
+              <a:rPr lang="en-US" dirty="0">
+                <a:effectLst/>
+                <a:latin typeface="Helvetica" pitchFamily="2" charset="0"/>
+              </a:rPr>
+              <a:t> </a:t>
+            </a:r>
+            <a:r>
+              <a:rPr lang="en-US" dirty="0" err="1">
+                <a:effectLst/>
+                <a:latin typeface="Helvetica" pitchFamily="2" charset="0"/>
+              </a:rPr>
+              <a:t>o.order_id</a:t>
+            </a:r>
+            <a:r>
+              <a:rPr lang="en-US" dirty="0">
+                <a:effectLst/>
+                <a:latin typeface="Helvetica" pitchFamily="2" charset="0"/>
+              </a:rPr>
+              <a:t>) </a:t>
+            </a:r>
+            <a:r>
+              <a:rPr lang="en-US" b="1" dirty="0">
+                <a:solidFill>
+                  <a:srgbClr val="800000"/>
+                </a:solidFill>
+                <a:effectLst/>
+                <a:latin typeface="Helvetica" pitchFamily="2" charset="0"/>
+              </a:rPr>
+              <a:t>ASC</a:t>
+            </a:r>
+            <a:r>
+              <a:rPr lang="en-US" dirty="0">
+                <a:effectLst/>
+                <a:latin typeface="Helvetica" pitchFamily="2" charset="0"/>
+              </a:rPr>
+              <a:t> </a:t>
+            </a:r>
+          </a:p>
+          <a:p>
+            <a:pPr marL="171450" lvl="0" indent="-171450" algn="l">
+              <a:buFont typeface="Arial" panose="020B0604020202020204" pitchFamily="34" charset="0"/>
+              <a:buChar char="•"/>
+            </a:pPr>
+            <a:endParaRPr lang="en-US" b="0" dirty="0">
+              <a:solidFill>
+                <a:srgbClr val="000000"/>
+              </a:solidFill>
+              <a:effectLst/>
+              <a:latin typeface="Helvetica" pitchFamily="2" charset="0"/>
+            </a:endParaRPr>
+          </a:p>
+          <a:p>
+            <a:pPr marL="457200" lvl="1" indent="0" algn="l">
+              <a:buFont typeface="Arial" panose="020B0604020202020204" pitchFamily="34" charset="0"/>
+              <a:buNone/>
+            </a:pPr>
+            <a:endParaRPr lang="en-US" b="0" dirty="0">
+              <a:solidFill>
+                <a:srgbClr val="000000"/>
+              </a:solidFill>
+              <a:effectLst/>
+              <a:latin typeface="Helvetica" pitchFamily="2" charset="0"/>
+            </a:endParaRPr>
+          </a:p>
+          <a:p>
+            <a:pPr marL="0" lvl="0" indent="0" algn="l">
+              <a:buFont typeface="Arial" panose="020B0604020202020204" pitchFamily="34" charset="0"/>
+              <a:buNone/>
+            </a:pPr>
+            <a:endParaRPr lang="en-US" b="0" dirty="0">
+              <a:solidFill>
+                <a:srgbClr val="000000"/>
+              </a:solidFill>
+              <a:effectLst/>
+              <a:latin typeface="Helvetica" pitchFamily="2" charset="0"/>
+            </a:endParaRPr>
+          </a:p>
+          <a:p>
+            <a:pPr marL="0" lvl="0" indent="0" algn="l">
+              <a:buFont typeface="Arial" panose="020B0604020202020204" pitchFamily="34" charset="0"/>
+              <a:buNone/>
+            </a:pPr>
+            <a:endParaRPr lang="en-US" b="0" dirty="0">
+              <a:solidFill>
+                <a:srgbClr val="000000"/>
+              </a:solidFill>
+              <a:effectLst/>
+              <a:latin typeface="Helvetica" pitchFamily="2" charset="0"/>
+            </a:endParaRPr>
+          </a:p>
+          <a:p>
+            <a:pPr marL="0" lvl="0" indent="0" algn="l">
+              <a:buFont typeface="Arial" panose="020B0604020202020204" pitchFamily="34" charset="0"/>
+              <a:buNone/>
+            </a:pPr>
+            <a:endParaRPr lang="en-US" b="1" dirty="0">
+              <a:solidFill>
+                <a:srgbClr val="0000FF"/>
+              </a:solidFill>
+              <a:effectLst/>
+              <a:latin typeface="Helvetica" pitchFamily="2" charset="0"/>
+            </a:endParaRPr>
+          </a:p>
+          <a:p>
+            <a:pPr marL="0" marR="0" lvl="0" indent="0" algn="l" defTabSz="914400" rtl="0" eaLnBrk="1" fontAlgn="auto" latinLnBrk="0" hangingPunct="1">
+              <a:lnSpc>
+                <a:spcPct val="100000"/>
+              </a:lnSpc>
+              <a:spcBef>
+                <a:spcPts val="0"/>
+              </a:spcBef>
+              <a:spcAft>
+                <a:spcPts val="0"/>
+              </a:spcAft>
+              <a:buClrTx/>
+              <a:buSzTx/>
+              <a:buFont typeface="Arial" panose="020B0604020202020204" pitchFamily="34" charset="0"/>
+              <a:buNone/>
+              <a:tabLst/>
+              <a:defRPr/>
+            </a:pPr>
+            <a:endParaRPr lang="en-US" b="1" dirty="0">
+              <a:effectLst/>
+              <a:latin typeface="Helvetica" pitchFamily="2" charset="0"/>
+            </a:endParaRPr>
+          </a:p>
+          <a:p>
+            <a:pPr marL="0" indent="0">
+              <a:buFont typeface="Arial" panose="020B0604020202020204" pitchFamily="34" charset="0"/>
+              <a:buNone/>
+            </a:pPr>
+            <a:endParaRPr lang="en-US" dirty="0"/>
+          </a:p>
+        </p:txBody>
+      </p:sp>
+      <p:sp>
+        <p:nvSpPr>
+          <p:cNvPr id="4" name="Slide Number Placeholder 3"/>
+          <p:cNvSpPr>
+            <a:spLocks noGrp="1"/>
+          </p:cNvSpPr>
+          <p:nvPr>
+            <p:ph type="sldNum" sz="quarter" idx="5"/>
+          </p:nvPr>
+        </p:nvSpPr>
+        <p:spPr/>
+        <p:txBody>
+          <a:bodyPr/>
+          <a:lstStyle/>
+          <a:p>
+            <a:fld id="{871B2431-D351-4C6E-A3CF-9DFAC0E3E050}" type="slidenum">
+              <a:rPr lang="cs-CZ" smtClean="0"/>
+              <a:t>9</a:t>
+            </a:fld>
+            <a:endParaRPr lang="cs-CZ"/>
+          </a:p>
+        </p:txBody>
+      </p:sp>
+    </p:spTree>
+    <p:extLst>
+      <p:ext uri="{BB962C8B-B14F-4D97-AF65-F5344CB8AC3E}">
+        <p14:creationId xmlns:p14="http://schemas.microsoft.com/office/powerpoint/2010/main" val="1151699985"/>
+      </p:ext>
+    </p:extLst>
   </p:cSld>
   <p:clrMapOvr>
     <a:masterClrMapping/>
@@ -4601,13 +10135,13 @@
           <p:nvPr/>
         </p:nvPicPr>
         <p:blipFill>
-          <a:blip r:embed="rId2">
+          <a:blip r:embed="rId3">
             <a:extLst>
               <a:ext uri="{28A0092B-C50C-407E-A947-70E740481C1C}">
                 <a14:useLocalDpi xmlns:a14="http://schemas.microsoft.com/office/drawing/2010/main" val="0"/>
               </a:ext>
               <a:ext uri="{96DAC541-7B7A-43D3-8B79-37D633B846F1}">
-                <asvg:svgBlip xmlns:asvg="http://schemas.microsoft.com/office/drawing/2016/SVG/main" r:embed="rId3"/>
+                <asvg:svgBlip xmlns:asvg="http://schemas.microsoft.com/office/drawing/2016/SVG/main" r:embed="rId4"/>
               </a:ext>
             </a:extLst>
           </a:blip>
@@ -4698,44 +10232,6 @@
                 <a:latin typeface="HK Grotesk Light Bold"/>
               </a:rPr>
               <a:t>SELMA DOGIC</a:t>
-            </a:r>
-          </a:p>
-        </p:txBody>
-      </p:sp>
-      <p:sp>
-        <p:nvSpPr>
-          <p:cNvPr id="8" name="TextBox 8"/>
-          <p:cNvSpPr txBox="1"/>
-          <p:nvPr/>
-        </p:nvSpPr>
-        <p:spPr>
-          <a:xfrm>
-            <a:off x="16823544" y="971550"/>
-            <a:ext cx="435756" cy="431800"/>
-          </a:xfrm>
-          <a:prstGeom prst="rect">
-            <a:avLst/>
-          </a:prstGeom>
-        </p:spPr>
-        <p:txBody>
-          <a:bodyPr lIns="0" tIns="0" rIns="0" bIns="0" rtlCol="0" anchor="t">
-            <a:spAutoFit/>
-          </a:bodyPr>
-          <a:lstStyle/>
-          <a:p>
-            <a:pPr algn="r">
-              <a:lnSpc>
-                <a:spcPts val="3500"/>
-              </a:lnSpc>
-            </a:pPr>
-            <a:r>
-              <a:rPr lang="en-US" sz="2500">
-                <a:solidFill>
-                  <a:srgbClr val="000000"/>
-                </a:solidFill>
-                <a:latin typeface="HK Grotesk Medium Bold"/>
-              </a:rPr>
-              <a:t>01</a:t>
             </a:r>
           </a:p>
         </p:txBody>
@@ -5414,7 +10910,7 @@
           <p:nvPr/>
         </p:nvPicPr>
         <p:blipFill>
-          <a:blip r:embed="rId2"/>
+          <a:blip r:embed="rId3"/>
           <a:srcRect/>
           <a:stretch>
             <a:fillRect/>
@@ -5439,13 +10935,13 @@
           <p:nvPr/>
         </p:nvPicPr>
         <p:blipFill>
-          <a:blip r:embed="rId3">
+          <a:blip r:embed="rId4">
             <a:extLst>
               <a:ext uri="{28A0092B-C50C-407E-A947-70E740481C1C}">
                 <a14:useLocalDpi xmlns:a14="http://schemas.microsoft.com/office/drawing/2010/main" val="0"/>
               </a:ext>
               <a:ext uri="{96DAC541-7B7A-43D3-8B79-37D633B846F1}">
-                <asvg:svgBlip xmlns:asvg="http://schemas.microsoft.com/office/drawing/2016/SVG/main" r:embed="rId4"/>
+                <asvg:svgBlip xmlns:asvg="http://schemas.microsoft.com/office/drawing/2016/SVG/main" r:embed="rId5"/>
               </a:ext>
             </a:extLst>
           </a:blip>
@@ -5544,7 +11040,7 @@
         <p:spPr>
           <a:xfrm>
             <a:off x="295592" y="1952591"/>
-            <a:ext cx="7860504" cy="5388471"/>
+            <a:ext cx="7860504" cy="5360891"/>
           </a:xfrm>
           <a:prstGeom prst="rect">
             <a:avLst/>
@@ -5562,13 +11058,29 @@
               </a:lnSpc>
             </a:pPr>
             <a:r>
-              <a:rPr lang="en-US" sz="11067">
+              <a:rPr lang="en-US" sz="9600" dirty="0">
                 <a:solidFill>
                   <a:srgbClr val="000000"/>
                 </a:solidFill>
                 <a:latin typeface="Open Sans Bold"/>
               </a:rPr>
-              <a:t>What is Data Wrangling?</a:t>
+              <a:t>What is </a:t>
+            </a:r>
+          </a:p>
+          <a:p>
+            <a:pPr algn="ctr">
+              <a:lnSpc>
+                <a:spcPts val="14277"/>
+              </a:lnSpc>
+            </a:pPr>
+            <a:r>
+              <a:rPr lang="en-US" sz="9600" dirty="0">
+                <a:solidFill>
+                  <a:srgbClr val="000000"/>
+                </a:solidFill>
+                <a:latin typeface="Open Sans Bold"/>
+              </a:rPr>
+              <a:t>Data Wrangling?</a:t>
             </a:r>
           </a:p>
         </p:txBody>
@@ -5673,8 +11185,8 @@
         </p:nvSpPr>
         <p:spPr>
           <a:xfrm>
-            <a:off x="9835104" y="2437979"/>
-            <a:ext cx="7728479" cy="4473575"/>
+            <a:off x="9753600" y="2400300"/>
+            <a:ext cx="7728479" cy="5639108"/>
           </a:xfrm>
           <a:prstGeom prst="rect">
             <a:avLst/>
@@ -5692,7 +11204,7 @@
               </a:lnSpc>
             </a:pPr>
             <a:r>
-              <a:rPr lang="en-US" sz="2999">
+              <a:rPr lang="en-US" sz="3600" dirty="0">
                 <a:solidFill>
                   <a:srgbClr val="000000"/>
                 </a:solidFill>
@@ -5707,7 +11219,7 @@
                 <a:spcPts val="4059"/>
               </a:lnSpc>
             </a:pPr>
-            <a:endParaRPr lang="en-US" sz="2999">
+            <a:endParaRPr lang="en-US" sz="2999" dirty="0">
               <a:solidFill>
                 <a:srgbClr val="000000"/>
               </a:solidFill>
@@ -5721,13 +11233,26 @@
               </a:lnSpc>
             </a:pPr>
             <a:r>
-              <a:rPr lang="en-US" sz="2899">
-                <a:solidFill>
-                  <a:srgbClr val="000000"/>
-                </a:solidFill>
-                <a:latin typeface="Open Sans"/>
-              </a:rPr>
-              <a:t>Includes: </a:t>
+              <a:rPr lang="en-US" sz="2999" dirty="0">
+                <a:solidFill>
+                  <a:srgbClr val="000000"/>
+                </a:solidFill>
+                <a:latin typeface="Open Sans" panose="020B0606030504020204" pitchFamily="34" charset="0"/>
+                <a:ea typeface="Open Sans" panose="020B0606030504020204" pitchFamily="34" charset="0"/>
+                <a:cs typeface="Open Sans" panose="020B0606030504020204" pitchFamily="34" charset="0"/>
+              </a:rPr>
+              <a:t>Process varies depending on data and project. Encompasses many activities, i</a:t>
+            </a:r>
+            <a:r>
+              <a:rPr lang="en-US" sz="2899" dirty="0">
+                <a:solidFill>
+                  <a:srgbClr val="000000"/>
+                </a:solidFill>
+                <a:latin typeface="Open Sans" panose="020B0606030504020204" pitchFamily="34" charset="0"/>
+                <a:ea typeface="Open Sans" panose="020B0606030504020204" pitchFamily="34" charset="0"/>
+                <a:cs typeface="Open Sans" panose="020B0606030504020204" pitchFamily="34" charset="0"/>
+              </a:rPr>
+              <a:t>ncluding: </a:t>
             </a:r>
           </a:p>
           <a:p>
@@ -5739,7 +11264,7 @@
               <a:buChar char="•"/>
             </a:pPr>
             <a:r>
-              <a:rPr lang="en-US" sz="2899">
+              <a:rPr lang="en-US" sz="2899" dirty="0">
                 <a:solidFill>
                   <a:srgbClr val="000000"/>
                 </a:solidFill>
@@ -5757,7 +11282,7 @@
               <a:buChar char="•"/>
             </a:pPr>
             <a:r>
-              <a:rPr lang="en-US" sz="2899">
+              <a:rPr lang="en-US" sz="2899" dirty="0">
                 <a:solidFill>
                   <a:srgbClr val="000000"/>
                 </a:solidFill>
@@ -5775,7 +11300,7 @@
               <a:buChar char="•"/>
             </a:pPr>
             <a:r>
-              <a:rPr lang="en-US" sz="2899">
+              <a:rPr lang="en-US" sz="2899" dirty="0">
                 <a:solidFill>
                   <a:srgbClr val="000000"/>
                 </a:solidFill>
@@ -5790,7 +11315,7 @@
                 <a:spcPts val="3499"/>
               </a:lnSpc>
             </a:pPr>
-            <a:endParaRPr lang="en-US" sz="2899">
+            <a:endParaRPr lang="en-US" sz="2899" dirty="0">
               <a:solidFill>
                 <a:srgbClr val="000000"/>
               </a:solidFill>
@@ -5806,7 +11331,7 @@
                 <a:spcPct val="0"/>
               </a:spcBef>
             </a:pPr>
-            <a:endParaRPr lang="en-US" sz="2899">
+            <a:endParaRPr lang="en-US" sz="2899" dirty="0">
               <a:solidFill>
                 <a:srgbClr val="000000"/>
               </a:solidFill>
@@ -6004,7 +11529,7 @@
                 </a:lnSpc>
               </a:pPr>
               <a:r>
-                <a:rPr lang="en-US" sz="3000">
+                <a:rPr lang="en-US" sz="3000" dirty="0">
                   <a:solidFill>
                     <a:srgbClr val="000000"/>
                   </a:solidFill>
@@ -6590,7 +12115,7 @@
         <p:spPr>
           <a:xfrm>
             <a:off x="3059269" y="3166973"/>
-            <a:ext cx="13270691" cy="5494020"/>
+            <a:ext cx="13270691" cy="5613460"/>
           </a:xfrm>
           <a:prstGeom prst="rect">
             <a:avLst/>
@@ -6608,7 +12133,7 @@
               </a:lnSpc>
             </a:pPr>
             <a:r>
-              <a:rPr lang="en-US" sz="2899">
+              <a:rPr lang="en-US" sz="2899" dirty="0">
                 <a:solidFill>
                   <a:srgbClr val="000000"/>
                 </a:solidFill>
@@ -6626,7 +12151,7 @@
               <a:buChar char="•"/>
             </a:pPr>
             <a:r>
-              <a:rPr lang="en-US" sz="2899">
+              <a:rPr lang="en-US" sz="2899" dirty="0">
                 <a:solidFill>
                   <a:srgbClr val="000000"/>
                 </a:solidFill>
@@ -6644,13 +12169,13 @@
               <a:buChar char="•"/>
             </a:pPr>
             <a:r>
-              <a:rPr lang="en-US" sz="2899">
+              <a:rPr lang="en-US" sz="2899" dirty="0">
                 <a:solidFill>
                   <a:srgbClr val="000000"/>
                 </a:solidFill>
                 <a:latin typeface="Open Sans"/>
               </a:rPr>
-              <a:t>Most organizations use relational databses to capture their data</a:t>
+              <a:t>Most organizations use relational databases to capture their data</a:t>
             </a:r>
           </a:p>
           <a:p>
@@ -6662,7 +12187,7 @@
               <a:buChar char="•"/>
             </a:pPr>
             <a:r>
-              <a:rPr lang="en-US" sz="2899">
+              <a:rPr lang="en-US" sz="2899" dirty="0">
                 <a:solidFill>
                   <a:srgbClr val="000000"/>
                 </a:solidFill>
@@ -6677,7 +12202,7 @@
                 <a:spcPts val="4059"/>
               </a:lnSpc>
             </a:pPr>
-            <a:endParaRPr lang="en-US" sz="2899">
+            <a:endParaRPr lang="en-US" sz="2899" dirty="0">
               <a:solidFill>
                 <a:srgbClr val="000000"/>
               </a:solidFill>
@@ -6691,7 +12216,7 @@
               </a:lnSpc>
             </a:pPr>
             <a:r>
-              <a:rPr lang="en-US" sz="2899">
+              <a:rPr lang="en-US" sz="2899" dirty="0">
                 <a:solidFill>
                   <a:srgbClr val="000000"/>
                 </a:solidFill>
@@ -6709,7 +12234,7 @@
               <a:buChar char="•"/>
             </a:pPr>
             <a:r>
-              <a:rPr lang="en-US" sz="2899">
+              <a:rPr lang="en-US" sz="2899" dirty="0">
                 <a:solidFill>
                   <a:srgbClr val="000000"/>
                 </a:solidFill>
@@ -6727,7 +12252,7 @@
               <a:buChar char="•"/>
             </a:pPr>
             <a:r>
-              <a:rPr lang="en-US" sz="2899">
+              <a:rPr lang="en-US" sz="2899" dirty="0">
                 <a:solidFill>
                   <a:srgbClr val="000000"/>
                 </a:solidFill>
@@ -6742,7 +12267,7 @@
                 <a:spcPts val="3499"/>
               </a:lnSpc>
             </a:pPr>
-            <a:endParaRPr lang="en-US" sz="2899">
+            <a:endParaRPr lang="en-US" sz="2899" dirty="0">
               <a:solidFill>
                 <a:srgbClr val="000000"/>
               </a:solidFill>
@@ -6758,7 +12283,7 @@
                 <a:spcPct val="0"/>
               </a:spcBef>
             </a:pPr>
-            <a:endParaRPr lang="en-US" sz="2899">
+            <a:endParaRPr lang="en-US" sz="2899" dirty="0">
               <a:solidFill>
                 <a:srgbClr val="000000"/>
               </a:solidFill>
@@ -8028,14 +13553,14 @@
         <p:spPr>
           <a:xfrm>
             <a:off x="1028700" y="1156371"/>
-            <a:ext cx="13673506" cy="1858633"/>
+            <a:ext cx="16230600" cy="1815625"/>
           </a:xfrm>
           <a:prstGeom prst="rect">
             <a:avLst/>
           </a:prstGeom>
         </p:spPr>
         <p:txBody>
-          <a:bodyPr lIns="0" tIns="0" rIns="0" bIns="0" rtlCol="0" anchor="t">
+          <a:bodyPr wrap="square" lIns="0" tIns="0" rIns="0" bIns="0" rtlCol="0" anchor="t">
             <a:spAutoFit/>
           </a:bodyPr>
           <a:lstStyle/>
@@ -8046,13 +13571,13 @@
               </a:lnSpc>
             </a:pPr>
             <a:r>
-              <a:rPr lang="en-US" sz="11556">
+              <a:rPr lang="en-US" sz="11556" dirty="0">
                 <a:solidFill>
                   <a:srgbClr val="000000"/>
                 </a:solidFill>
                 <a:latin typeface="Open Sans Bold Italics"/>
               </a:rPr>
-              <a:t>select, from, where</a:t>
+              <a:t>select |  from | where</a:t>
             </a:r>
           </a:p>
         </p:txBody>
@@ -8398,6 +13923,50 @@
                 <a:latin typeface="Fira Code Light"/>
               </a:rPr>
               <a:t>name the metric you use as `shipped_quantity`  </a:t>
+            </a:r>
+          </a:p>
+        </p:txBody>
+      </p:sp>
+      <p:sp>
+        <p:nvSpPr>
+          <p:cNvPr id="9" name="TextBox 7">
+            <a:extLst>
+              <a:ext uri="{FF2B5EF4-FFF2-40B4-BE49-F238E27FC236}">
+                <a16:creationId xmlns:a16="http://schemas.microsoft.com/office/drawing/2014/main" id="{E41460FA-A7BA-DEC9-48F8-59DD49D9ABFA}"/>
+              </a:ext>
+            </a:extLst>
+          </p:cNvPr>
+          <p:cNvSpPr txBox="1"/>
+          <p:nvPr/>
+        </p:nvSpPr>
+        <p:spPr>
+          <a:xfrm>
+            <a:off x="1241611" y="9432165"/>
+            <a:ext cx="8867733" cy="465773"/>
+          </a:xfrm>
+          <a:prstGeom prst="rect">
+            <a:avLst/>
+          </a:prstGeom>
+        </p:spPr>
+        <p:txBody>
+          <a:bodyPr lIns="0" tIns="0" rIns="0" bIns="0" rtlCol="0" anchor="t">
+            <a:spAutoFit/>
+          </a:bodyPr>
+          <a:lstStyle/>
+          <a:p>
+            <a:pPr>
+              <a:lnSpc>
+                <a:spcPts val="3870"/>
+              </a:lnSpc>
+            </a:pPr>
+            <a:r>
+              <a:rPr lang="en-US" sz="2199" dirty="0">
+                <a:solidFill>
+                  <a:srgbClr val="000000"/>
+                </a:solidFill>
+                <a:latin typeface="HK Grotesk Medium"/>
+              </a:rPr>
+              <a:t>Query a dataset</a:t>
             </a:r>
           </a:p>
         </p:txBody>
@@ -9096,10 +14665,10 @@
         </p:nvGrpSpPr>
         <p:grpSpPr>
           <a:xfrm>
-            <a:off x="271718" y="1028700"/>
-            <a:ext cx="6439744" cy="7151677"/>
-            <a:chOff x="0" y="0"/>
-            <a:chExt cx="8586325" cy="9535569"/>
+            <a:off x="271718" y="1078706"/>
+            <a:ext cx="6439744" cy="7253878"/>
+            <a:chOff x="0" y="66675"/>
+            <a:chExt cx="8586325" cy="9671837"/>
           </a:xfrm>
         </p:grpSpPr>
         <p:sp>
@@ -9149,7 +14718,7 @@
           <p:spPr>
             <a:xfrm>
               <a:off x="0" y="2437539"/>
-              <a:ext cx="8586325" cy="7098030"/>
+              <a:ext cx="8586325" cy="7300973"/>
             </a:xfrm>
             <a:prstGeom prst="rect">
               <a:avLst/>
@@ -9169,7 +14738,7 @@
                 <a:buChar char="•"/>
               </a:pPr>
               <a:r>
-                <a:rPr lang="en-US" sz="3000">
+                <a:rPr lang="en-US" sz="3000" dirty="0">
                   <a:solidFill>
                     <a:srgbClr val="000000"/>
                   </a:solidFill>
@@ -9184,7 +14753,7 @@
                   <a:spcPts val="3870"/>
                 </a:lnSpc>
               </a:pPr>
-              <a:endParaRPr lang="en-US" sz="3000">
+              <a:endParaRPr lang="en-US" sz="3000" dirty="0">
                 <a:solidFill>
                   <a:srgbClr val="000000"/>
                 </a:solidFill>
@@ -9200,7 +14769,7 @@
                 <a:buChar char="•"/>
               </a:pPr>
               <a:r>
-                <a:rPr lang="en-US" sz="3000">
+                <a:rPr lang="en-US" sz="3000" dirty="0">
                   <a:solidFill>
                     <a:srgbClr val="000000"/>
                   </a:solidFill>
@@ -9215,7 +14784,7 @@
                   <a:spcPts val="3870"/>
                 </a:lnSpc>
               </a:pPr>
-              <a:endParaRPr lang="en-US" sz="3000">
+              <a:endParaRPr lang="en-US" sz="3000" dirty="0">
                 <a:solidFill>
                   <a:srgbClr val="000000"/>
                 </a:solidFill>
@@ -9231,7 +14800,7 @@
                 <a:buChar char="•"/>
               </a:pPr>
               <a:r>
-                <a:rPr lang="en-US" sz="3000">
+                <a:rPr lang="en-US" sz="3000" dirty="0">
                   <a:solidFill>
                     <a:srgbClr val="000000"/>
                   </a:solidFill>
@@ -9249,13 +14818,13 @@
                 <a:buChar char="⚬"/>
               </a:pPr>
               <a:r>
-                <a:rPr lang="en-US" sz="3000">
+                <a:rPr lang="en-US" sz="3000" dirty="0">
                   <a:solidFill>
                     <a:srgbClr val="000000"/>
                   </a:solidFill>
                   <a:latin typeface="Open Sans"/>
                 </a:rPr>
-                <a:t>are you using the primary key to join tables?</a:t>
+                <a:t>are you using all primary keys to join tables?</a:t>
               </a:r>
             </a:p>
             <a:p>
@@ -9267,7 +14836,7 @@
                 <a:buChar char="⚬"/>
               </a:pPr>
               <a:r>
-                <a:rPr lang="en-US" sz="3000">
+                <a:rPr lang="en-US" sz="3000" dirty="0">
                   <a:solidFill>
                     <a:srgbClr val="000000"/>
                   </a:solidFill>
@@ -9441,10 +15010,10 @@
           </p:nvGrpSpPr>
           <p:grpSpPr>
             <a:xfrm>
-              <a:off x="8189584" y="5838837"/>
-              <a:ext cx="1908831" cy="2234455"/>
-              <a:chOff x="3307" y="52117"/>
-              <a:chExt cx="2545108" cy="2979274"/>
+              <a:off x="8200674" y="5838837"/>
+              <a:ext cx="1897741" cy="2234455"/>
+              <a:chOff x="18093" y="52117"/>
+              <a:chExt cx="2530322" cy="2979274"/>
             </a:xfrm>
           </p:grpSpPr>
           <p:grpSp>
@@ -9455,10 +15024,10 @@
             </p:nvGrpSpPr>
             <p:grpSpPr>
               <a:xfrm>
-                <a:off x="3307" y="52117"/>
-                <a:ext cx="1475825" cy="2979274"/>
-                <a:chOff x="1813" y="28575"/>
-                <a:chExt cx="809173" cy="1633492"/>
+                <a:off x="18093" y="52117"/>
+                <a:ext cx="1475825" cy="2972210"/>
+                <a:chOff x="9920" y="28575"/>
+                <a:chExt cx="809173" cy="1629619"/>
               </a:xfrm>
             </p:grpSpPr>
             <p:sp>
@@ -9469,7 +15038,7 @@
               </p:nvSpPr>
               <p:spPr>
                 <a:xfrm>
-                  <a:off x="1813" y="849267"/>
+                  <a:off x="9920" y="845394"/>
                   <a:ext cx="809173" cy="812800"/>
                 </a:xfrm>
                 <a:custGeom>
@@ -9511,9 +15080,7 @@
                   <a:srgbClr val="84A4B7"/>
                 </a:solidFill>
                 <a:ln w="38100">
-                  <a:solidFill>
-                    <a:srgbClr val="000000"/>
-                  </a:solidFill>
+                  <a:noFill/>
                 </a:ln>
               </p:spPr>
             </p:sp>
@@ -9707,6 +15274,104 @@
           </p:spPr>
         </p:sp>
       </p:grpSp>
+      <p:sp>
+        <p:nvSpPr>
+          <p:cNvPr id="34" name="Oval 33">
+            <a:extLst>
+              <a:ext uri="{FF2B5EF4-FFF2-40B4-BE49-F238E27FC236}">
+                <a16:creationId xmlns:a16="http://schemas.microsoft.com/office/drawing/2014/main" id="{F68FB746-961D-7DCC-8802-6E6AF775294A}"/>
+              </a:ext>
+            </a:extLst>
+          </p:cNvPr>
+          <p:cNvSpPr/>
+          <p:nvPr/>
+        </p:nvSpPr>
+        <p:spPr>
+          <a:xfrm flipH="1">
+            <a:off x="8932168" y="3498404"/>
+            <a:ext cx="307379" cy="682269"/>
+          </a:xfrm>
+          <a:prstGeom prst="ellipse">
+            <a:avLst/>
+          </a:prstGeom>
+          <a:solidFill>
+            <a:srgbClr val="84A4B7"/>
+          </a:solidFill>
+          <a:ln>
+            <a:solidFill>
+              <a:schemeClr val="tx1"/>
+            </a:solidFill>
+          </a:ln>
+        </p:spPr>
+        <p:style>
+          <a:lnRef idx="2">
+            <a:schemeClr val="accent1">
+              <a:shade val="50000"/>
+            </a:schemeClr>
+          </a:lnRef>
+          <a:fillRef idx="1">
+            <a:schemeClr val="accent1"/>
+          </a:fillRef>
+          <a:effectRef idx="0">
+            <a:schemeClr val="accent1"/>
+          </a:effectRef>
+          <a:fontRef idx="minor">
+            <a:schemeClr val="lt1"/>
+          </a:fontRef>
+        </p:style>
+        <p:txBody>
+          <a:bodyPr rtlCol="0" anchor="ctr"/>
+          <a:lstStyle/>
+          <a:p>
+            <a:pPr algn="ctr"/>
+            <a:endParaRPr lang="en-US"/>
+          </a:p>
+        </p:txBody>
+      </p:sp>
+      <p:sp>
+        <p:nvSpPr>
+          <p:cNvPr id="37" name="TextBox 7">
+            <a:extLst>
+              <a:ext uri="{FF2B5EF4-FFF2-40B4-BE49-F238E27FC236}">
+                <a16:creationId xmlns:a16="http://schemas.microsoft.com/office/drawing/2014/main" id="{5C9DFB30-A77F-FB55-F552-4DFF5FA987F9}"/>
+              </a:ext>
+            </a:extLst>
+          </p:cNvPr>
+          <p:cNvSpPr txBox="1"/>
+          <p:nvPr/>
+        </p:nvSpPr>
+        <p:spPr>
+          <a:xfrm>
+            <a:off x="1241611" y="9432165"/>
+            <a:ext cx="8867733" cy="465773"/>
+          </a:xfrm>
+          <a:prstGeom prst="rect">
+            <a:avLst/>
+          </a:prstGeom>
+        </p:spPr>
+        <p:txBody>
+          <a:bodyPr lIns="0" tIns="0" rIns="0" bIns="0" rtlCol="0" anchor="t">
+            <a:spAutoFit/>
+          </a:bodyPr>
+          <a:lstStyle/>
+          <a:p>
+            <a:pPr>
+              <a:lnSpc>
+                <a:spcPts val="3870"/>
+              </a:lnSpc>
+            </a:pPr>
+            <a:r>
+              <a:rPr lang="en-US" sz="2199" dirty="0">
+                <a:solidFill>
+                  <a:srgbClr val="000000"/>
+                </a:solidFill>
+                <a:latin typeface="HK Grotesk Medium"/>
+              </a:rPr>
+              <a:t>Join data </a:t>
+            </a:r>
+          </a:p>
+        </p:txBody>
+      </p:sp>
     </p:spTree>
   </p:cSld>
   <p:clrMapOvr>
@@ -10444,6 +16109,50 @@
           </a:ln>
         </p:spPr>
       </p:sp>
+      <p:sp>
+        <p:nvSpPr>
+          <p:cNvPr id="19" name="TextBox 7">
+            <a:extLst>
+              <a:ext uri="{FF2B5EF4-FFF2-40B4-BE49-F238E27FC236}">
+                <a16:creationId xmlns:a16="http://schemas.microsoft.com/office/drawing/2014/main" id="{4AA2A6BA-0D84-E467-059E-9027994682C5}"/>
+              </a:ext>
+            </a:extLst>
+          </p:cNvPr>
+          <p:cNvSpPr txBox="1"/>
+          <p:nvPr/>
+        </p:nvSpPr>
+        <p:spPr>
+          <a:xfrm>
+            <a:off x="1241611" y="9432165"/>
+            <a:ext cx="8867733" cy="465773"/>
+          </a:xfrm>
+          <a:prstGeom prst="rect">
+            <a:avLst/>
+          </a:prstGeom>
+        </p:spPr>
+        <p:txBody>
+          <a:bodyPr lIns="0" tIns="0" rIns="0" bIns="0" rtlCol="0" anchor="t">
+            <a:spAutoFit/>
+          </a:bodyPr>
+          <a:lstStyle/>
+          <a:p>
+            <a:pPr>
+              <a:lnSpc>
+                <a:spcPts val="3870"/>
+              </a:lnSpc>
+            </a:pPr>
+            <a:r>
+              <a:rPr lang="en-US" sz="2199" dirty="0">
+                <a:solidFill>
+                  <a:srgbClr val="000000"/>
+                </a:solidFill>
+                <a:latin typeface="HK Grotesk Medium"/>
+              </a:rPr>
+              <a:t>Union Data</a:t>
+            </a:r>
+          </a:p>
+        </p:txBody>
+      </p:sp>
     </p:spTree>
   </p:cSld>
   <p:clrMapOvr>
@@ -10479,44 +16188,6 @@
       </p:grpSpPr>
       <p:sp>
         <p:nvSpPr>
-          <p:cNvPr id="2" name="TextBox 2"/>
-          <p:cNvSpPr txBox="1"/>
-          <p:nvPr/>
-        </p:nvSpPr>
-        <p:spPr>
-          <a:xfrm>
-            <a:off x="603738" y="1066800"/>
-            <a:ext cx="6427254" cy="809371"/>
-          </a:xfrm>
-          <a:prstGeom prst="rect">
-            <a:avLst/>
-          </a:prstGeom>
-        </p:spPr>
-        <p:txBody>
-          <a:bodyPr lIns="0" tIns="0" rIns="0" bIns="0" rtlCol="0" anchor="t">
-            <a:spAutoFit/>
-          </a:bodyPr>
-          <a:lstStyle/>
-          <a:p>
-            <a:pPr>
-              <a:lnSpc>
-                <a:spcPts val="6272"/>
-              </a:lnSpc>
-            </a:pPr>
-            <a:r>
-              <a:rPr lang="en-US" sz="5600">
-                <a:solidFill>
-                  <a:srgbClr val="000000"/>
-                </a:solidFill>
-                <a:latin typeface="Open Sans Bold"/>
-              </a:rPr>
-              <a:t>Create New Fields</a:t>
-            </a:r>
-          </a:p>
-        </p:txBody>
-      </p:sp>
-      <p:sp>
-        <p:nvSpPr>
           <p:cNvPr id="3" name="AutoShape 3"/>
           <p:cNvSpPr/>
           <p:nvPr/>
@@ -10541,149 +16212,13 @@
       </p:sp>
       <p:sp>
         <p:nvSpPr>
-          <p:cNvPr id="4" name="TextBox 4"/>
-          <p:cNvSpPr txBox="1"/>
-          <p:nvPr/>
-        </p:nvSpPr>
-        <p:spPr>
-          <a:xfrm>
-            <a:off x="894663" y="5708047"/>
-            <a:ext cx="5845405" cy="4461510"/>
-          </a:xfrm>
-          <a:prstGeom prst="rect">
-            <a:avLst/>
-          </a:prstGeom>
-        </p:spPr>
-        <p:txBody>
-          <a:bodyPr lIns="0" tIns="0" rIns="0" bIns="0" rtlCol="0" anchor="t">
-            <a:spAutoFit/>
-          </a:bodyPr>
-          <a:lstStyle/>
-          <a:p>
-            <a:pPr>
-              <a:lnSpc>
-                <a:spcPts val="3870"/>
-              </a:lnSpc>
-            </a:pPr>
-            <a:r>
-              <a:rPr lang="en-US" sz="3000">
-                <a:solidFill>
-                  <a:srgbClr val="000000"/>
-                </a:solidFill>
-                <a:latin typeface="Open Sans"/>
-              </a:rPr>
-              <a:t>where statement allows you to specify conditions that must be met by the result set. Can use many operators </a:t>
-            </a:r>
-          </a:p>
-          <a:p>
-            <a:pPr marL="518160" lvl="1" indent="-259080">
-              <a:lnSpc>
-                <a:spcPts val="3096"/>
-              </a:lnSpc>
-              <a:buFont typeface="Arial"/>
-              <a:buChar char="•"/>
-            </a:pPr>
-            <a:r>
-              <a:rPr lang="en-US" sz="2400">
-                <a:solidFill>
-                  <a:srgbClr val="000000"/>
-                </a:solidFill>
-                <a:latin typeface="Open Sans"/>
-              </a:rPr>
-              <a:t>and </a:t>
-            </a:r>
-          </a:p>
-          <a:p>
-            <a:pPr marL="518160" lvl="1" indent="-259080">
-              <a:lnSpc>
-                <a:spcPts val="3096"/>
-              </a:lnSpc>
-              <a:buFont typeface="Arial"/>
-              <a:buChar char="•"/>
-            </a:pPr>
-            <a:r>
-              <a:rPr lang="en-US" sz="2400">
-                <a:solidFill>
-                  <a:srgbClr val="000000"/>
-                </a:solidFill>
-                <a:latin typeface="Open Sans"/>
-              </a:rPr>
-              <a:t>or</a:t>
-            </a:r>
-          </a:p>
-          <a:p>
-            <a:pPr marL="518160" lvl="1" indent="-259080">
-              <a:lnSpc>
-                <a:spcPts val="3096"/>
-              </a:lnSpc>
-              <a:buFont typeface="Arial"/>
-              <a:buChar char="•"/>
-            </a:pPr>
-            <a:r>
-              <a:rPr lang="en-US" sz="2400">
-                <a:solidFill>
-                  <a:srgbClr val="000000"/>
-                </a:solidFill>
-                <a:latin typeface="Open Sans"/>
-              </a:rPr>
-              <a:t>= </a:t>
-            </a:r>
-          </a:p>
-          <a:p>
-            <a:pPr marL="518160" lvl="1" indent="-259080">
-              <a:lnSpc>
-                <a:spcPts val="3096"/>
-              </a:lnSpc>
-              <a:buFont typeface="Arial"/>
-              <a:buChar char="•"/>
-            </a:pPr>
-            <a:r>
-              <a:rPr lang="en-US" sz="2400">
-                <a:solidFill>
-                  <a:srgbClr val="000000"/>
-                </a:solidFill>
-                <a:latin typeface="Open Sans"/>
-              </a:rPr>
-              <a:t>!=</a:t>
-            </a:r>
-          </a:p>
-          <a:p>
-            <a:pPr>
-              <a:lnSpc>
-                <a:spcPts val="3870"/>
-              </a:lnSpc>
-            </a:pPr>
-            <a:endParaRPr lang="en-US" sz="2400">
-              <a:solidFill>
-                <a:srgbClr val="000000"/>
-              </a:solidFill>
-              <a:latin typeface="Open Sans"/>
-            </a:endParaRPr>
-          </a:p>
-          <a:p>
-            <a:pPr>
-              <a:lnSpc>
-                <a:spcPts val="3870"/>
-              </a:lnSpc>
-            </a:pPr>
-            <a:endParaRPr lang="en-US" sz="2400">
-              <a:solidFill>
-                <a:srgbClr val="000000"/>
-              </a:solidFill>
-              <a:latin typeface="Open Sans"/>
-            </a:endParaRPr>
-          </a:p>
-        </p:txBody>
-      </p:sp>
-      <p:sp>
-        <p:nvSpPr>
           <p:cNvPr id="5" name="TextBox 5"/>
           <p:cNvSpPr txBox="1"/>
           <p:nvPr/>
         </p:nvSpPr>
         <p:spPr>
           <a:xfrm>
-            <a:off x="708385" y="9639300"/>
+            <a:off x="676701" y="9508027"/>
             <a:ext cx="510815" cy="382733"/>
           </a:xfrm>
           <a:prstGeom prst="rect">
@@ -10711,7 +16246,7 @@
                 </a:solidFill>
                 <a:latin typeface="HK Grotesk Medium"/>
               </a:rPr>
-              <a:t>04</a:t>
+              <a:t>05</a:t>
             </a:r>
           </a:p>
         </p:txBody>
@@ -10724,7 +16259,7 @@
         </p:nvSpPr>
         <p:spPr>
           <a:xfrm>
-            <a:off x="708385" y="4536577"/>
+            <a:off x="777514" y="6057900"/>
             <a:ext cx="17142320" cy="0"/>
           </a:xfrm>
           <a:prstGeom prst="line">
@@ -10740,16 +16275,561 @@
           </a:ln>
         </p:spPr>
       </p:sp>
+      <p:grpSp>
+        <p:nvGrpSpPr>
+          <p:cNvPr id="14" name="Group 13">
+            <a:extLst>
+              <a:ext uri="{FF2B5EF4-FFF2-40B4-BE49-F238E27FC236}">
+                <a16:creationId xmlns:a16="http://schemas.microsoft.com/office/drawing/2014/main" id="{C64A9B01-D649-8BCA-18E1-9EC361602CE9}"/>
+              </a:ext>
+            </a:extLst>
+          </p:cNvPr>
+          <p:cNvGrpSpPr/>
+          <p:nvPr/>
+        </p:nvGrpSpPr>
+        <p:grpSpPr>
+          <a:xfrm>
+            <a:off x="1199606" y="498592"/>
+            <a:ext cx="15142139" cy="5406908"/>
+            <a:chOff x="868003" y="4917726"/>
+            <a:chExt cx="15142139" cy="5406908"/>
+          </a:xfrm>
+        </p:grpSpPr>
+        <p:sp>
+          <p:nvSpPr>
+            <p:cNvPr id="4" name="TextBox 4"/>
+            <p:cNvSpPr txBox="1"/>
+            <p:nvPr/>
+          </p:nvSpPr>
+          <p:spPr>
+            <a:xfrm>
+              <a:off x="894663" y="5863124"/>
+              <a:ext cx="5845405" cy="4461510"/>
+            </a:xfrm>
+            <a:prstGeom prst="rect">
+              <a:avLst/>
+            </a:prstGeom>
+          </p:spPr>
+          <p:txBody>
+            <a:bodyPr lIns="0" tIns="0" rIns="0" bIns="0" rtlCol="0" anchor="t">
+              <a:spAutoFit/>
+            </a:bodyPr>
+            <a:lstStyle/>
+            <a:p>
+              <a:pPr>
+                <a:lnSpc>
+                  <a:spcPts val="3870"/>
+                </a:lnSpc>
+              </a:pPr>
+              <a:r>
+                <a:rPr lang="en-US" sz="3000" dirty="0">
+                  <a:solidFill>
+                    <a:srgbClr val="000000"/>
+                  </a:solidFill>
+                  <a:latin typeface="Open Sans"/>
+                </a:rPr>
+                <a:t>where statement allows you to specify conditions that must be met by the result set. Can use many operators </a:t>
+              </a:r>
+            </a:p>
+            <a:p>
+              <a:pPr marL="518160" lvl="1" indent="-259080">
+                <a:lnSpc>
+                  <a:spcPts val="3096"/>
+                </a:lnSpc>
+                <a:buFont typeface="Arial"/>
+                <a:buChar char="•"/>
+              </a:pPr>
+              <a:r>
+                <a:rPr lang="en-US" sz="2400" dirty="0">
+                  <a:solidFill>
+                    <a:srgbClr val="000000"/>
+                  </a:solidFill>
+                  <a:latin typeface="Open Sans"/>
+                </a:rPr>
+                <a:t>and </a:t>
+              </a:r>
+            </a:p>
+            <a:p>
+              <a:pPr marL="518160" lvl="1" indent="-259080">
+                <a:lnSpc>
+                  <a:spcPts val="3096"/>
+                </a:lnSpc>
+                <a:buFont typeface="Arial"/>
+                <a:buChar char="•"/>
+              </a:pPr>
+              <a:r>
+                <a:rPr lang="en-US" sz="2400" dirty="0">
+                  <a:solidFill>
+                    <a:srgbClr val="000000"/>
+                  </a:solidFill>
+                  <a:latin typeface="Open Sans"/>
+                </a:rPr>
+                <a:t>or</a:t>
+              </a:r>
+            </a:p>
+            <a:p>
+              <a:pPr marL="518160" lvl="1" indent="-259080">
+                <a:lnSpc>
+                  <a:spcPts val="3096"/>
+                </a:lnSpc>
+                <a:buFont typeface="Arial"/>
+                <a:buChar char="•"/>
+              </a:pPr>
+              <a:r>
+                <a:rPr lang="en-US" sz="2400" dirty="0">
+                  <a:solidFill>
+                    <a:srgbClr val="000000"/>
+                  </a:solidFill>
+                  <a:latin typeface="Open Sans"/>
+                </a:rPr>
+                <a:t>= </a:t>
+              </a:r>
+            </a:p>
+            <a:p>
+              <a:pPr marL="518160" lvl="1" indent="-259080">
+                <a:lnSpc>
+                  <a:spcPts val="3096"/>
+                </a:lnSpc>
+                <a:buFont typeface="Arial"/>
+                <a:buChar char="•"/>
+              </a:pPr>
+              <a:r>
+                <a:rPr lang="en-US" sz="2400" dirty="0">
+                  <a:solidFill>
+                    <a:srgbClr val="000000"/>
+                  </a:solidFill>
+                  <a:latin typeface="Open Sans"/>
+                </a:rPr>
+                <a:t>!=</a:t>
+              </a:r>
+            </a:p>
+            <a:p>
+              <a:pPr>
+                <a:lnSpc>
+                  <a:spcPts val="3870"/>
+                </a:lnSpc>
+              </a:pPr>
+              <a:endParaRPr lang="en-US" sz="2400" dirty="0">
+                <a:solidFill>
+                  <a:srgbClr val="000000"/>
+                </a:solidFill>
+                <a:latin typeface="Open Sans"/>
+              </a:endParaRPr>
+            </a:p>
+            <a:p>
+              <a:pPr>
+                <a:lnSpc>
+                  <a:spcPts val="3870"/>
+                </a:lnSpc>
+              </a:pPr>
+              <a:endParaRPr lang="en-US" sz="2400" dirty="0">
+                <a:solidFill>
+                  <a:srgbClr val="000000"/>
+                </a:solidFill>
+                <a:latin typeface="Open Sans"/>
+              </a:endParaRPr>
+            </a:p>
+          </p:txBody>
+        </p:sp>
+        <p:sp>
+          <p:nvSpPr>
+            <p:cNvPr id="7" name="TextBox 7"/>
+            <p:cNvSpPr txBox="1"/>
+            <p:nvPr/>
+          </p:nvSpPr>
+          <p:spPr>
+            <a:xfrm>
+              <a:off x="868003" y="4917726"/>
+              <a:ext cx="5210984" cy="809371"/>
+            </a:xfrm>
+            <a:prstGeom prst="rect">
+              <a:avLst/>
+            </a:prstGeom>
+          </p:spPr>
+          <p:txBody>
+            <a:bodyPr lIns="0" tIns="0" rIns="0" bIns="0" rtlCol="0" anchor="t">
+              <a:spAutoFit/>
+            </a:bodyPr>
+            <a:lstStyle/>
+            <a:p>
+              <a:pPr>
+                <a:lnSpc>
+                  <a:spcPts val="6272"/>
+                </a:lnSpc>
+              </a:pPr>
+              <a:r>
+                <a:rPr lang="en-US" sz="5600" dirty="0">
+                  <a:solidFill>
+                    <a:srgbClr val="000000"/>
+                  </a:solidFill>
+                  <a:latin typeface="Open Sans Bold"/>
+                </a:rPr>
+                <a:t>Filter</a:t>
+              </a:r>
+            </a:p>
+          </p:txBody>
+        </p:sp>
+        <p:sp>
+          <p:nvSpPr>
+            <p:cNvPr id="9" name="AutoShape 9"/>
+            <p:cNvSpPr/>
+            <p:nvPr/>
+          </p:nvSpPr>
+          <p:spPr>
+            <a:xfrm>
+              <a:off x="7703550" y="5303361"/>
+              <a:ext cx="8306592" cy="3092865"/>
+            </a:xfrm>
+            <a:prstGeom prst="rect">
+              <a:avLst/>
+            </a:prstGeom>
+            <a:solidFill>
+              <a:srgbClr val="F8ECA3"/>
+            </a:solidFill>
+          </p:spPr>
+        </p:sp>
+        <p:sp>
+          <p:nvSpPr>
+            <p:cNvPr id="10" name="TextBox 10"/>
+            <p:cNvSpPr txBox="1"/>
+            <p:nvPr/>
+          </p:nvSpPr>
+          <p:spPr>
+            <a:xfrm>
+              <a:off x="7951672" y="5541465"/>
+              <a:ext cx="6617165" cy="2752741"/>
+            </a:xfrm>
+            <a:prstGeom prst="rect">
+              <a:avLst/>
+            </a:prstGeom>
+          </p:spPr>
+          <p:txBody>
+            <a:bodyPr lIns="0" tIns="0" rIns="0" bIns="0" rtlCol="0" anchor="t">
+              <a:spAutoFit/>
+            </a:bodyPr>
+            <a:lstStyle/>
+            <a:p>
+              <a:pPr>
+                <a:lnSpc>
+                  <a:spcPts val="3639"/>
+                </a:lnSpc>
+              </a:pPr>
+              <a:r>
+                <a:rPr lang="en-US" sz="2599" dirty="0">
+                  <a:solidFill>
+                    <a:srgbClr val="000000"/>
+                  </a:solidFill>
+                  <a:latin typeface="Fira Code Light Bold"/>
+                </a:rPr>
+                <a:t>Exercise</a:t>
+              </a:r>
+            </a:p>
+            <a:p>
+              <a:pPr marL="561332" lvl="1" indent="-280666">
+                <a:lnSpc>
+                  <a:spcPts val="3639"/>
+                </a:lnSpc>
+                <a:buFont typeface="Arial"/>
+                <a:buChar char="•"/>
+              </a:pPr>
+              <a:r>
+                <a:rPr lang="en-US" sz="2599" dirty="0">
+                  <a:solidFill>
+                    <a:srgbClr val="000000"/>
+                  </a:solidFill>
+                  <a:latin typeface="Fira Code Light"/>
+                </a:rPr>
+                <a:t>Identify the names of customers in the east region.</a:t>
+              </a:r>
+            </a:p>
+            <a:p>
+              <a:pPr>
+                <a:lnSpc>
+                  <a:spcPts val="3639"/>
+                </a:lnSpc>
+              </a:pPr>
+              <a:endParaRPr lang="en-US" sz="2599" dirty="0">
+                <a:solidFill>
+                  <a:srgbClr val="000000"/>
+                </a:solidFill>
+                <a:latin typeface="Fira Code Light"/>
+              </a:endParaRPr>
+            </a:p>
+            <a:p>
+              <a:pPr>
+                <a:lnSpc>
+                  <a:spcPts val="3639"/>
+                </a:lnSpc>
+              </a:pPr>
+              <a:r>
+                <a:rPr lang="en-US" sz="2599" dirty="0">
+                  <a:solidFill>
+                    <a:srgbClr val="000000"/>
+                  </a:solidFill>
+                  <a:latin typeface="Fira Code Light"/>
+                </a:rPr>
+                <a:t>What other filters can you add to previous queries? </a:t>
+              </a:r>
+            </a:p>
+          </p:txBody>
+        </p:sp>
+      </p:grpSp>
+      <p:grpSp>
+        <p:nvGrpSpPr>
+          <p:cNvPr id="13" name="Group 12">
+            <a:extLst>
+              <a:ext uri="{FF2B5EF4-FFF2-40B4-BE49-F238E27FC236}">
+                <a16:creationId xmlns:a16="http://schemas.microsoft.com/office/drawing/2014/main" id="{0CBF99D6-69E0-6054-7917-F2C92BEF2132}"/>
+              </a:ext>
+            </a:extLst>
+          </p:cNvPr>
+          <p:cNvGrpSpPr/>
+          <p:nvPr/>
+        </p:nvGrpSpPr>
+        <p:grpSpPr>
+          <a:xfrm>
+            <a:off x="777514" y="6311262"/>
+            <a:ext cx="15592682" cy="4147624"/>
+            <a:chOff x="417460" y="1179956"/>
+            <a:chExt cx="15592682" cy="4147624"/>
+          </a:xfrm>
+        </p:grpSpPr>
+        <p:sp>
+          <p:nvSpPr>
+            <p:cNvPr id="2" name="TextBox 2"/>
+            <p:cNvSpPr txBox="1"/>
+            <p:nvPr/>
+          </p:nvSpPr>
+          <p:spPr>
+            <a:xfrm>
+              <a:off x="417460" y="1545369"/>
+              <a:ext cx="6427254" cy="809371"/>
+            </a:xfrm>
+            <a:prstGeom prst="rect">
+              <a:avLst/>
+            </a:prstGeom>
+          </p:spPr>
+          <p:txBody>
+            <a:bodyPr lIns="0" tIns="0" rIns="0" bIns="0" rtlCol="0" anchor="t">
+              <a:spAutoFit/>
+            </a:bodyPr>
+            <a:lstStyle/>
+            <a:p>
+              <a:pPr>
+                <a:lnSpc>
+                  <a:spcPts val="6272"/>
+                </a:lnSpc>
+              </a:pPr>
+              <a:r>
+                <a:rPr lang="en-US" sz="5600" dirty="0">
+                  <a:solidFill>
+                    <a:srgbClr val="000000"/>
+                  </a:solidFill>
+                  <a:latin typeface="Open Sans Bold"/>
+                </a:rPr>
+                <a:t>Create New Fields</a:t>
+              </a:r>
+            </a:p>
+          </p:txBody>
+        </p:sp>
+        <p:sp>
+          <p:nvSpPr>
+            <p:cNvPr id="8" name="TextBox 8"/>
+            <p:cNvSpPr txBox="1"/>
+            <p:nvPr/>
+          </p:nvSpPr>
+          <p:spPr>
+            <a:xfrm>
+              <a:off x="708385" y="2913945"/>
+              <a:ext cx="5845405" cy="2413635"/>
+            </a:xfrm>
+            <a:prstGeom prst="rect">
+              <a:avLst/>
+            </a:prstGeom>
+          </p:spPr>
+          <p:txBody>
+            <a:bodyPr lIns="0" tIns="0" rIns="0" bIns="0" rtlCol="0" anchor="t">
+              <a:spAutoFit/>
+            </a:bodyPr>
+            <a:lstStyle/>
+            <a:p>
+              <a:pPr>
+                <a:lnSpc>
+                  <a:spcPts val="3870"/>
+                </a:lnSpc>
+              </a:pPr>
+              <a:r>
+                <a:rPr lang="en-US" sz="3000" dirty="0">
+                  <a:solidFill>
+                    <a:srgbClr val="000000"/>
+                  </a:solidFill>
+                  <a:latin typeface="Open Sans"/>
+                </a:rPr>
+                <a:t>add criteria to select clause to create a new field</a:t>
+              </a:r>
+            </a:p>
+            <a:p>
+              <a:pPr>
+                <a:lnSpc>
+                  <a:spcPts val="3870"/>
+                </a:lnSpc>
+              </a:pPr>
+              <a:endParaRPr lang="en-US" sz="3000" dirty="0">
+                <a:solidFill>
+                  <a:srgbClr val="000000"/>
+                </a:solidFill>
+                <a:latin typeface="Open Sans"/>
+              </a:endParaRPr>
+            </a:p>
+            <a:p>
+              <a:pPr>
+                <a:lnSpc>
+                  <a:spcPts val="3870"/>
+                </a:lnSpc>
+              </a:pPr>
+              <a:endParaRPr lang="en-US" sz="3000" dirty="0">
+                <a:solidFill>
+                  <a:srgbClr val="000000"/>
+                </a:solidFill>
+                <a:latin typeface="Open Sans"/>
+              </a:endParaRPr>
+            </a:p>
+            <a:p>
+              <a:pPr>
+                <a:lnSpc>
+                  <a:spcPts val="3870"/>
+                </a:lnSpc>
+              </a:pPr>
+              <a:endParaRPr lang="en-US" sz="3000" dirty="0">
+                <a:solidFill>
+                  <a:srgbClr val="000000"/>
+                </a:solidFill>
+                <a:latin typeface="Open Sans"/>
+              </a:endParaRPr>
+            </a:p>
+          </p:txBody>
+        </p:sp>
+        <p:sp>
+          <p:nvSpPr>
+            <p:cNvPr id="11" name="AutoShape 11"/>
+            <p:cNvSpPr/>
+            <p:nvPr/>
+          </p:nvSpPr>
+          <p:spPr>
+            <a:xfrm>
+              <a:off x="7703550" y="1179956"/>
+              <a:ext cx="8306592" cy="3709038"/>
+            </a:xfrm>
+            <a:prstGeom prst="rect">
+              <a:avLst/>
+            </a:prstGeom>
+            <a:solidFill>
+              <a:srgbClr val="F8ECA3"/>
+            </a:solidFill>
+          </p:spPr>
+        </p:sp>
+        <p:sp>
+          <p:nvSpPr>
+            <p:cNvPr id="12" name="TextBox 12"/>
+            <p:cNvSpPr txBox="1"/>
+            <p:nvPr/>
+          </p:nvSpPr>
+          <p:spPr>
+            <a:xfrm>
+              <a:off x="7976212" y="1437058"/>
+              <a:ext cx="7761268" cy="3676071"/>
+            </a:xfrm>
+            <a:prstGeom prst="rect">
+              <a:avLst/>
+            </a:prstGeom>
+          </p:spPr>
+          <p:txBody>
+            <a:bodyPr lIns="0" tIns="0" rIns="0" bIns="0" rtlCol="0" anchor="t">
+              <a:spAutoFit/>
+            </a:bodyPr>
+            <a:lstStyle/>
+            <a:p>
+              <a:pPr>
+                <a:lnSpc>
+                  <a:spcPts val="3639"/>
+                </a:lnSpc>
+              </a:pPr>
+              <a:r>
+                <a:rPr lang="en-US" sz="2599" dirty="0">
+                  <a:solidFill>
+                    <a:srgbClr val="000000"/>
+                  </a:solidFill>
+                  <a:latin typeface="Fira Code Light Bold"/>
+                </a:rPr>
+                <a:t>Exercise</a:t>
+              </a:r>
+            </a:p>
+            <a:p>
+              <a:pPr marL="561332" lvl="1" indent="-280666">
+                <a:lnSpc>
+                  <a:spcPts val="3639"/>
+                </a:lnSpc>
+                <a:buFont typeface="Arial"/>
+                <a:buChar char="•"/>
+              </a:pPr>
+              <a:r>
+                <a:rPr lang="en-US" sz="2599" dirty="0">
+                  <a:solidFill>
+                    <a:srgbClr val="000000"/>
+                  </a:solidFill>
+                  <a:latin typeface="Fira Code Light"/>
+                </a:rPr>
+                <a:t>Create a new feature, named customer status. If the customer  had more than one order, they should be labeled 'existing' otherwise they should be labeled 'new’. </a:t>
+              </a:r>
+            </a:p>
+            <a:p>
+              <a:pPr marL="280666" lvl="1">
+                <a:lnSpc>
+                  <a:spcPts val="3639"/>
+                </a:lnSpc>
+              </a:pPr>
+              <a:r>
+                <a:rPr lang="en-US" sz="2599" dirty="0">
+                  <a:solidFill>
+                    <a:srgbClr val="000000"/>
+                  </a:solidFill>
+                  <a:latin typeface="Fira Code Light"/>
+                </a:rPr>
+                <a:t>(Don’t need to use archived data.)    </a:t>
+              </a:r>
+            </a:p>
+            <a:p>
+              <a:pPr>
+                <a:lnSpc>
+                  <a:spcPts val="3639"/>
+                </a:lnSpc>
+              </a:pPr>
+              <a:endParaRPr lang="en-US" sz="2599" dirty="0">
+                <a:solidFill>
+                  <a:srgbClr val="000000"/>
+                </a:solidFill>
+                <a:latin typeface="Fira Code Light"/>
+              </a:endParaRPr>
+            </a:p>
+          </p:txBody>
+        </p:sp>
+      </p:grpSp>
       <p:sp>
         <p:nvSpPr>
-          <p:cNvPr id="7" name="TextBox 7"/>
+          <p:cNvPr id="15" name="TextBox 7">
+            <a:extLst>
+              <a:ext uri="{FF2B5EF4-FFF2-40B4-BE49-F238E27FC236}">
+                <a16:creationId xmlns:a16="http://schemas.microsoft.com/office/drawing/2014/main" id="{7DB2B11D-8187-BE14-5BEC-6EB9F3AC3BA0}"/>
+              </a:ext>
+            </a:extLst>
+          </p:cNvPr>
           <p:cNvSpPr txBox="1"/>
           <p:nvPr/>
         </p:nvSpPr>
         <p:spPr>
           <a:xfrm>
-            <a:off x="868003" y="4917726"/>
-            <a:ext cx="5210984" cy="809371"/>
+            <a:off x="1241611" y="9432165"/>
+            <a:ext cx="8867733" cy="465773"/>
           </a:xfrm>
           <a:prstGeom prst="rect">
             <a:avLst/>
@@ -10763,31 +16843,84 @@
           <a:p>
             <a:pPr>
               <a:lnSpc>
-                <a:spcPts val="6272"/>
+                <a:spcPts val="3870"/>
               </a:lnSpc>
             </a:pPr>
             <a:r>
-              <a:rPr lang="en-US" sz="5600">
-                <a:solidFill>
-                  <a:srgbClr val="000000"/>
-                </a:solidFill>
-                <a:latin typeface="Open Sans Bold"/>
-              </a:rPr>
-              <a:t>Filter</a:t>
+              <a:rPr lang="en-US" sz="2199" dirty="0">
+                <a:solidFill>
+                  <a:srgbClr val="000000"/>
+                </a:solidFill>
+                <a:latin typeface="HK Grotesk Medium"/>
+              </a:rPr>
+              <a:t>Create new columns</a:t>
             </a:r>
           </a:p>
         </p:txBody>
       </p:sp>
       <p:sp>
         <p:nvSpPr>
-          <p:cNvPr id="8" name="TextBox 8"/>
+          <p:cNvPr id="16" name="TextBox 5">
+            <a:extLst>
+              <a:ext uri="{FF2B5EF4-FFF2-40B4-BE49-F238E27FC236}">
+                <a16:creationId xmlns:a16="http://schemas.microsoft.com/office/drawing/2014/main" id="{8A0B6264-8DD0-1EED-7256-3A07EA7B0DBB}"/>
+              </a:ext>
+            </a:extLst>
+          </p:cNvPr>
           <p:cNvSpPr txBox="1"/>
           <p:nvPr/>
         </p:nvSpPr>
         <p:spPr>
           <a:xfrm>
-            <a:off x="708385" y="2345819"/>
-            <a:ext cx="5845405" cy="2413635"/>
+            <a:off x="699234" y="5273306"/>
+            <a:ext cx="510815" cy="382733"/>
+          </a:xfrm>
+          <a:prstGeom prst="rect">
+            <a:avLst/>
+          </a:prstGeom>
+        </p:spPr>
+        <p:txBody>
+          <a:bodyPr wrap="square" lIns="0" tIns="0" rIns="0" bIns="0" rtlCol="0" anchor="t">
+            <a:spAutoFit/>
+          </a:bodyPr>
+          <a:lstStyle/>
+          <a:p>
+            <a:pPr algn="ctr">
+              <a:lnSpc>
+                <a:spcPts val="3079"/>
+              </a:lnSpc>
+              <a:spcBef>
+                <a:spcPct val="0"/>
+              </a:spcBef>
+            </a:pPr>
+            <a:r>
+              <a:rPr lang="en-US" sz="2199" dirty="0">
+                <a:solidFill>
+                  <a:srgbClr val="000000"/>
+                </a:solidFill>
+                <a:latin typeface="HK Grotesk Medium"/>
+              </a:rPr>
+              <a:t>04</a:t>
+            </a:r>
+          </a:p>
+        </p:txBody>
+      </p:sp>
+      <p:sp>
+        <p:nvSpPr>
+          <p:cNvPr id="17" name="TextBox 7">
+            <a:extLst>
+              <a:ext uri="{FF2B5EF4-FFF2-40B4-BE49-F238E27FC236}">
+                <a16:creationId xmlns:a16="http://schemas.microsoft.com/office/drawing/2014/main" id="{369212A2-6FD1-D99E-6FEA-9DAE45A368B1}"/>
+              </a:ext>
+            </a:extLst>
+          </p:cNvPr>
+          <p:cNvSpPr txBox="1"/>
+          <p:nvPr/>
+        </p:nvSpPr>
+        <p:spPr>
+          <a:xfrm>
+            <a:off x="1241611" y="5191306"/>
+            <a:ext cx="8867733" cy="465773"/>
           </a:xfrm>
           <a:prstGeom prst="rect">
             <a:avLst/>
@@ -10805,245 +16938,14 @@
               </a:lnSpc>
             </a:pPr>
             <a:r>
-              <a:rPr lang="en-US" sz="3000">
-                <a:solidFill>
-                  <a:srgbClr val="000000"/>
-                </a:solidFill>
-                <a:latin typeface="Open Sans"/>
-              </a:rPr>
-              <a:t>add criteria to select clause to create a new field</a:t>
-            </a:r>
-          </a:p>
-          <a:p>
-            <a:pPr>
-              <a:lnSpc>
-                <a:spcPts val="3870"/>
-              </a:lnSpc>
-            </a:pPr>
-            <a:endParaRPr lang="en-US" sz="3000">
-              <a:solidFill>
-                <a:srgbClr val="000000"/>
-              </a:solidFill>
-              <a:latin typeface="Open Sans"/>
-            </a:endParaRPr>
-          </a:p>
-          <a:p>
-            <a:pPr>
-              <a:lnSpc>
-                <a:spcPts val="3870"/>
-              </a:lnSpc>
-            </a:pPr>
-            <a:endParaRPr lang="en-US" sz="3000">
-              <a:solidFill>
-                <a:srgbClr val="000000"/>
-              </a:solidFill>
-              <a:latin typeface="Open Sans"/>
-            </a:endParaRPr>
-          </a:p>
-          <a:p>
-            <a:pPr>
-              <a:lnSpc>
-                <a:spcPts val="3870"/>
-              </a:lnSpc>
-            </a:pPr>
-            <a:endParaRPr lang="en-US" sz="3000">
-              <a:solidFill>
-                <a:srgbClr val="000000"/>
-              </a:solidFill>
-              <a:latin typeface="Open Sans"/>
-            </a:endParaRPr>
-          </a:p>
-        </p:txBody>
-      </p:sp>
-      <p:sp>
-        <p:nvSpPr>
-          <p:cNvPr id="9" name="AutoShape 9"/>
-          <p:cNvSpPr/>
-          <p:nvPr/>
-        </p:nvSpPr>
-        <p:spPr>
-          <a:xfrm>
-            <a:off x="7703550" y="5303361"/>
-            <a:ext cx="8306592" cy="3092865"/>
-          </a:xfrm>
-          <a:prstGeom prst="rect">
-            <a:avLst/>
-          </a:prstGeom>
-          <a:solidFill>
-            <a:srgbClr val="F8ECA3"/>
-          </a:solidFill>
-        </p:spPr>
-      </p:sp>
-      <p:sp>
-        <p:nvSpPr>
-          <p:cNvPr id="10" name="TextBox 10"/>
-          <p:cNvSpPr txBox="1"/>
-          <p:nvPr/>
-        </p:nvSpPr>
-        <p:spPr>
-          <a:xfrm>
-            <a:off x="7951672" y="5541465"/>
-            <a:ext cx="6617165" cy="2724786"/>
-          </a:xfrm>
-          <a:prstGeom prst="rect">
-            <a:avLst/>
-          </a:prstGeom>
-        </p:spPr>
-        <p:txBody>
-          <a:bodyPr lIns="0" tIns="0" rIns="0" bIns="0" rtlCol="0" anchor="t">
-            <a:spAutoFit/>
-          </a:bodyPr>
-          <a:lstStyle/>
-          <a:p>
-            <a:pPr>
-              <a:lnSpc>
-                <a:spcPts val="3639"/>
-              </a:lnSpc>
-            </a:pPr>
-            <a:r>
-              <a:rPr lang="en-US" sz="2599">
-                <a:solidFill>
-                  <a:srgbClr val="000000"/>
-                </a:solidFill>
-                <a:latin typeface="Fira Code Light Bold"/>
-              </a:rPr>
-              <a:t>Exercise</a:t>
-            </a:r>
-          </a:p>
-          <a:p>
-            <a:pPr marL="561332" lvl="1" indent="-280666">
-              <a:lnSpc>
-                <a:spcPts val="3639"/>
-              </a:lnSpc>
-              <a:buFont typeface="Arial"/>
-              <a:buChar char="•"/>
-            </a:pPr>
-            <a:r>
-              <a:rPr lang="en-US" sz="2599">
-                <a:solidFill>
-                  <a:srgbClr val="000000"/>
-                </a:solidFill>
-                <a:latin typeface="Fira Code Light"/>
-              </a:rPr>
-              <a:t>Identify the names of existing customers in the east region.</a:t>
-            </a:r>
-          </a:p>
-          <a:p>
-            <a:pPr>
-              <a:lnSpc>
-                <a:spcPts val="3639"/>
-              </a:lnSpc>
-            </a:pPr>
-            <a:endParaRPr lang="en-US" sz="2599">
-              <a:solidFill>
-                <a:srgbClr val="000000"/>
-              </a:solidFill>
-              <a:latin typeface="Fira Code Light"/>
-            </a:endParaRPr>
-          </a:p>
-          <a:p>
-            <a:pPr>
-              <a:lnSpc>
-                <a:spcPts val="3639"/>
-              </a:lnSpc>
-            </a:pPr>
-            <a:r>
-              <a:rPr lang="en-US" sz="2599">
-                <a:solidFill>
-                  <a:srgbClr val="000000"/>
-                </a:solidFill>
-                <a:latin typeface="Fira Code Light"/>
-              </a:rPr>
-              <a:t>What other filters can you add to previous queries? </a:t>
-            </a:r>
-          </a:p>
-        </p:txBody>
-      </p:sp>
-      <p:sp>
-        <p:nvSpPr>
-          <p:cNvPr id="11" name="AutoShape 11"/>
-          <p:cNvSpPr/>
-          <p:nvPr/>
-        </p:nvSpPr>
-        <p:spPr>
-          <a:xfrm>
-            <a:off x="7703550" y="611829"/>
-            <a:ext cx="8306592" cy="3320221"/>
-          </a:xfrm>
-          <a:prstGeom prst="rect">
-            <a:avLst/>
-          </a:prstGeom>
-          <a:solidFill>
-            <a:srgbClr val="F8ECA3"/>
-          </a:solidFill>
-        </p:spPr>
-      </p:sp>
-      <p:sp>
-        <p:nvSpPr>
-          <p:cNvPr id="12" name="TextBox 12"/>
-          <p:cNvSpPr txBox="1"/>
-          <p:nvPr/>
-        </p:nvSpPr>
-        <p:spPr>
-          <a:xfrm>
-            <a:off x="7976212" y="868932"/>
-            <a:ext cx="7761268" cy="3214406"/>
-          </a:xfrm>
-          <a:prstGeom prst="rect">
-            <a:avLst/>
-          </a:prstGeom>
-        </p:spPr>
-        <p:txBody>
-          <a:bodyPr lIns="0" tIns="0" rIns="0" bIns="0" rtlCol="0" anchor="t">
-            <a:spAutoFit/>
-          </a:bodyPr>
-          <a:lstStyle/>
-          <a:p>
-            <a:pPr>
-              <a:lnSpc>
-                <a:spcPts val="3639"/>
-              </a:lnSpc>
-            </a:pPr>
-            <a:r>
-              <a:rPr lang="en-US" sz="2599" dirty="0">
-                <a:solidFill>
-                  <a:srgbClr val="000000"/>
-                </a:solidFill>
-                <a:latin typeface="Fira Code Light Bold"/>
-              </a:rPr>
-              <a:t>Exercise</a:t>
-            </a:r>
-          </a:p>
-          <a:p>
-            <a:pPr marL="561332" lvl="1" indent="-280666">
-              <a:lnSpc>
-                <a:spcPts val="3639"/>
-              </a:lnSpc>
-              <a:buFont typeface="Arial"/>
-              <a:buChar char="•"/>
-            </a:pPr>
-            <a:r>
-              <a:rPr lang="en-US" sz="2599" dirty="0">
-                <a:solidFill>
-                  <a:srgbClr val="000000"/>
-                </a:solidFill>
-                <a:latin typeface="Fira Code Light"/>
-              </a:rPr>
-              <a:t>Create a new feature, named customer status. If the customer  had more than one order, they should be labeled 'existing' otherwise they should be labeled 'new'.   </a:t>
-            </a:r>
-          </a:p>
-          <a:p>
-            <a:pPr>
-              <a:lnSpc>
-                <a:spcPts val="3639"/>
-              </a:lnSpc>
-            </a:pPr>
-            <a:endParaRPr lang="en-US" sz="2599" dirty="0">
-              <a:solidFill>
-                <a:srgbClr val="000000"/>
-              </a:solidFill>
-              <a:latin typeface="Fira Code Light"/>
-            </a:endParaRPr>
+              <a:rPr lang="en-US" sz="2199" dirty="0">
+                <a:solidFill>
+                  <a:srgbClr val="000000"/>
+                </a:solidFill>
+                <a:latin typeface="HK Grotesk Medium"/>
+              </a:rPr>
+              <a:t>Filter Data</a:t>
+            </a:r>
           </a:p>
         </p:txBody>
       </p:sp>
